--- a/figures.pptx
+++ b/figures.pptx
@@ -16,6 +16,10 @@
     <p:sldId id="265" r:id="rId10"/>
     <p:sldId id="261" r:id="rId11"/>
     <p:sldId id="256" r:id="rId12"/>
+    <p:sldId id="268" r:id="rId13"/>
+    <p:sldId id="270" r:id="rId14"/>
+    <p:sldId id="272" r:id="rId15"/>
+    <p:sldId id="273" r:id="rId16"/>
   </p:sldIdLst>
   <p:sldSz cx="12192000" cy="6858000"/>
   <p:notesSz cx="6858000" cy="9144000"/>
@@ -136,7 +140,7 @@
 <file path=ppt/revisionInfo.xml><?xml version="1.0" encoding="utf-8"?>
 <p1510:revInfo xmlns:a="http://schemas.openxmlformats.org/drawingml/2006/main" xmlns:r="http://schemas.openxmlformats.org/officeDocument/2006/relationships" xmlns:p1510="http://schemas.microsoft.com/office/powerpoint/2015/10/main">
   <p1510:revLst>
-    <p1510:client id="{496C4463-BB65-43E0-882C-7DE78E9DB6DC}" v="485" dt="2022-07-27T23:01:53.809"/>
+    <p1510:client id="{496C4463-BB65-43E0-882C-7DE78E9DB6DC}" v="775" dt="2022-07-29T22:25:16.816"/>
   </p1510:revLst>
 </p1510:revInfo>
 </file>
@@ -145,8 +149,8 @@
 <pc:chgInfo xmlns:a="http://schemas.openxmlformats.org/drawingml/2006/main" xmlns:r="http://schemas.openxmlformats.org/officeDocument/2006/relationships" xmlns:ac="http://schemas.microsoft.com/office/drawing/2013/main/command" xmlns:pc="http://schemas.microsoft.com/office/powerpoint/2013/main/command">
   <pc:docChgLst>
     <pc:chgData name="佐藤 良治" userId="f476b825f67e9d69" providerId="LiveId" clId="{496C4463-BB65-43E0-882C-7DE78E9DB6DC}"/>
-    <pc:docChg chg="undo custSel addSld modSld">
-      <pc:chgData name="佐藤 良治" userId="f476b825f67e9d69" providerId="LiveId" clId="{496C4463-BB65-43E0-882C-7DE78E9DB6DC}" dt="2022-07-27T23:01:53.809" v="643"/>
+    <pc:docChg chg="undo custSel addSld delSld modSld">
+      <pc:chgData name="佐藤 良治" userId="f476b825f67e9d69" providerId="LiveId" clId="{496C4463-BB65-43E0-882C-7DE78E9DB6DC}" dt="2022-07-29T22:25:16.816" v="1448" actId="20577"/>
       <pc:docMkLst>
         <pc:docMk/>
       </pc:docMkLst>
@@ -396,6 +400,272 @@
           <pc:sldMk cId="2582010581" sldId="266"/>
         </pc:sldMkLst>
       </pc:sldChg>
+      <pc:sldChg chg="new del">
+        <pc:chgData name="佐藤 良治" userId="f476b825f67e9d69" providerId="LiveId" clId="{496C4463-BB65-43E0-882C-7DE78E9DB6DC}" dt="2022-07-29T01:25:16.353" v="898" actId="47"/>
+        <pc:sldMkLst>
+          <pc:docMk/>
+          <pc:sldMk cId="2824472356" sldId="267"/>
+        </pc:sldMkLst>
+      </pc:sldChg>
+      <pc:sldChg chg="delSp modSp add mod">
+        <pc:chgData name="佐藤 良治" userId="f476b825f67e9d69" providerId="LiveId" clId="{496C4463-BB65-43E0-882C-7DE78E9DB6DC}" dt="2022-07-29T01:24:58.034" v="894" actId="1076"/>
+        <pc:sldMkLst>
+          <pc:docMk/>
+          <pc:sldMk cId="2398154178" sldId="268"/>
+        </pc:sldMkLst>
+        <pc:spChg chg="del">
+          <ac:chgData name="佐藤 良治" userId="f476b825f67e9d69" providerId="LiveId" clId="{496C4463-BB65-43E0-882C-7DE78E9DB6DC}" dt="2022-07-29T01:19:42.716" v="646" actId="478"/>
+          <ac:spMkLst>
+            <pc:docMk/>
+            <pc:sldMk cId="2398154178" sldId="268"/>
+            <ac:spMk id="2" creationId="{00000000-0000-0000-0000-000000000000}"/>
+          </ac:spMkLst>
+        </pc:spChg>
+        <pc:spChg chg="mod">
+          <ac:chgData name="佐藤 良治" userId="f476b825f67e9d69" providerId="LiveId" clId="{496C4463-BB65-43E0-882C-7DE78E9DB6DC}" dt="2022-07-29T01:24:40.766" v="892" actId="113"/>
+          <ac:spMkLst>
+            <pc:docMk/>
+            <pc:sldMk cId="2398154178" sldId="268"/>
+            <ac:spMk id="6" creationId="{00000000-0000-0000-0000-000000000000}"/>
+          </ac:spMkLst>
+        </pc:spChg>
+        <pc:spChg chg="mod">
+          <ac:chgData name="佐藤 良治" userId="f476b825f67e9d69" providerId="LiveId" clId="{496C4463-BB65-43E0-882C-7DE78E9DB6DC}" dt="2022-07-29T01:24:40.766" v="892" actId="113"/>
+          <ac:spMkLst>
+            <pc:docMk/>
+            <pc:sldMk cId="2398154178" sldId="268"/>
+            <ac:spMk id="7" creationId="{00000000-0000-0000-0000-000000000000}"/>
+          </ac:spMkLst>
+        </pc:spChg>
+        <pc:spChg chg="mod">
+          <ac:chgData name="佐藤 良治" userId="f476b825f67e9d69" providerId="LiveId" clId="{496C4463-BB65-43E0-882C-7DE78E9DB6DC}" dt="2022-07-29T01:24:40.766" v="892" actId="113"/>
+          <ac:spMkLst>
+            <pc:docMk/>
+            <pc:sldMk cId="2398154178" sldId="268"/>
+            <ac:spMk id="12" creationId="{00000000-0000-0000-0000-000000000000}"/>
+          </ac:spMkLst>
+        </pc:spChg>
+        <pc:spChg chg="mod">
+          <ac:chgData name="佐藤 良治" userId="f476b825f67e9d69" providerId="LiveId" clId="{496C4463-BB65-43E0-882C-7DE78E9DB6DC}" dt="2022-07-29T01:24:40.766" v="892" actId="113"/>
+          <ac:spMkLst>
+            <pc:docMk/>
+            <pc:sldMk cId="2398154178" sldId="268"/>
+            <ac:spMk id="13" creationId="{00000000-0000-0000-0000-000000000000}"/>
+          </ac:spMkLst>
+        </pc:spChg>
+        <pc:picChg chg="mod">
+          <ac:chgData name="佐藤 良治" userId="f476b825f67e9d69" providerId="LiveId" clId="{496C4463-BB65-43E0-882C-7DE78E9DB6DC}" dt="2022-07-29T01:24:58.034" v="894" actId="1076"/>
+          <ac:picMkLst>
+            <pc:docMk/>
+            <pc:sldMk cId="2398154178" sldId="268"/>
+            <ac:picMk id="1028" creationId="{00000000-0000-0000-0000-000000000000}"/>
+          </ac:picMkLst>
+        </pc:picChg>
+        <pc:picChg chg="mod">
+          <ac:chgData name="佐藤 良治" userId="f476b825f67e9d69" providerId="LiveId" clId="{496C4463-BB65-43E0-882C-7DE78E9DB6DC}" dt="2022-07-29T01:24:40.766" v="892" actId="113"/>
+          <ac:picMkLst>
+            <pc:docMk/>
+            <pc:sldMk cId="2398154178" sldId="268"/>
+            <ac:picMk id="1032" creationId="{00000000-0000-0000-0000-000000000000}"/>
+          </ac:picMkLst>
+        </pc:picChg>
+      </pc:sldChg>
+      <pc:sldChg chg="add del">
+        <pc:chgData name="佐藤 良治" userId="f476b825f67e9d69" providerId="LiveId" clId="{496C4463-BB65-43E0-882C-7DE78E9DB6DC}" dt="2022-07-29T01:25:15.545" v="897" actId="47"/>
+        <pc:sldMkLst>
+          <pc:docMk/>
+          <pc:sldMk cId="2820100486" sldId="269"/>
+        </pc:sldMkLst>
+      </pc:sldChg>
+      <pc:sldChg chg="addSp delSp modSp add mod">
+        <pc:chgData name="佐藤 良治" userId="f476b825f67e9d69" providerId="LiveId" clId="{496C4463-BB65-43E0-882C-7DE78E9DB6DC}" dt="2022-07-29T01:34:04.720" v="1055" actId="113"/>
+        <pc:sldMkLst>
+          <pc:docMk/>
+          <pc:sldMk cId="3569678687" sldId="270"/>
+        </pc:sldMkLst>
+        <pc:spChg chg="add del mod">
+          <ac:chgData name="佐藤 良治" userId="f476b825f67e9d69" providerId="LiveId" clId="{496C4463-BB65-43E0-882C-7DE78E9DB6DC}" dt="2022-07-29T01:27:44.096" v="937" actId="478"/>
+          <ac:spMkLst>
+            <pc:docMk/>
+            <pc:sldMk cId="3569678687" sldId="270"/>
+            <ac:spMk id="2" creationId="{A5DA17EB-D134-FDE6-AF52-060AE579EEAB}"/>
+          </ac:spMkLst>
+        </pc:spChg>
+        <pc:spChg chg="add mod">
+          <ac:chgData name="佐藤 良治" userId="f476b825f67e9d69" providerId="LiveId" clId="{496C4463-BB65-43E0-882C-7DE78E9DB6DC}" dt="2022-07-29T01:34:04.720" v="1055" actId="113"/>
+          <ac:spMkLst>
+            <pc:docMk/>
+            <pc:sldMk cId="3569678687" sldId="270"/>
+            <ac:spMk id="3" creationId="{3FCEFDF0-1471-154A-CA35-FE24E4CB7FCE}"/>
+          </ac:spMkLst>
+        </pc:spChg>
+        <pc:spChg chg="del">
+          <ac:chgData name="佐藤 良治" userId="f476b825f67e9d69" providerId="LiveId" clId="{496C4463-BB65-43E0-882C-7DE78E9DB6DC}" dt="2022-07-29T01:25:19.772" v="899" actId="478"/>
+          <ac:spMkLst>
+            <pc:docMk/>
+            <pc:sldMk cId="3569678687" sldId="270"/>
+            <ac:spMk id="6" creationId="{00000000-0000-0000-0000-000000000000}"/>
+          </ac:spMkLst>
+        </pc:spChg>
+        <pc:spChg chg="del">
+          <ac:chgData name="佐藤 良治" userId="f476b825f67e9d69" providerId="LiveId" clId="{496C4463-BB65-43E0-882C-7DE78E9DB6DC}" dt="2022-07-29T01:25:21.817" v="900" actId="478"/>
+          <ac:spMkLst>
+            <pc:docMk/>
+            <pc:sldMk cId="3569678687" sldId="270"/>
+            <ac:spMk id="7" creationId="{00000000-0000-0000-0000-000000000000}"/>
+          </ac:spMkLst>
+        </pc:spChg>
+        <pc:spChg chg="add mod">
+          <ac:chgData name="佐藤 良治" userId="f476b825f67e9d69" providerId="LiveId" clId="{496C4463-BB65-43E0-882C-7DE78E9DB6DC}" dt="2022-07-29T01:33:48.336" v="1054" actId="1076"/>
+          <ac:spMkLst>
+            <pc:docMk/>
+            <pc:sldMk cId="3569678687" sldId="270"/>
+            <ac:spMk id="10" creationId="{B95B86AA-A52E-0703-94F9-0EC854D4362F}"/>
+          </ac:spMkLst>
+        </pc:spChg>
+        <pc:spChg chg="del">
+          <ac:chgData name="佐藤 良治" userId="f476b825f67e9d69" providerId="LiveId" clId="{496C4463-BB65-43E0-882C-7DE78E9DB6DC}" dt="2022-07-29T01:31:38.601" v="1035" actId="478"/>
+          <ac:spMkLst>
+            <pc:docMk/>
+            <pc:sldMk cId="3569678687" sldId="270"/>
+            <ac:spMk id="12" creationId="{00000000-0000-0000-0000-000000000000}"/>
+          </ac:spMkLst>
+        </pc:spChg>
+        <pc:spChg chg="mod">
+          <ac:chgData name="佐藤 良治" userId="f476b825f67e9d69" providerId="LiveId" clId="{496C4463-BB65-43E0-882C-7DE78E9DB6DC}" dt="2022-07-29T01:33:37.652" v="1053" actId="1076"/>
+          <ac:spMkLst>
+            <pc:docMk/>
+            <pc:sldMk cId="3569678687" sldId="270"/>
+            <ac:spMk id="13" creationId="{00000000-0000-0000-0000-000000000000}"/>
+          </ac:spMkLst>
+        </pc:spChg>
+        <pc:picChg chg="mod">
+          <ac:chgData name="佐藤 良治" userId="f476b825f67e9d69" providerId="LiveId" clId="{496C4463-BB65-43E0-882C-7DE78E9DB6DC}" dt="2022-07-29T01:33:00.641" v="1049" actId="1076"/>
+          <ac:picMkLst>
+            <pc:docMk/>
+            <pc:sldMk cId="3569678687" sldId="270"/>
+            <ac:picMk id="1028" creationId="{00000000-0000-0000-0000-000000000000}"/>
+          </ac:picMkLst>
+        </pc:picChg>
+        <pc:picChg chg="mod">
+          <ac:chgData name="佐藤 良治" userId="f476b825f67e9d69" providerId="LiveId" clId="{496C4463-BB65-43E0-882C-7DE78E9DB6DC}" dt="2022-07-29T01:33:02.661" v="1050" actId="1076"/>
+          <ac:picMkLst>
+            <pc:docMk/>
+            <pc:sldMk cId="3569678687" sldId="270"/>
+            <ac:picMk id="1032" creationId="{00000000-0000-0000-0000-000000000000}"/>
+          </ac:picMkLst>
+        </pc:picChg>
+      </pc:sldChg>
+      <pc:sldChg chg="addSp delSp modSp mod">
+        <pc:chgData name="佐藤 良治" userId="f476b825f67e9d69" providerId="LiveId" clId="{496C4463-BB65-43E0-882C-7DE78E9DB6DC}" dt="2022-07-29T22:08:17.995" v="1205" actId="339"/>
+        <pc:sldMkLst>
+          <pc:docMk/>
+          <pc:sldMk cId="1094060119" sldId="272"/>
+        </pc:sldMkLst>
+        <pc:spChg chg="add mod ord">
+          <ac:chgData name="佐藤 良治" userId="f476b825f67e9d69" providerId="LiveId" clId="{496C4463-BB65-43E0-882C-7DE78E9DB6DC}" dt="2022-07-29T22:08:17.995" v="1205" actId="339"/>
+          <ac:spMkLst>
+            <pc:docMk/>
+            <pc:sldMk cId="1094060119" sldId="272"/>
+            <ac:spMk id="2" creationId="{2FDA06A9-7271-DD50-CCEA-135D2BA5C7DD}"/>
+          </ac:spMkLst>
+        </pc:spChg>
+        <pc:spChg chg="add mod">
+          <ac:chgData name="佐藤 良治" userId="f476b825f67e9d69" providerId="LiveId" clId="{496C4463-BB65-43E0-882C-7DE78E9DB6DC}" dt="2022-07-29T22:06:26.783" v="1197" actId="13822"/>
+          <ac:spMkLst>
+            <pc:docMk/>
+            <pc:sldMk cId="1094060119" sldId="272"/>
+            <ac:spMk id="4" creationId="{012E71C4-9FCC-5B50-B96C-C1B7A8B38BA4}"/>
+          </ac:spMkLst>
+        </pc:spChg>
+        <pc:spChg chg="add mod ord">
+          <ac:chgData name="佐藤 良治" userId="f476b825f67e9d69" providerId="LiveId" clId="{496C4463-BB65-43E0-882C-7DE78E9DB6DC}" dt="2022-07-29T22:05:45.168" v="1193" actId="166"/>
+          <ac:spMkLst>
+            <pc:docMk/>
+            <pc:sldMk cId="1094060119" sldId="272"/>
+            <ac:spMk id="5" creationId="{1E00F255-2CFC-9769-9281-A5EE89CFE25B}"/>
+          </ac:spMkLst>
+        </pc:spChg>
+        <pc:spChg chg="add mod">
+          <ac:chgData name="佐藤 良治" userId="f476b825f67e9d69" providerId="LiveId" clId="{496C4463-BB65-43E0-882C-7DE78E9DB6DC}" dt="2022-07-29T22:06:19.597" v="1196" actId="13822"/>
+          <ac:spMkLst>
+            <pc:docMk/>
+            <pc:sldMk cId="1094060119" sldId="272"/>
+            <ac:spMk id="6" creationId="{F8C63B2B-956C-5A65-53EA-9A01ECBE3B3C}"/>
+          </ac:spMkLst>
+        </pc:spChg>
+        <pc:spChg chg="add del mod">
+          <ac:chgData name="佐藤 良治" userId="f476b825f67e9d69" providerId="LiveId" clId="{496C4463-BB65-43E0-882C-7DE78E9DB6DC}" dt="2022-07-29T22:03:07.679" v="1119"/>
+          <ac:spMkLst>
+            <pc:docMk/>
+            <pc:sldMk cId="1094060119" sldId="272"/>
+            <ac:spMk id="7" creationId="{F5B81D0F-DD6E-483B-9729-F7E7E0EEA8FB}"/>
+          </ac:spMkLst>
+        </pc:spChg>
+        <pc:spChg chg="add mod ord">
+          <ac:chgData name="佐藤 良治" userId="f476b825f67e9d69" providerId="LiveId" clId="{496C4463-BB65-43E0-882C-7DE78E9DB6DC}" dt="2022-07-29T22:05:37.102" v="1191" actId="1076"/>
+          <ac:spMkLst>
+            <pc:docMk/>
+            <pc:sldMk cId="1094060119" sldId="272"/>
+            <ac:spMk id="8" creationId="{B936B592-F0C0-F8FD-6760-74A077E6DB71}"/>
+          </ac:spMkLst>
+        </pc:spChg>
+        <pc:spChg chg="add mod">
+          <ac:chgData name="佐藤 良治" userId="f476b825f67e9d69" providerId="LiveId" clId="{496C4463-BB65-43E0-882C-7DE78E9DB6DC}" dt="2022-07-29T22:06:19.597" v="1196" actId="13822"/>
+          <ac:spMkLst>
+            <pc:docMk/>
+            <pc:sldMk cId="1094060119" sldId="272"/>
+            <ac:spMk id="9" creationId="{FB8B48B4-D712-F165-58F8-46FA6A4C7344}"/>
+          </ac:spMkLst>
+        </pc:spChg>
+        <pc:spChg chg="add mod">
+          <ac:chgData name="佐藤 良治" userId="f476b825f67e9d69" providerId="LiveId" clId="{496C4463-BB65-43E0-882C-7DE78E9DB6DC}" dt="2022-07-29T22:07:13.582" v="1201" actId="1076"/>
+          <ac:spMkLst>
+            <pc:docMk/>
+            <pc:sldMk cId="1094060119" sldId="272"/>
+            <ac:spMk id="10" creationId="{F269B8DB-FEEC-A4DD-B628-89A0FC524FD8}"/>
+          </ac:spMkLst>
+        </pc:spChg>
+        <pc:spChg chg="add mod">
+          <ac:chgData name="佐藤 良治" userId="f476b825f67e9d69" providerId="LiveId" clId="{496C4463-BB65-43E0-882C-7DE78E9DB6DC}" dt="2022-07-29T22:06:26.783" v="1197" actId="13822"/>
+          <ac:spMkLst>
+            <pc:docMk/>
+            <pc:sldMk cId="1094060119" sldId="272"/>
+            <ac:spMk id="11" creationId="{F73C472E-FF94-379D-A075-FA4DA64CA305}"/>
+          </ac:spMkLst>
+        </pc:spChg>
+        <pc:spChg chg="add mod">
+          <ac:chgData name="佐藤 良治" userId="f476b825f67e9d69" providerId="LiveId" clId="{496C4463-BB65-43E0-882C-7DE78E9DB6DC}" dt="2022-07-29T22:06:57.126" v="1199" actId="1076"/>
+          <ac:spMkLst>
+            <pc:docMk/>
+            <pc:sldMk cId="1094060119" sldId="272"/>
+            <ac:spMk id="12" creationId="{FDCF535D-F060-E5BA-D8C5-109462A5E42C}"/>
+          </ac:spMkLst>
+        </pc:spChg>
+        <pc:graphicFrameChg chg="del">
+          <ac:chgData name="佐藤 良治" userId="f476b825f67e9d69" providerId="LiveId" clId="{496C4463-BB65-43E0-882C-7DE78E9DB6DC}" dt="2022-07-29T22:01:39.166" v="1056" actId="478"/>
+          <ac:graphicFrameMkLst>
+            <pc:docMk/>
+            <pc:sldMk cId="1094060119" sldId="272"/>
+            <ac:graphicFrameMk id="3" creationId="{C7621994-58A5-9249-B006-97599F5DA70A}"/>
+          </ac:graphicFrameMkLst>
+        </pc:graphicFrameChg>
+      </pc:sldChg>
+      <pc:sldChg chg="addSp modSp new mod">
+        <pc:chgData name="佐藤 良治" userId="f476b825f67e9d69" providerId="LiveId" clId="{496C4463-BB65-43E0-882C-7DE78E9DB6DC}" dt="2022-07-29T22:25:16.816" v="1448" actId="20577"/>
+        <pc:sldMkLst>
+          <pc:docMk/>
+          <pc:sldMk cId="3066836162" sldId="273"/>
+        </pc:sldMkLst>
+        <pc:graphicFrameChg chg="add mod modGraphic">
+          <ac:chgData name="佐藤 良治" userId="f476b825f67e9d69" providerId="LiveId" clId="{496C4463-BB65-43E0-882C-7DE78E9DB6DC}" dt="2022-07-29T22:25:16.816" v="1448" actId="20577"/>
+          <ac:graphicFrameMkLst>
+            <pc:docMk/>
+            <pc:sldMk cId="3066836162" sldId="273"/>
+            <ac:graphicFrameMk id="2" creationId="{8CBAA016-2FA7-B959-1EFB-6280936F6BA6}"/>
+          </ac:graphicFrameMkLst>
+        </pc:graphicFrameChg>
+      </pc:sldChg>
     </pc:docChg>
   </pc:docChgLst>
 </pc:chgInfo>
@@ -2713,6 +2983,788 @@
 </file>
 
 <file path=ppt/diagrams/colors4.xml><?xml version="1.0" encoding="utf-8"?>
+<dgm:colorsDef xmlns:dgm="http://schemas.openxmlformats.org/drawingml/2006/diagram" xmlns:a="http://schemas.openxmlformats.org/drawingml/2006/main" uniqueId="urn:microsoft.com/office/officeart/2005/8/colors/colorful5">
+  <dgm:title val=""/>
+  <dgm:desc val=""/>
+  <dgm:catLst>
+    <dgm:cat type="colorful" pri="10500"/>
+  </dgm:catLst>
+  <dgm:styleLbl name="node0">
+    <dgm:fillClrLst meth="repeat">
+      <a:schemeClr val="accent4"/>
+    </dgm:fillClrLst>
+    <dgm:linClrLst meth="repeat">
+      <a:schemeClr val="lt1"/>
+    </dgm:linClrLst>
+    <dgm:effectClrLst/>
+    <dgm:txLinClrLst/>
+    <dgm:txFillClrLst/>
+    <dgm:txEffectClrLst/>
+  </dgm:styleLbl>
+  <dgm:styleLbl name="node1">
+    <dgm:fillClrLst>
+      <a:schemeClr val="accent5"/>
+      <a:schemeClr val="accent6"/>
+    </dgm:fillClrLst>
+    <dgm:linClrLst meth="repeat">
+      <a:schemeClr val="lt1"/>
+    </dgm:linClrLst>
+    <dgm:effectClrLst/>
+    <dgm:txLinClrLst/>
+    <dgm:txFillClrLst/>
+    <dgm:txEffectClrLst/>
+  </dgm:styleLbl>
+  <dgm:styleLbl name="alignNode1">
+    <dgm:fillClrLst>
+      <a:schemeClr val="accent5"/>
+      <a:schemeClr val="accent6"/>
+    </dgm:fillClrLst>
+    <dgm:linClrLst>
+      <a:schemeClr val="accent5"/>
+      <a:schemeClr val="accent6"/>
+    </dgm:linClrLst>
+    <dgm:effectClrLst/>
+    <dgm:txLinClrLst/>
+    <dgm:txFillClrLst/>
+    <dgm:txEffectClrLst/>
+  </dgm:styleLbl>
+  <dgm:styleLbl name="lnNode1">
+    <dgm:fillClrLst>
+      <a:schemeClr val="accent5"/>
+      <a:schemeClr val="accent6"/>
+    </dgm:fillClrLst>
+    <dgm:linClrLst meth="repeat">
+      <a:schemeClr val="lt1"/>
+    </dgm:linClrLst>
+    <dgm:effectClrLst/>
+    <dgm:txLinClrLst/>
+    <dgm:txFillClrLst/>
+    <dgm:txEffectClrLst/>
+  </dgm:styleLbl>
+  <dgm:styleLbl name="vennNode1">
+    <dgm:fillClrLst>
+      <a:schemeClr val="accent5">
+        <a:alpha val="50000"/>
+      </a:schemeClr>
+      <a:schemeClr val="accent6">
+        <a:alpha val="50000"/>
+      </a:schemeClr>
+    </dgm:fillClrLst>
+    <dgm:linClrLst meth="repeat">
+      <a:schemeClr val="lt1"/>
+    </dgm:linClrLst>
+    <dgm:effectClrLst/>
+    <dgm:txLinClrLst/>
+    <dgm:txFillClrLst/>
+    <dgm:txEffectClrLst/>
+  </dgm:styleLbl>
+  <dgm:styleLbl name="node2">
+    <dgm:fillClrLst>
+      <a:schemeClr val="accent6"/>
+    </dgm:fillClrLst>
+    <dgm:linClrLst meth="repeat">
+      <a:schemeClr val="lt1"/>
+    </dgm:linClrLst>
+    <dgm:effectClrLst/>
+    <dgm:txLinClrLst/>
+    <dgm:txFillClrLst/>
+    <dgm:txEffectClrLst/>
+  </dgm:styleLbl>
+  <dgm:styleLbl name="node3">
+    <dgm:fillClrLst>
+      <a:schemeClr val="accent1"/>
+    </dgm:fillClrLst>
+    <dgm:linClrLst meth="repeat">
+      <a:schemeClr val="lt1"/>
+    </dgm:linClrLst>
+    <dgm:effectClrLst/>
+    <dgm:txLinClrLst/>
+    <dgm:txFillClrLst/>
+    <dgm:txEffectClrLst/>
+  </dgm:styleLbl>
+  <dgm:styleLbl name="node4">
+    <dgm:fillClrLst>
+      <a:schemeClr val="accent2"/>
+    </dgm:fillClrLst>
+    <dgm:linClrLst meth="repeat">
+      <a:schemeClr val="lt1"/>
+    </dgm:linClrLst>
+    <dgm:effectClrLst/>
+    <dgm:txLinClrLst/>
+    <dgm:txFillClrLst/>
+    <dgm:txEffectClrLst/>
+  </dgm:styleLbl>
+  <dgm:styleLbl name="fgImgPlace1">
+    <dgm:fillClrLst>
+      <a:schemeClr val="accent5">
+        <a:tint val="50000"/>
+      </a:schemeClr>
+      <a:schemeClr val="accent6">
+        <a:tint val="50000"/>
+      </a:schemeClr>
+    </dgm:fillClrLst>
+    <dgm:linClrLst meth="repeat">
+      <a:schemeClr val="lt1"/>
+    </dgm:linClrLst>
+    <dgm:effectClrLst/>
+    <dgm:txLinClrLst/>
+    <dgm:txFillClrLst meth="repeat">
+      <a:schemeClr val="lt1"/>
+    </dgm:txFillClrLst>
+    <dgm:txEffectClrLst/>
+  </dgm:styleLbl>
+  <dgm:styleLbl name="alignImgPlace1">
+    <dgm:fillClrLst>
+      <a:schemeClr val="accent5">
+        <a:tint val="50000"/>
+      </a:schemeClr>
+      <a:schemeClr val="accent6">
+        <a:tint val="20000"/>
+      </a:schemeClr>
+    </dgm:fillClrLst>
+    <dgm:linClrLst meth="repeat">
+      <a:schemeClr val="lt1"/>
+    </dgm:linClrLst>
+    <dgm:effectClrLst/>
+    <dgm:txLinClrLst/>
+    <dgm:txFillClrLst meth="repeat">
+      <a:schemeClr val="lt1"/>
+    </dgm:txFillClrLst>
+    <dgm:txEffectClrLst/>
+  </dgm:styleLbl>
+  <dgm:styleLbl name="bgImgPlace1">
+    <dgm:fillClrLst>
+      <a:schemeClr val="accent5">
+        <a:tint val="50000"/>
+      </a:schemeClr>
+      <a:schemeClr val="accent6">
+        <a:tint val="20000"/>
+      </a:schemeClr>
+    </dgm:fillClrLst>
+    <dgm:linClrLst meth="repeat">
+      <a:schemeClr val="lt1"/>
+    </dgm:linClrLst>
+    <dgm:effectClrLst/>
+    <dgm:txLinClrLst/>
+    <dgm:txFillClrLst meth="repeat">
+      <a:schemeClr val="lt1"/>
+    </dgm:txFillClrLst>
+    <dgm:txEffectClrLst/>
+  </dgm:styleLbl>
+  <dgm:styleLbl name="sibTrans2D1">
+    <dgm:fillClrLst>
+      <a:schemeClr val="accent5"/>
+      <a:schemeClr val="accent6"/>
+    </dgm:fillClrLst>
+    <dgm:linClrLst meth="repeat">
+      <a:schemeClr val="lt1"/>
+    </dgm:linClrLst>
+    <dgm:effectClrLst/>
+    <dgm:txLinClrLst/>
+    <dgm:txFillClrLst/>
+    <dgm:txEffectClrLst/>
+  </dgm:styleLbl>
+  <dgm:styleLbl name="fgSibTrans2D1">
+    <dgm:fillClrLst>
+      <a:schemeClr val="accent5"/>
+      <a:schemeClr val="accent6"/>
+    </dgm:fillClrLst>
+    <dgm:linClrLst meth="repeat">
+      <a:schemeClr val="lt1"/>
+    </dgm:linClrLst>
+    <dgm:effectClrLst/>
+    <dgm:txLinClrLst/>
+    <dgm:txFillClrLst meth="repeat">
+      <a:schemeClr val="lt1"/>
+    </dgm:txFillClrLst>
+    <dgm:txEffectClrLst/>
+  </dgm:styleLbl>
+  <dgm:styleLbl name="bgSibTrans2D1">
+    <dgm:fillClrLst>
+      <a:schemeClr val="accent5"/>
+      <a:schemeClr val="accent6"/>
+    </dgm:fillClrLst>
+    <dgm:linClrLst meth="repeat">
+      <a:schemeClr val="lt1"/>
+    </dgm:linClrLst>
+    <dgm:effectClrLst/>
+    <dgm:txLinClrLst/>
+    <dgm:txFillClrLst meth="repeat">
+      <a:schemeClr val="lt1"/>
+    </dgm:txFillClrLst>
+    <dgm:txEffectClrLst/>
+  </dgm:styleLbl>
+  <dgm:styleLbl name="sibTrans1D1">
+    <dgm:fillClrLst/>
+    <dgm:linClrLst>
+      <a:schemeClr val="accent5"/>
+      <a:schemeClr val="accent6"/>
+    </dgm:linClrLst>
+    <dgm:effectClrLst/>
+    <dgm:txLinClrLst/>
+    <dgm:txFillClrLst meth="repeat">
+      <a:schemeClr val="tx1"/>
+    </dgm:txFillClrLst>
+    <dgm:txEffectClrLst/>
+  </dgm:styleLbl>
+  <dgm:styleLbl name="callout">
+    <dgm:fillClrLst meth="repeat">
+      <a:schemeClr val="accent5"/>
+    </dgm:fillClrLst>
+    <dgm:linClrLst meth="repeat">
+      <a:schemeClr val="accent5">
+        <a:tint val="50000"/>
+      </a:schemeClr>
+    </dgm:linClrLst>
+    <dgm:effectClrLst/>
+    <dgm:txLinClrLst/>
+    <dgm:txFillClrLst meth="repeat">
+      <a:schemeClr val="tx1"/>
+    </dgm:txFillClrLst>
+    <dgm:txEffectClrLst/>
+  </dgm:styleLbl>
+  <dgm:styleLbl name="asst0">
+    <dgm:fillClrLst meth="repeat">
+      <a:schemeClr val="accent5"/>
+    </dgm:fillClrLst>
+    <dgm:linClrLst meth="repeat">
+      <a:schemeClr val="lt1">
+        <a:shade val="80000"/>
+      </a:schemeClr>
+    </dgm:linClrLst>
+    <dgm:effectClrLst/>
+    <dgm:txLinClrLst/>
+    <dgm:txFillClrLst/>
+    <dgm:txEffectClrLst/>
+  </dgm:styleLbl>
+  <dgm:styleLbl name="asst1">
+    <dgm:fillClrLst meth="repeat">
+      <a:schemeClr val="accent6"/>
+    </dgm:fillClrLst>
+    <dgm:linClrLst meth="repeat">
+      <a:schemeClr val="lt1">
+        <a:shade val="80000"/>
+      </a:schemeClr>
+    </dgm:linClrLst>
+    <dgm:effectClrLst/>
+    <dgm:txLinClrLst/>
+    <dgm:txFillClrLst/>
+    <dgm:txEffectClrLst/>
+  </dgm:styleLbl>
+  <dgm:styleLbl name="asst2">
+    <dgm:fillClrLst>
+      <a:schemeClr val="accent1"/>
+    </dgm:fillClrLst>
+    <dgm:linClrLst meth="repeat">
+      <a:schemeClr val="lt1"/>
+    </dgm:linClrLst>
+    <dgm:effectClrLst/>
+    <dgm:txLinClrLst/>
+    <dgm:txFillClrLst/>
+    <dgm:txEffectClrLst/>
+  </dgm:styleLbl>
+  <dgm:styleLbl name="asst3">
+    <dgm:fillClrLst>
+      <a:schemeClr val="accent2"/>
+    </dgm:fillClrLst>
+    <dgm:linClrLst meth="repeat">
+      <a:schemeClr val="lt1"/>
+    </dgm:linClrLst>
+    <dgm:effectClrLst/>
+    <dgm:txLinClrLst/>
+    <dgm:txFillClrLst/>
+    <dgm:txEffectClrLst/>
+  </dgm:styleLbl>
+  <dgm:styleLbl name="asst4">
+    <dgm:fillClrLst>
+      <a:schemeClr val="accent3"/>
+    </dgm:fillClrLst>
+    <dgm:linClrLst meth="repeat">
+      <a:schemeClr val="lt1"/>
+    </dgm:linClrLst>
+    <dgm:effectClrLst/>
+    <dgm:txLinClrLst/>
+    <dgm:txFillClrLst/>
+    <dgm:txEffectClrLst/>
+  </dgm:styleLbl>
+  <dgm:styleLbl name="parChTrans2D1">
+    <dgm:fillClrLst meth="repeat">
+      <a:schemeClr val="accent5"/>
+    </dgm:fillClrLst>
+    <dgm:linClrLst meth="repeat">
+      <a:schemeClr val="lt1"/>
+    </dgm:linClrLst>
+    <dgm:effectClrLst/>
+    <dgm:txLinClrLst/>
+    <dgm:txFillClrLst meth="repeat">
+      <a:schemeClr val="lt1"/>
+    </dgm:txFillClrLst>
+    <dgm:txEffectClrLst/>
+  </dgm:styleLbl>
+  <dgm:styleLbl name="parChTrans2D2">
+    <dgm:fillClrLst meth="repeat">
+      <a:schemeClr val="accent6"/>
+    </dgm:fillClrLst>
+    <dgm:linClrLst meth="repeat">
+      <a:schemeClr val="lt1"/>
+    </dgm:linClrLst>
+    <dgm:effectClrLst/>
+    <dgm:txLinClrLst/>
+    <dgm:txFillClrLst/>
+    <dgm:txEffectClrLst/>
+  </dgm:styleLbl>
+  <dgm:styleLbl name="parChTrans2D3">
+    <dgm:fillClrLst meth="repeat">
+      <a:schemeClr val="accent6"/>
+    </dgm:fillClrLst>
+    <dgm:linClrLst meth="repeat">
+      <a:schemeClr val="lt1"/>
+    </dgm:linClrLst>
+    <dgm:effectClrLst/>
+    <dgm:txLinClrLst/>
+    <dgm:txFillClrLst/>
+    <dgm:txEffectClrLst/>
+  </dgm:styleLbl>
+  <dgm:styleLbl name="parChTrans2D4">
+    <dgm:fillClrLst meth="repeat">
+      <a:schemeClr val="accent1"/>
+    </dgm:fillClrLst>
+    <dgm:linClrLst meth="repeat">
+      <a:schemeClr val="lt1"/>
+    </dgm:linClrLst>
+    <dgm:effectClrLst/>
+    <dgm:txLinClrLst/>
+    <dgm:txFillClrLst meth="repeat">
+      <a:schemeClr val="lt1"/>
+    </dgm:txFillClrLst>
+    <dgm:txEffectClrLst/>
+  </dgm:styleLbl>
+  <dgm:styleLbl name="parChTrans1D1">
+    <dgm:fillClrLst meth="repeat">
+      <a:schemeClr val="accent5"/>
+    </dgm:fillClrLst>
+    <dgm:linClrLst meth="repeat">
+      <a:schemeClr val="accent5"/>
+    </dgm:linClrLst>
+    <dgm:effectClrLst/>
+    <dgm:txLinClrLst/>
+    <dgm:txFillClrLst meth="repeat">
+      <a:schemeClr val="tx1"/>
+    </dgm:txFillClrLst>
+    <dgm:txEffectClrLst/>
+  </dgm:styleLbl>
+  <dgm:styleLbl name="parChTrans1D2">
+    <dgm:fillClrLst meth="repeat">
+      <a:schemeClr val="accent6">
+        <a:tint val="90000"/>
+      </a:schemeClr>
+    </dgm:fillClrLst>
+    <dgm:linClrLst meth="repeat">
+      <a:schemeClr val="accent6"/>
+    </dgm:linClrLst>
+    <dgm:effectClrLst/>
+    <dgm:txLinClrLst/>
+    <dgm:txFillClrLst meth="repeat">
+      <a:schemeClr val="tx1"/>
+    </dgm:txFillClrLst>
+    <dgm:txEffectClrLst/>
+  </dgm:styleLbl>
+  <dgm:styleLbl name="parChTrans1D3">
+    <dgm:fillClrLst meth="repeat">
+      <a:schemeClr val="accent6">
+        <a:tint val="70000"/>
+      </a:schemeClr>
+    </dgm:fillClrLst>
+    <dgm:linClrLst meth="repeat">
+      <a:schemeClr val="accent1"/>
+    </dgm:linClrLst>
+    <dgm:effectClrLst/>
+    <dgm:txLinClrLst/>
+    <dgm:txFillClrLst meth="repeat">
+      <a:schemeClr val="tx1"/>
+    </dgm:txFillClrLst>
+    <dgm:txEffectClrLst/>
+  </dgm:styleLbl>
+  <dgm:styleLbl name="parChTrans1D4">
+    <dgm:fillClrLst meth="repeat">
+      <a:schemeClr val="accent6">
+        <a:tint val="50000"/>
+      </a:schemeClr>
+    </dgm:fillClrLst>
+    <dgm:linClrLst meth="repeat">
+      <a:schemeClr val="accent2"/>
+    </dgm:linClrLst>
+    <dgm:effectClrLst/>
+    <dgm:txLinClrLst/>
+    <dgm:txFillClrLst meth="repeat">
+      <a:schemeClr val="tx1"/>
+    </dgm:txFillClrLst>
+    <dgm:txEffectClrLst/>
+  </dgm:styleLbl>
+  <dgm:styleLbl name="fgAcc1">
+    <dgm:fillClrLst meth="repeat">
+      <a:schemeClr val="lt1">
+        <a:alpha val="90000"/>
+      </a:schemeClr>
+    </dgm:fillClrLst>
+    <dgm:linClrLst>
+      <a:schemeClr val="accent5"/>
+      <a:schemeClr val="accent6"/>
+    </dgm:linClrLst>
+    <dgm:effectClrLst/>
+    <dgm:txLinClrLst/>
+    <dgm:txFillClrLst meth="repeat">
+      <a:schemeClr val="dk1"/>
+    </dgm:txFillClrLst>
+    <dgm:txEffectClrLst/>
+  </dgm:styleLbl>
+  <dgm:styleLbl name="conFgAcc1">
+    <dgm:fillClrLst meth="repeat">
+      <a:schemeClr val="lt1">
+        <a:alpha val="90000"/>
+      </a:schemeClr>
+    </dgm:fillClrLst>
+    <dgm:linClrLst>
+      <a:schemeClr val="accent5"/>
+      <a:schemeClr val="accent6"/>
+    </dgm:linClrLst>
+    <dgm:effectClrLst/>
+    <dgm:txLinClrLst/>
+    <dgm:txFillClrLst meth="repeat">
+      <a:schemeClr val="dk1"/>
+    </dgm:txFillClrLst>
+    <dgm:txEffectClrLst/>
+  </dgm:styleLbl>
+  <dgm:styleLbl name="alignAcc1">
+    <dgm:fillClrLst meth="repeat">
+      <a:schemeClr val="lt1">
+        <a:alpha val="90000"/>
+      </a:schemeClr>
+    </dgm:fillClrLst>
+    <dgm:linClrLst>
+      <a:schemeClr val="accent5"/>
+      <a:schemeClr val="accent6"/>
+    </dgm:linClrLst>
+    <dgm:effectClrLst/>
+    <dgm:txLinClrLst/>
+    <dgm:txFillClrLst meth="repeat">
+      <a:schemeClr val="dk1"/>
+    </dgm:txFillClrLst>
+    <dgm:txEffectClrLst/>
+  </dgm:styleLbl>
+  <dgm:styleLbl name="trAlignAcc1">
+    <dgm:fillClrLst meth="repeat">
+      <a:schemeClr val="lt1">
+        <a:alpha val="40000"/>
+      </a:schemeClr>
+    </dgm:fillClrLst>
+    <dgm:linClrLst meth="repeat">
+      <a:schemeClr val="accent5"/>
+    </dgm:linClrLst>
+    <dgm:effectClrLst/>
+    <dgm:txLinClrLst/>
+    <dgm:txFillClrLst meth="repeat">
+      <a:schemeClr val="dk1"/>
+    </dgm:txFillClrLst>
+    <dgm:txEffectClrLst/>
+  </dgm:styleLbl>
+  <dgm:styleLbl name="bgAcc1">
+    <dgm:fillClrLst meth="repeat">
+      <a:schemeClr val="lt1">
+        <a:alpha val="90000"/>
+      </a:schemeClr>
+    </dgm:fillClrLst>
+    <dgm:linClrLst>
+      <a:schemeClr val="accent5"/>
+      <a:schemeClr val="accent6"/>
+    </dgm:linClrLst>
+    <dgm:effectClrLst/>
+    <dgm:txLinClrLst/>
+    <dgm:txFillClrLst meth="repeat">
+      <a:schemeClr val="dk1"/>
+    </dgm:txFillClrLst>
+    <dgm:txEffectClrLst/>
+  </dgm:styleLbl>
+  <dgm:styleLbl name="solidFgAcc1">
+    <dgm:fillClrLst meth="repeat">
+      <a:schemeClr val="lt1"/>
+    </dgm:fillClrLst>
+    <dgm:linClrLst>
+      <a:schemeClr val="accent5"/>
+      <a:schemeClr val="accent6"/>
+    </dgm:linClrLst>
+    <dgm:effectClrLst/>
+    <dgm:txLinClrLst/>
+    <dgm:txFillClrLst meth="repeat">
+      <a:schemeClr val="dk1"/>
+    </dgm:txFillClrLst>
+    <dgm:txEffectClrLst/>
+  </dgm:styleLbl>
+  <dgm:styleLbl name="solidAlignAcc1">
+    <dgm:fillClrLst meth="repeat">
+      <a:schemeClr val="lt1"/>
+    </dgm:fillClrLst>
+    <dgm:linClrLst>
+      <a:schemeClr val="accent5"/>
+      <a:schemeClr val="accent6"/>
+    </dgm:linClrLst>
+    <dgm:effectClrLst/>
+    <dgm:txLinClrLst/>
+    <dgm:txFillClrLst meth="repeat">
+      <a:schemeClr val="dk1"/>
+    </dgm:txFillClrLst>
+    <dgm:txEffectClrLst/>
+  </dgm:styleLbl>
+  <dgm:styleLbl name="solidBgAcc1">
+    <dgm:fillClrLst meth="repeat">
+      <a:schemeClr val="lt1"/>
+    </dgm:fillClrLst>
+    <dgm:linClrLst>
+      <a:schemeClr val="accent5"/>
+      <a:schemeClr val="accent6"/>
+    </dgm:linClrLst>
+    <dgm:effectClrLst/>
+    <dgm:txLinClrLst/>
+    <dgm:txFillClrLst meth="repeat">
+      <a:schemeClr val="dk1"/>
+    </dgm:txFillClrLst>
+    <dgm:txEffectClrLst/>
+  </dgm:styleLbl>
+  <dgm:styleLbl name="fgAccFollowNode1">
+    <dgm:fillClrLst>
+      <a:schemeClr val="accent5">
+        <a:tint val="40000"/>
+        <a:alpha val="90000"/>
+      </a:schemeClr>
+      <a:schemeClr val="accent6">
+        <a:tint val="40000"/>
+        <a:alpha val="90000"/>
+      </a:schemeClr>
+    </dgm:fillClrLst>
+    <dgm:linClrLst>
+      <a:schemeClr val="accent5">
+        <a:tint val="40000"/>
+        <a:alpha val="90000"/>
+      </a:schemeClr>
+      <a:schemeClr val="accent5">
+        <a:tint val="40000"/>
+        <a:alpha val="90000"/>
+      </a:schemeClr>
+    </dgm:linClrLst>
+    <dgm:effectClrLst/>
+    <dgm:txLinClrLst/>
+    <dgm:txFillClrLst meth="repeat">
+      <a:schemeClr val="dk1"/>
+    </dgm:txFillClrLst>
+    <dgm:txEffectClrLst/>
+  </dgm:styleLbl>
+  <dgm:styleLbl name="alignAccFollowNode1">
+    <dgm:fillClrLst>
+      <a:schemeClr val="accent5">
+        <a:tint val="40000"/>
+        <a:alpha val="90000"/>
+      </a:schemeClr>
+      <a:schemeClr val="accent6">
+        <a:tint val="40000"/>
+        <a:alpha val="90000"/>
+      </a:schemeClr>
+    </dgm:fillClrLst>
+    <dgm:linClrLst>
+      <a:schemeClr val="accent5">
+        <a:tint val="40000"/>
+        <a:alpha val="90000"/>
+      </a:schemeClr>
+      <a:schemeClr val="accent6">
+        <a:tint val="40000"/>
+        <a:alpha val="90000"/>
+      </a:schemeClr>
+    </dgm:linClrLst>
+    <dgm:effectClrLst/>
+    <dgm:txLinClrLst/>
+    <dgm:txFillClrLst meth="repeat">
+      <a:schemeClr val="dk1"/>
+    </dgm:txFillClrLst>
+    <dgm:txEffectClrLst/>
+  </dgm:styleLbl>
+  <dgm:styleLbl name="bgAccFollowNode1">
+    <dgm:fillClrLst>
+      <a:schemeClr val="accent5">
+        <a:tint val="40000"/>
+        <a:alpha val="90000"/>
+      </a:schemeClr>
+      <a:schemeClr val="accent6">
+        <a:tint val="40000"/>
+        <a:alpha val="90000"/>
+      </a:schemeClr>
+    </dgm:fillClrLst>
+    <dgm:linClrLst>
+      <a:schemeClr val="accent5">
+        <a:tint val="40000"/>
+        <a:alpha val="90000"/>
+      </a:schemeClr>
+      <a:schemeClr val="accent6">
+        <a:tint val="40000"/>
+        <a:alpha val="90000"/>
+      </a:schemeClr>
+    </dgm:linClrLst>
+    <dgm:effectClrLst/>
+    <dgm:txLinClrLst/>
+    <dgm:txFillClrLst meth="repeat">
+      <a:schemeClr val="dk1"/>
+    </dgm:txFillClrLst>
+    <dgm:txEffectClrLst/>
+  </dgm:styleLbl>
+  <dgm:styleLbl name="fgAcc0">
+    <dgm:fillClrLst meth="repeat">
+      <a:schemeClr val="lt1">
+        <a:alpha val="90000"/>
+      </a:schemeClr>
+    </dgm:fillClrLst>
+    <dgm:linClrLst>
+      <a:schemeClr val="accent4"/>
+    </dgm:linClrLst>
+    <dgm:effectClrLst/>
+    <dgm:txLinClrLst/>
+    <dgm:txFillClrLst meth="repeat">
+      <a:schemeClr val="dk1"/>
+    </dgm:txFillClrLst>
+    <dgm:txEffectClrLst/>
+  </dgm:styleLbl>
+  <dgm:styleLbl name="fgAcc2">
+    <dgm:fillClrLst meth="repeat">
+      <a:schemeClr val="lt1">
+        <a:alpha val="90000"/>
+      </a:schemeClr>
+    </dgm:fillClrLst>
+    <dgm:linClrLst>
+      <a:schemeClr val="accent6"/>
+    </dgm:linClrLst>
+    <dgm:effectClrLst/>
+    <dgm:txLinClrLst/>
+    <dgm:txFillClrLst meth="repeat">
+      <a:schemeClr val="dk1"/>
+    </dgm:txFillClrLst>
+    <dgm:txEffectClrLst/>
+  </dgm:styleLbl>
+  <dgm:styleLbl name="fgAcc3">
+    <dgm:fillClrLst meth="repeat">
+      <a:schemeClr val="lt1">
+        <a:alpha val="90000"/>
+      </a:schemeClr>
+    </dgm:fillClrLst>
+    <dgm:linClrLst>
+      <a:schemeClr val="accent1"/>
+    </dgm:linClrLst>
+    <dgm:effectClrLst/>
+    <dgm:txLinClrLst/>
+    <dgm:txFillClrLst meth="repeat">
+      <a:schemeClr val="dk1"/>
+    </dgm:txFillClrLst>
+    <dgm:txEffectClrLst/>
+  </dgm:styleLbl>
+  <dgm:styleLbl name="fgAcc4">
+    <dgm:fillClrLst meth="repeat">
+      <a:schemeClr val="lt1">
+        <a:alpha val="90000"/>
+      </a:schemeClr>
+    </dgm:fillClrLst>
+    <dgm:linClrLst>
+      <a:schemeClr val="accent2"/>
+    </dgm:linClrLst>
+    <dgm:effectClrLst/>
+    <dgm:txLinClrLst/>
+    <dgm:txFillClrLst meth="repeat">
+      <a:schemeClr val="dk1"/>
+    </dgm:txFillClrLst>
+    <dgm:txEffectClrLst/>
+  </dgm:styleLbl>
+  <dgm:styleLbl name="bgShp">
+    <dgm:fillClrLst meth="repeat">
+      <a:schemeClr val="accent5">
+        <a:tint val="40000"/>
+      </a:schemeClr>
+    </dgm:fillClrLst>
+    <dgm:linClrLst meth="repeat">
+      <a:schemeClr val="dk1"/>
+    </dgm:linClrLst>
+    <dgm:effectClrLst/>
+    <dgm:txLinClrLst/>
+    <dgm:txFillClrLst meth="repeat">
+      <a:schemeClr val="dk1"/>
+    </dgm:txFillClrLst>
+    <dgm:txEffectClrLst/>
+  </dgm:styleLbl>
+  <dgm:styleLbl name="dkBgShp">
+    <dgm:fillClrLst meth="repeat">
+      <a:schemeClr val="accent5">
+        <a:shade val="90000"/>
+      </a:schemeClr>
+    </dgm:fillClrLst>
+    <dgm:linClrLst meth="repeat">
+      <a:schemeClr val="dk1"/>
+    </dgm:linClrLst>
+    <dgm:effectClrLst/>
+    <dgm:txLinClrLst/>
+    <dgm:txFillClrLst meth="repeat">
+      <a:schemeClr val="lt1"/>
+    </dgm:txFillClrLst>
+    <dgm:txEffectClrLst/>
+  </dgm:styleLbl>
+  <dgm:styleLbl name="trBgShp">
+    <dgm:fillClrLst meth="repeat">
+      <a:schemeClr val="accent5">
+        <a:tint val="50000"/>
+        <a:alpha val="40000"/>
+      </a:schemeClr>
+    </dgm:fillClrLst>
+    <dgm:linClrLst meth="repeat">
+      <a:schemeClr val="accent5"/>
+    </dgm:linClrLst>
+    <dgm:effectClrLst/>
+    <dgm:txLinClrLst/>
+    <dgm:txFillClrLst meth="repeat">
+      <a:schemeClr val="lt1"/>
+    </dgm:txFillClrLst>
+    <dgm:txEffectClrLst/>
+  </dgm:styleLbl>
+  <dgm:styleLbl name="fgShp">
+    <dgm:fillClrLst meth="repeat">
+      <a:schemeClr val="accent5">
+        <a:tint val="40000"/>
+      </a:schemeClr>
+    </dgm:fillClrLst>
+    <dgm:linClrLst meth="repeat">
+      <a:schemeClr val="lt1"/>
+    </dgm:linClrLst>
+    <dgm:effectClrLst/>
+    <dgm:txLinClrLst/>
+    <dgm:txFillClrLst meth="repeat">
+      <a:schemeClr val="dk1"/>
+    </dgm:txFillClrLst>
+    <dgm:txEffectClrLst/>
+  </dgm:styleLbl>
+  <dgm:styleLbl name="revTx">
+    <dgm:fillClrLst meth="repeat">
+      <a:schemeClr val="lt1">
+        <a:alpha val="0"/>
+      </a:schemeClr>
+    </dgm:fillClrLst>
+    <dgm:linClrLst meth="repeat">
+      <a:schemeClr val="dk1">
+        <a:alpha val="0"/>
+      </a:schemeClr>
+    </dgm:linClrLst>
+    <dgm:effectClrLst/>
+    <dgm:txLinClrLst/>
+    <dgm:txFillClrLst meth="repeat">
+      <a:schemeClr val="tx1"/>
+    </dgm:txFillClrLst>
+    <dgm:txEffectClrLst/>
+  </dgm:styleLbl>
+</dgm:colorsDef>
+</file>
+
+<file path=ppt/diagrams/colors5.xml><?xml version="1.0" encoding="utf-8"?>
 <dgm:colorsDef xmlns:dgm="http://schemas.openxmlformats.org/drawingml/2006/diagram" xmlns:a="http://schemas.openxmlformats.org/drawingml/2006/main" uniqueId="urn:microsoft.com/office/officeart/2005/8/colors/colorful5">
   <dgm:title val=""/>
   <dgm:desc val=""/>
@@ -5170,6 +6222,584 @@
     <dgm:cxn modelId="{89249442-2C24-4C06-A40E-9CB3FEBB0E08}" type="presParOf" srcId="{010ECC4E-A19F-48FB-9CEB-A4BCD5CA2138}" destId="{1A1F2827-3654-4F77-B355-3AB5378B91C8}" srcOrd="1" destOrd="0" presId="urn:microsoft.com/office/officeart/2005/8/layout/pyramid1"/>
     <dgm:cxn modelId="{AB5E6618-1BCE-4E98-9C1F-34726CEC2097}" type="presParOf" srcId="{010ECC4E-A19F-48FB-9CEB-A4BCD5CA2138}" destId="{FCC79B2A-0113-4823-B370-4935D453FBCA}" srcOrd="2" destOrd="0" presId="urn:microsoft.com/office/officeart/2005/8/layout/pyramid1"/>
     <dgm:cxn modelId="{93DFE5FB-1E8F-48B4-B827-9C73EB0834B5}" type="presParOf" srcId="{010ECC4E-A19F-48FB-9CEB-A4BCD5CA2138}" destId="{B7905B3B-EF91-43B3-8F8D-0FC23E4607F3}" srcOrd="3" destOrd="0" presId="urn:microsoft.com/office/officeart/2005/8/layout/pyramid1"/>
+  </dgm:cxnLst>
+  <dgm:bg/>
+  <dgm:whole/>
+  <dgm:extLst>
+    <a:ext uri="http://schemas.microsoft.com/office/drawing/2008/diagram">
+      <dsp:dataModelExt xmlns:dsp="http://schemas.microsoft.com/office/drawing/2008/diagram" relId="rId6" minVer="http://schemas.openxmlformats.org/drawingml/2006/diagram"/>
+    </a:ext>
+  </dgm:extLst>
+</dgm:dataModel>
+</file>
+
+<file path=ppt/diagrams/data5.xml><?xml version="1.0" encoding="utf-8"?>
+<dgm:dataModel xmlns:dgm="http://schemas.openxmlformats.org/drawingml/2006/diagram" xmlns:a="http://schemas.openxmlformats.org/drawingml/2006/main">
+  <dgm:ptLst>
+    <dgm:pt modelId="{B261D7AA-42E7-41EE-82BC-387A10D8A4D4}" type="doc">
+      <dgm:prSet loTypeId="urn:microsoft.com/office/officeart/2009/3/layout/IncreasingArrowsProcess" loCatId="process" qsTypeId="urn:microsoft.com/office/officeart/2005/8/quickstyle/simple3" qsCatId="simple" csTypeId="urn:microsoft.com/office/officeart/2005/8/colors/colorful5" csCatId="colorful" phldr="1"/>
+      <dgm:spPr/>
+      <dgm:t>
+        <a:bodyPr/>
+        <a:lstStyle/>
+        <a:p>
+          <a:endParaRPr kumimoji="1" lang="ja-JP" altLang="en-US"/>
+        </a:p>
+      </dgm:t>
+    </dgm:pt>
+    <dgm:pt modelId="{5496B69F-4E50-4329-A259-8DE2ABFEDCE3}">
+      <dgm:prSet phldrT="[テキスト]"/>
+      <dgm:spPr/>
+      <dgm:t>
+        <a:bodyPr/>
+        <a:lstStyle/>
+        <a:p>
+          <a:r>
+            <a:rPr kumimoji="1" lang="en-US" altLang="ja-JP" dirty="0">
+              <a:latin typeface="BIZ UDPGothic" panose="020B0400000000000000" pitchFamily="34" charset="-128"/>
+              <a:ea typeface="BIZ UDPGothic" panose="020B0400000000000000" pitchFamily="34" charset="-128"/>
+            </a:rPr>
+            <a:t>1945</a:t>
+          </a:r>
+          <a:r>
+            <a:rPr kumimoji="1" lang="ja-JP" altLang="en-US" dirty="0">
+              <a:latin typeface="BIZ UDPGothic" panose="020B0400000000000000" pitchFamily="34" charset="-128"/>
+              <a:ea typeface="BIZ UDPGothic" panose="020B0400000000000000" pitchFamily="34" charset="-128"/>
+            </a:rPr>
+            <a:t>年</a:t>
+          </a:r>
+        </a:p>
+      </dgm:t>
+    </dgm:pt>
+    <dgm:pt modelId="{50FAF7AB-8638-44DA-9EB4-C4DF15B4B079}" type="parTrans" cxnId="{A472D454-6E49-43FD-AD7C-3E6795A70307}">
+      <dgm:prSet/>
+      <dgm:spPr/>
+      <dgm:t>
+        <a:bodyPr/>
+        <a:lstStyle/>
+        <a:p>
+          <a:endParaRPr kumimoji="1" lang="ja-JP" altLang="en-US">
+            <a:latin typeface="BIZ UDPGothic" panose="020B0400000000000000" pitchFamily="34" charset="-128"/>
+            <a:ea typeface="BIZ UDPGothic" panose="020B0400000000000000" pitchFamily="34" charset="-128"/>
+          </a:endParaRPr>
+        </a:p>
+      </dgm:t>
+    </dgm:pt>
+    <dgm:pt modelId="{79188313-6E09-4317-BE05-4B8F55AF910F}" type="sibTrans" cxnId="{A472D454-6E49-43FD-AD7C-3E6795A70307}">
+      <dgm:prSet/>
+      <dgm:spPr/>
+      <dgm:t>
+        <a:bodyPr/>
+        <a:lstStyle/>
+        <a:p>
+          <a:endParaRPr kumimoji="1" lang="ja-JP" altLang="en-US">
+            <a:latin typeface="BIZ UDPGothic" panose="020B0400000000000000" pitchFamily="34" charset="-128"/>
+            <a:ea typeface="BIZ UDPGothic" panose="020B0400000000000000" pitchFamily="34" charset="-128"/>
+          </a:endParaRPr>
+        </a:p>
+      </dgm:t>
+    </dgm:pt>
+    <dgm:pt modelId="{EBAC8E93-55C7-47EB-B1B3-DB4EA36C65D8}">
+      <dgm:prSet phldrT="[テキスト]"/>
+      <dgm:spPr/>
+      <dgm:t>
+        <a:bodyPr/>
+        <a:lstStyle/>
+        <a:p>
+          <a:r>
+            <a:rPr kumimoji="1" lang="en-US" altLang="ja-JP" dirty="0">
+              <a:latin typeface="BIZ UDPGothic" panose="020B0400000000000000" pitchFamily="34" charset="-128"/>
+              <a:ea typeface="BIZ UDPGothic" panose="020B0400000000000000" pitchFamily="34" charset="-128"/>
+            </a:rPr>
+            <a:t>1970</a:t>
+          </a:r>
+          <a:r>
+            <a:rPr kumimoji="1" lang="ja-JP" altLang="en-US" dirty="0">
+              <a:latin typeface="BIZ UDPGothic" panose="020B0400000000000000" pitchFamily="34" charset="-128"/>
+              <a:ea typeface="BIZ UDPGothic" panose="020B0400000000000000" pitchFamily="34" charset="-128"/>
+            </a:rPr>
+            <a:t>年代</a:t>
+          </a:r>
+        </a:p>
+      </dgm:t>
+    </dgm:pt>
+    <dgm:pt modelId="{C9C30CBE-08C2-42BD-8EEE-FE8759DFB0FB}" type="parTrans" cxnId="{C9AD10F2-AD19-4D37-A377-217F68589E44}">
+      <dgm:prSet/>
+      <dgm:spPr/>
+      <dgm:t>
+        <a:bodyPr/>
+        <a:lstStyle/>
+        <a:p>
+          <a:endParaRPr kumimoji="1" lang="ja-JP" altLang="en-US">
+            <a:latin typeface="BIZ UDPGothic" panose="020B0400000000000000" pitchFamily="34" charset="-128"/>
+            <a:ea typeface="BIZ UDPGothic" panose="020B0400000000000000" pitchFamily="34" charset="-128"/>
+          </a:endParaRPr>
+        </a:p>
+      </dgm:t>
+    </dgm:pt>
+    <dgm:pt modelId="{E0BE8F7F-698B-485C-8514-A3BA5563D9D3}" type="sibTrans" cxnId="{C9AD10F2-AD19-4D37-A377-217F68589E44}">
+      <dgm:prSet/>
+      <dgm:spPr/>
+      <dgm:t>
+        <a:bodyPr/>
+        <a:lstStyle/>
+        <a:p>
+          <a:endParaRPr kumimoji="1" lang="ja-JP" altLang="en-US">
+            <a:latin typeface="BIZ UDPGothic" panose="020B0400000000000000" pitchFamily="34" charset="-128"/>
+            <a:ea typeface="BIZ UDPGothic" panose="020B0400000000000000" pitchFamily="34" charset="-128"/>
+          </a:endParaRPr>
+        </a:p>
+      </dgm:t>
+    </dgm:pt>
+    <dgm:pt modelId="{C14ED769-ECA3-4949-BF30-C45694990252}">
+      <dgm:prSet phldrT="[テキスト]"/>
+      <dgm:spPr/>
+      <dgm:t>
+        <a:bodyPr/>
+        <a:lstStyle/>
+        <a:p>
+          <a:r>
+            <a:rPr kumimoji="1" lang="ja-JP" altLang="en-US" dirty="0">
+              <a:latin typeface="BIZ UDPGothic" panose="020B0400000000000000" pitchFamily="34" charset="-128"/>
+              <a:ea typeface="BIZ UDPGothic" panose="020B0400000000000000" pitchFamily="34" charset="-128"/>
+            </a:rPr>
+            <a:t>パーソナル・コンピュータ</a:t>
+          </a:r>
+        </a:p>
+      </dgm:t>
+    </dgm:pt>
+    <dgm:pt modelId="{031FBB6B-0C8A-44D5-8D64-D76556B90189}" type="parTrans" cxnId="{270143B3-FCC7-4099-A566-DDB2A9BE036B}">
+      <dgm:prSet/>
+      <dgm:spPr/>
+      <dgm:t>
+        <a:bodyPr/>
+        <a:lstStyle/>
+        <a:p>
+          <a:endParaRPr kumimoji="1" lang="ja-JP" altLang="en-US">
+            <a:latin typeface="BIZ UDPGothic" panose="020B0400000000000000" pitchFamily="34" charset="-128"/>
+            <a:ea typeface="BIZ UDPGothic" panose="020B0400000000000000" pitchFamily="34" charset="-128"/>
+          </a:endParaRPr>
+        </a:p>
+      </dgm:t>
+    </dgm:pt>
+    <dgm:pt modelId="{73E0DD83-0CDA-4FC6-B63B-0C80C8996CD9}" type="sibTrans" cxnId="{270143B3-FCC7-4099-A566-DDB2A9BE036B}">
+      <dgm:prSet/>
+      <dgm:spPr/>
+      <dgm:t>
+        <a:bodyPr/>
+        <a:lstStyle/>
+        <a:p>
+          <a:endParaRPr kumimoji="1" lang="ja-JP" altLang="en-US">
+            <a:latin typeface="BIZ UDPGothic" panose="020B0400000000000000" pitchFamily="34" charset="-128"/>
+            <a:ea typeface="BIZ UDPGothic" panose="020B0400000000000000" pitchFamily="34" charset="-128"/>
+          </a:endParaRPr>
+        </a:p>
+      </dgm:t>
+    </dgm:pt>
+    <dgm:pt modelId="{57C171FA-4D9D-49F0-9BEE-4979BE172626}">
+      <dgm:prSet phldrT="[テキスト]"/>
+      <dgm:spPr/>
+      <dgm:t>
+        <a:bodyPr/>
+        <a:lstStyle/>
+        <a:p>
+          <a:r>
+            <a:rPr kumimoji="1" lang="ja-JP" altLang="en-US" dirty="0">
+              <a:latin typeface="BIZ UDPGothic" panose="020B0400000000000000" pitchFamily="34" charset="-128"/>
+              <a:ea typeface="BIZ UDPGothic" panose="020B0400000000000000" pitchFamily="34" charset="-128"/>
+            </a:rPr>
+            <a:t>エリートの知能拡張</a:t>
+          </a:r>
+        </a:p>
+      </dgm:t>
+    </dgm:pt>
+    <dgm:pt modelId="{E6755EDC-835C-4637-A445-48F4FE9C30E6}" type="parTrans" cxnId="{22690121-98B3-4EBE-B15F-9DFDC9803ADF}">
+      <dgm:prSet/>
+      <dgm:spPr/>
+      <dgm:t>
+        <a:bodyPr/>
+        <a:lstStyle/>
+        <a:p>
+          <a:endParaRPr kumimoji="1" lang="ja-JP" altLang="en-US">
+            <a:latin typeface="BIZ UDPGothic" panose="020B0400000000000000" pitchFamily="34" charset="-128"/>
+            <a:ea typeface="BIZ UDPGothic" panose="020B0400000000000000" pitchFamily="34" charset="-128"/>
+          </a:endParaRPr>
+        </a:p>
+      </dgm:t>
+    </dgm:pt>
+    <dgm:pt modelId="{6584DB33-1C7A-413F-80B8-2450B38B748A}" type="sibTrans" cxnId="{22690121-98B3-4EBE-B15F-9DFDC9803ADF}">
+      <dgm:prSet/>
+      <dgm:spPr/>
+      <dgm:t>
+        <a:bodyPr/>
+        <a:lstStyle/>
+        <a:p>
+          <a:endParaRPr kumimoji="1" lang="ja-JP" altLang="en-US">
+            <a:latin typeface="BIZ UDPGothic" panose="020B0400000000000000" pitchFamily="34" charset="-128"/>
+            <a:ea typeface="BIZ UDPGothic" panose="020B0400000000000000" pitchFamily="34" charset="-128"/>
+          </a:endParaRPr>
+        </a:p>
+      </dgm:t>
+    </dgm:pt>
+    <dgm:pt modelId="{30D29082-E733-45EC-89FF-1182AFC26187}">
+      <dgm:prSet phldrT="[テキスト]"/>
+      <dgm:spPr/>
+      <dgm:t>
+        <a:bodyPr/>
+        <a:lstStyle/>
+        <a:p>
+          <a:r>
+            <a:rPr kumimoji="1" lang="en-US" altLang="ja-JP" dirty="0">
+              <a:latin typeface="BIZ UDPGothic" panose="020B0400000000000000" pitchFamily="34" charset="-128"/>
+              <a:ea typeface="BIZ UDPGothic" panose="020B0400000000000000" pitchFamily="34" charset="-128"/>
+            </a:rPr>
+            <a:t>1960</a:t>
+          </a:r>
+          <a:r>
+            <a:rPr kumimoji="1" lang="ja-JP" altLang="en-US" dirty="0">
+              <a:latin typeface="BIZ UDPGothic" panose="020B0400000000000000" pitchFamily="34" charset="-128"/>
+              <a:ea typeface="BIZ UDPGothic" panose="020B0400000000000000" pitchFamily="34" charset="-128"/>
+            </a:rPr>
+            <a:t>年代</a:t>
+          </a:r>
+        </a:p>
+      </dgm:t>
+    </dgm:pt>
+    <dgm:pt modelId="{C79F9F6E-9683-4DB8-81C3-673AFAF355F0}" type="parTrans" cxnId="{C770B6FF-C66E-4958-886B-20E9DA4E8E34}">
+      <dgm:prSet/>
+      <dgm:spPr/>
+      <dgm:t>
+        <a:bodyPr/>
+        <a:lstStyle/>
+        <a:p>
+          <a:endParaRPr kumimoji="1" lang="ja-JP" altLang="en-US">
+            <a:latin typeface="BIZ UDPGothic" panose="020B0400000000000000" pitchFamily="34" charset="-128"/>
+            <a:ea typeface="BIZ UDPGothic" panose="020B0400000000000000" pitchFamily="34" charset="-128"/>
+          </a:endParaRPr>
+        </a:p>
+      </dgm:t>
+    </dgm:pt>
+    <dgm:pt modelId="{FB45C771-4213-4C58-8660-851BE8913B18}" type="sibTrans" cxnId="{C770B6FF-C66E-4958-886B-20E9DA4E8E34}">
+      <dgm:prSet/>
+      <dgm:spPr/>
+      <dgm:t>
+        <a:bodyPr/>
+        <a:lstStyle/>
+        <a:p>
+          <a:endParaRPr kumimoji="1" lang="ja-JP" altLang="en-US">
+            <a:latin typeface="BIZ UDPGothic" panose="020B0400000000000000" pitchFamily="34" charset="-128"/>
+            <a:ea typeface="BIZ UDPGothic" panose="020B0400000000000000" pitchFamily="34" charset="-128"/>
+          </a:endParaRPr>
+        </a:p>
+      </dgm:t>
+    </dgm:pt>
+    <dgm:pt modelId="{05668C16-963C-427B-B450-9433B3CD98C1}">
+      <dgm:prSet phldrT="[テキスト]"/>
+      <dgm:spPr/>
+      <dgm:t>
+        <a:bodyPr/>
+        <a:lstStyle/>
+        <a:p>
+          <a:r>
+            <a:rPr kumimoji="1" lang="ja-JP" altLang="en-US" dirty="0">
+              <a:latin typeface="BIZ UDPGothic" panose="020B0400000000000000" pitchFamily="34" charset="-128"/>
+              <a:ea typeface="BIZ UDPGothic" panose="020B0400000000000000" pitchFamily="34" charset="-128"/>
+            </a:rPr>
+            <a:t>コンピュータ＝</a:t>
+          </a:r>
+        </a:p>
+      </dgm:t>
+    </dgm:pt>
+    <dgm:pt modelId="{EDBEEC54-2E1E-4BC4-967D-059044992C87}" type="parTrans" cxnId="{526B27C7-FDDF-4704-9254-5869D6C83F75}">
+      <dgm:prSet/>
+      <dgm:spPr/>
+      <dgm:t>
+        <a:bodyPr/>
+        <a:lstStyle/>
+        <a:p>
+          <a:endParaRPr kumimoji="1" lang="ja-JP" altLang="en-US">
+            <a:latin typeface="BIZ UDPGothic" panose="020B0400000000000000" pitchFamily="34" charset="-128"/>
+            <a:ea typeface="BIZ UDPGothic" panose="020B0400000000000000" pitchFamily="34" charset="-128"/>
+          </a:endParaRPr>
+        </a:p>
+      </dgm:t>
+    </dgm:pt>
+    <dgm:pt modelId="{C0F8E4E9-4F85-4F2D-BFAA-EC7541F5662F}" type="sibTrans" cxnId="{526B27C7-FDDF-4704-9254-5869D6C83F75}">
+      <dgm:prSet/>
+      <dgm:spPr/>
+      <dgm:t>
+        <a:bodyPr/>
+        <a:lstStyle/>
+        <a:p>
+          <a:endParaRPr kumimoji="1" lang="ja-JP" altLang="en-US">
+            <a:latin typeface="BIZ UDPGothic" panose="020B0400000000000000" pitchFamily="34" charset="-128"/>
+            <a:ea typeface="BIZ UDPGothic" panose="020B0400000000000000" pitchFamily="34" charset="-128"/>
+          </a:endParaRPr>
+        </a:p>
+      </dgm:t>
+    </dgm:pt>
+    <dgm:pt modelId="{BEBFACC5-B636-4B7F-B21C-2091267E9A46}">
+      <dgm:prSet phldrT="[テキスト]"/>
+      <dgm:spPr/>
+      <dgm:t>
+        <a:bodyPr/>
+        <a:lstStyle/>
+        <a:p>
+          <a:r>
+            <a:rPr kumimoji="1" lang="ja-JP" altLang="en-US" dirty="0">
+              <a:latin typeface="BIZ UDPGothic" panose="020B0400000000000000" pitchFamily="34" charset="-128"/>
+              <a:ea typeface="BIZ UDPGothic" panose="020B0400000000000000" pitchFamily="34" charset="-128"/>
+            </a:rPr>
+            <a:t>グラフィカル・インターフェイス</a:t>
+          </a:r>
+        </a:p>
+      </dgm:t>
+    </dgm:pt>
+    <dgm:pt modelId="{8FD812F2-EBF5-4CC3-B2E8-14C2DA57E277}" type="parTrans" cxnId="{4C4C236C-97F1-48B0-AA5A-9FDE9DC9A826}">
+      <dgm:prSet/>
+      <dgm:spPr/>
+      <dgm:t>
+        <a:bodyPr/>
+        <a:lstStyle/>
+        <a:p>
+          <a:endParaRPr kumimoji="1" lang="ja-JP" altLang="en-US">
+            <a:latin typeface="BIZ UDPGothic" panose="020B0400000000000000" pitchFamily="34" charset="-128"/>
+            <a:ea typeface="BIZ UDPGothic" panose="020B0400000000000000" pitchFamily="34" charset="-128"/>
+          </a:endParaRPr>
+        </a:p>
+      </dgm:t>
+    </dgm:pt>
+    <dgm:pt modelId="{A2FC429A-7863-4B9A-88F2-16EF4E452495}" type="sibTrans" cxnId="{4C4C236C-97F1-48B0-AA5A-9FDE9DC9A826}">
+      <dgm:prSet/>
+      <dgm:spPr/>
+      <dgm:t>
+        <a:bodyPr/>
+        <a:lstStyle/>
+        <a:p>
+          <a:endParaRPr kumimoji="1" lang="ja-JP" altLang="en-US">
+            <a:latin typeface="BIZ UDPGothic" panose="020B0400000000000000" pitchFamily="34" charset="-128"/>
+            <a:ea typeface="BIZ UDPGothic" panose="020B0400000000000000" pitchFamily="34" charset="-128"/>
+          </a:endParaRPr>
+        </a:p>
+      </dgm:t>
+    </dgm:pt>
+    <dgm:pt modelId="{CA202E81-8CBA-4565-97CE-FF2CF3E44A0D}">
+      <dgm:prSet phldrT="[テキスト]"/>
+      <dgm:spPr/>
+      <dgm:t>
+        <a:bodyPr/>
+        <a:lstStyle/>
+        <a:p>
+          <a:r>
+            <a:rPr kumimoji="1" lang="en-US" altLang="ja-JP" dirty="0">
+              <a:latin typeface="BIZ UDPGothic" panose="020B0400000000000000" pitchFamily="34" charset="-128"/>
+              <a:ea typeface="BIZ UDPGothic" panose="020B0400000000000000" pitchFamily="34" charset="-128"/>
+            </a:rPr>
+            <a:t>1990</a:t>
+          </a:r>
+          <a:r>
+            <a:rPr kumimoji="1" lang="ja-JP" altLang="en-US" dirty="0">
+              <a:latin typeface="BIZ UDPGothic" panose="020B0400000000000000" pitchFamily="34" charset="-128"/>
+              <a:ea typeface="BIZ UDPGothic" panose="020B0400000000000000" pitchFamily="34" charset="-128"/>
+            </a:rPr>
+            <a:t>年代</a:t>
+          </a:r>
+        </a:p>
+      </dgm:t>
+    </dgm:pt>
+    <dgm:pt modelId="{443603D2-0267-4B97-AA75-A56318425356}" type="parTrans" cxnId="{249057E7-B999-4BDB-8EB0-20BA137EF00C}">
+      <dgm:prSet/>
+      <dgm:spPr/>
+      <dgm:t>
+        <a:bodyPr/>
+        <a:lstStyle/>
+        <a:p>
+          <a:endParaRPr kumimoji="1" lang="ja-JP" altLang="en-US">
+            <a:latin typeface="BIZ UDPGothic" panose="020B0400000000000000" pitchFamily="34" charset="-128"/>
+            <a:ea typeface="BIZ UDPGothic" panose="020B0400000000000000" pitchFamily="34" charset="-128"/>
+          </a:endParaRPr>
+        </a:p>
+      </dgm:t>
+    </dgm:pt>
+    <dgm:pt modelId="{7686F81D-C517-4726-AA08-13C153981EB3}" type="sibTrans" cxnId="{249057E7-B999-4BDB-8EB0-20BA137EF00C}">
+      <dgm:prSet/>
+      <dgm:spPr/>
+      <dgm:t>
+        <a:bodyPr/>
+        <a:lstStyle/>
+        <a:p>
+          <a:endParaRPr kumimoji="1" lang="ja-JP" altLang="en-US">
+            <a:latin typeface="BIZ UDPGothic" panose="020B0400000000000000" pitchFamily="34" charset="-128"/>
+            <a:ea typeface="BIZ UDPGothic" panose="020B0400000000000000" pitchFamily="34" charset="-128"/>
+          </a:endParaRPr>
+        </a:p>
+      </dgm:t>
+    </dgm:pt>
+    <dgm:pt modelId="{3932DAB7-0637-4C6F-B786-2A45A7551C61}">
+      <dgm:prSet phldrT="[テキスト]"/>
+      <dgm:spPr/>
+      <dgm:t>
+        <a:bodyPr/>
+        <a:lstStyle/>
+        <a:p>
+          <a:r>
+            <a:rPr kumimoji="1" lang="ja-JP" altLang="en-US" dirty="0">
+              <a:latin typeface="BIZ UDPGothic" panose="020B0400000000000000" pitchFamily="34" charset="-128"/>
+              <a:ea typeface="BIZ UDPGothic" panose="020B0400000000000000" pitchFamily="34" charset="-128"/>
+            </a:rPr>
+            <a:t>スマートフォーン</a:t>
+          </a:r>
+        </a:p>
+      </dgm:t>
+    </dgm:pt>
+    <dgm:pt modelId="{5308FE77-3596-41D7-9265-E7D785890861}" type="parTrans" cxnId="{2D03988E-FF79-4CD6-83DD-1940940E5184}">
+      <dgm:prSet/>
+      <dgm:spPr/>
+      <dgm:t>
+        <a:bodyPr/>
+        <a:lstStyle/>
+        <a:p>
+          <a:endParaRPr kumimoji="1" lang="ja-JP" altLang="en-US">
+            <a:latin typeface="BIZ UDPGothic" panose="020B0400000000000000" pitchFamily="34" charset="-128"/>
+            <a:ea typeface="BIZ UDPGothic" panose="020B0400000000000000" pitchFamily="34" charset="-128"/>
+          </a:endParaRPr>
+        </a:p>
+      </dgm:t>
+    </dgm:pt>
+    <dgm:pt modelId="{2948FE4C-01AD-438A-976B-ED2FF70D7B84}" type="sibTrans" cxnId="{2D03988E-FF79-4CD6-83DD-1940940E5184}">
+      <dgm:prSet/>
+      <dgm:spPr/>
+      <dgm:t>
+        <a:bodyPr/>
+        <a:lstStyle/>
+        <a:p>
+          <a:endParaRPr kumimoji="1" lang="ja-JP" altLang="en-US">
+            <a:latin typeface="BIZ UDPGothic" panose="020B0400000000000000" pitchFamily="34" charset="-128"/>
+            <a:ea typeface="BIZ UDPGothic" panose="020B0400000000000000" pitchFamily="34" charset="-128"/>
+          </a:endParaRPr>
+        </a:p>
+      </dgm:t>
+    </dgm:pt>
+    <dgm:pt modelId="{4D605B8C-FFFD-48F9-B780-F619221B6F02}" type="pres">
+      <dgm:prSet presAssocID="{B261D7AA-42E7-41EE-82BC-387A10D8A4D4}" presName="Name0" presStyleCnt="0">
+        <dgm:presLayoutVars>
+          <dgm:chMax val="5"/>
+          <dgm:chPref val="5"/>
+          <dgm:dir/>
+          <dgm:animLvl val="lvl"/>
+        </dgm:presLayoutVars>
+      </dgm:prSet>
+      <dgm:spPr/>
+    </dgm:pt>
+    <dgm:pt modelId="{8DC68D04-79B1-4D1A-AA7F-09404C814E85}" type="pres">
+      <dgm:prSet presAssocID="{5496B69F-4E50-4329-A259-8DE2ABFEDCE3}" presName="parentText1" presStyleLbl="node1" presStyleIdx="0" presStyleCnt="4">
+        <dgm:presLayoutVars>
+          <dgm:chMax/>
+          <dgm:chPref val="3"/>
+          <dgm:bulletEnabled val="1"/>
+        </dgm:presLayoutVars>
+      </dgm:prSet>
+      <dgm:spPr/>
+    </dgm:pt>
+    <dgm:pt modelId="{B5E5C09B-A9F8-4F4B-8127-E12F0382053D}" type="pres">
+      <dgm:prSet presAssocID="{5496B69F-4E50-4329-A259-8DE2ABFEDCE3}" presName="childText1" presStyleLbl="solidAlignAcc1" presStyleIdx="0" presStyleCnt="4">
+        <dgm:presLayoutVars>
+          <dgm:chMax val="0"/>
+          <dgm:chPref val="0"/>
+          <dgm:bulletEnabled val="1"/>
+        </dgm:presLayoutVars>
+      </dgm:prSet>
+      <dgm:spPr/>
+    </dgm:pt>
+    <dgm:pt modelId="{4BAC9283-0E7F-47DC-8756-B932249B30E9}" type="pres">
+      <dgm:prSet presAssocID="{30D29082-E733-45EC-89FF-1182AFC26187}" presName="parentText2" presStyleLbl="node1" presStyleIdx="1" presStyleCnt="4">
+        <dgm:presLayoutVars>
+          <dgm:chMax/>
+          <dgm:chPref val="3"/>
+          <dgm:bulletEnabled val="1"/>
+        </dgm:presLayoutVars>
+      </dgm:prSet>
+      <dgm:spPr/>
+    </dgm:pt>
+    <dgm:pt modelId="{B0812A76-4A6B-4589-A5A0-4FE6BF5E3ADB}" type="pres">
+      <dgm:prSet presAssocID="{30D29082-E733-45EC-89FF-1182AFC26187}" presName="childText2" presStyleLbl="solidAlignAcc1" presStyleIdx="1" presStyleCnt="4">
+        <dgm:presLayoutVars>
+          <dgm:chMax val="0"/>
+          <dgm:chPref val="0"/>
+          <dgm:bulletEnabled val="1"/>
+        </dgm:presLayoutVars>
+      </dgm:prSet>
+      <dgm:spPr/>
+    </dgm:pt>
+    <dgm:pt modelId="{38DEBBF0-7194-4A50-805B-3F4D91A0709D}" type="pres">
+      <dgm:prSet presAssocID="{EBAC8E93-55C7-47EB-B1B3-DB4EA36C65D8}" presName="parentText3" presStyleLbl="node1" presStyleIdx="2" presStyleCnt="4">
+        <dgm:presLayoutVars>
+          <dgm:chMax/>
+          <dgm:chPref val="3"/>
+          <dgm:bulletEnabled val="1"/>
+        </dgm:presLayoutVars>
+      </dgm:prSet>
+      <dgm:spPr/>
+    </dgm:pt>
+    <dgm:pt modelId="{72A92148-5331-4E3B-936B-AB0E577FC55D}" type="pres">
+      <dgm:prSet presAssocID="{EBAC8E93-55C7-47EB-B1B3-DB4EA36C65D8}" presName="childText3" presStyleLbl="solidAlignAcc1" presStyleIdx="2" presStyleCnt="4">
+        <dgm:presLayoutVars>
+          <dgm:chMax val="0"/>
+          <dgm:chPref val="0"/>
+          <dgm:bulletEnabled val="1"/>
+        </dgm:presLayoutVars>
+      </dgm:prSet>
+      <dgm:spPr/>
+    </dgm:pt>
+    <dgm:pt modelId="{9C1A401B-4014-4E12-B90D-9FB7B8F7FA45}" type="pres">
+      <dgm:prSet presAssocID="{CA202E81-8CBA-4565-97CE-FF2CF3E44A0D}" presName="parentText4" presStyleLbl="node1" presStyleIdx="3" presStyleCnt="4">
+        <dgm:presLayoutVars>
+          <dgm:chMax/>
+          <dgm:chPref val="3"/>
+          <dgm:bulletEnabled val="1"/>
+        </dgm:presLayoutVars>
+      </dgm:prSet>
+      <dgm:spPr/>
+    </dgm:pt>
+    <dgm:pt modelId="{905992E9-76A7-4477-8E0D-5E86AFE192A1}" type="pres">
+      <dgm:prSet presAssocID="{CA202E81-8CBA-4565-97CE-FF2CF3E44A0D}" presName="childText4" presStyleLbl="solidAlignAcc1" presStyleIdx="3" presStyleCnt="4">
+        <dgm:presLayoutVars>
+          <dgm:chMax val="0"/>
+          <dgm:chPref val="0"/>
+          <dgm:bulletEnabled val="1"/>
+        </dgm:presLayoutVars>
+      </dgm:prSet>
+      <dgm:spPr/>
+    </dgm:pt>
+  </dgm:ptLst>
+  <dgm:cxnLst>
+    <dgm:cxn modelId="{E534A107-DC96-4DC3-B416-0738A49B149C}" type="presOf" srcId="{EBAC8E93-55C7-47EB-B1B3-DB4EA36C65D8}" destId="{38DEBBF0-7194-4A50-805B-3F4D91A0709D}" srcOrd="0" destOrd="0" presId="urn:microsoft.com/office/officeart/2009/3/layout/IncreasingArrowsProcess"/>
+    <dgm:cxn modelId="{22690121-98B3-4EBE-B15F-9DFDC9803ADF}" srcId="{5496B69F-4E50-4329-A259-8DE2ABFEDCE3}" destId="{57C171FA-4D9D-49F0-9BEE-4979BE172626}" srcOrd="1" destOrd="0" parTransId="{E6755EDC-835C-4637-A445-48F4FE9C30E6}" sibTransId="{6584DB33-1C7A-413F-80B8-2450B38B748A}"/>
+    <dgm:cxn modelId="{4EB85121-22C3-4932-BB28-466B9D8CA741}" type="presOf" srcId="{57C171FA-4D9D-49F0-9BEE-4979BE172626}" destId="{B5E5C09B-A9F8-4F4B-8127-E12F0382053D}" srcOrd="0" destOrd="1" presId="urn:microsoft.com/office/officeart/2009/3/layout/IncreasingArrowsProcess"/>
+    <dgm:cxn modelId="{4C4C236C-97F1-48B0-AA5A-9FDE9DC9A826}" srcId="{30D29082-E733-45EC-89FF-1182AFC26187}" destId="{BEBFACC5-B636-4B7F-B21C-2091267E9A46}" srcOrd="0" destOrd="0" parTransId="{8FD812F2-EBF5-4CC3-B2E8-14C2DA57E277}" sibTransId="{A2FC429A-7863-4B9A-88F2-16EF4E452495}"/>
+    <dgm:cxn modelId="{14063E4F-DC13-475A-AACE-4AF3761C561D}" type="presOf" srcId="{30D29082-E733-45EC-89FF-1182AFC26187}" destId="{4BAC9283-0E7F-47DC-8756-B932249B30E9}" srcOrd="0" destOrd="0" presId="urn:microsoft.com/office/officeart/2009/3/layout/IncreasingArrowsProcess"/>
+    <dgm:cxn modelId="{2D9DD951-0BB7-4BEC-ABC8-1A0CC5FA11EE}" type="presOf" srcId="{CA202E81-8CBA-4565-97CE-FF2CF3E44A0D}" destId="{9C1A401B-4014-4E12-B90D-9FB7B8F7FA45}" srcOrd="0" destOrd="0" presId="urn:microsoft.com/office/officeart/2009/3/layout/IncreasingArrowsProcess"/>
+    <dgm:cxn modelId="{906D8A54-A6D6-4EAC-8509-202F36361F4A}" type="presOf" srcId="{B261D7AA-42E7-41EE-82BC-387A10D8A4D4}" destId="{4D605B8C-FFFD-48F9-B780-F619221B6F02}" srcOrd="0" destOrd="0" presId="urn:microsoft.com/office/officeart/2009/3/layout/IncreasingArrowsProcess"/>
+    <dgm:cxn modelId="{A472D454-6E49-43FD-AD7C-3E6795A70307}" srcId="{B261D7AA-42E7-41EE-82BC-387A10D8A4D4}" destId="{5496B69F-4E50-4329-A259-8DE2ABFEDCE3}" srcOrd="0" destOrd="0" parTransId="{50FAF7AB-8638-44DA-9EB4-C4DF15B4B079}" sibTransId="{79188313-6E09-4317-BE05-4B8F55AF910F}"/>
+    <dgm:cxn modelId="{2FF2D974-8BF6-49FC-8B3F-4A6422A1BA6D}" type="presOf" srcId="{BEBFACC5-B636-4B7F-B21C-2091267E9A46}" destId="{B0812A76-4A6B-4589-A5A0-4FE6BF5E3ADB}" srcOrd="0" destOrd="0" presId="urn:microsoft.com/office/officeart/2009/3/layout/IncreasingArrowsProcess"/>
+    <dgm:cxn modelId="{9E092555-7E65-441D-A31C-5AA0A2C03AD5}" type="presOf" srcId="{3932DAB7-0637-4C6F-B786-2A45A7551C61}" destId="{905992E9-76A7-4477-8E0D-5E86AFE192A1}" srcOrd="0" destOrd="0" presId="urn:microsoft.com/office/officeart/2009/3/layout/IncreasingArrowsProcess"/>
+    <dgm:cxn modelId="{A3717458-5DDF-433E-8A9F-9AC589F237E7}" type="presOf" srcId="{5496B69F-4E50-4329-A259-8DE2ABFEDCE3}" destId="{8DC68D04-79B1-4D1A-AA7F-09404C814E85}" srcOrd="0" destOrd="0" presId="urn:microsoft.com/office/officeart/2009/3/layout/IncreasingArrowsProcess"/>
+    <dgm:cxn modelId="{D5910A7C-CE0A-4D13-8818-F3A70EE77F3B}" type="presOf" srcId="{C14ED769-ECA3-4949-BF30-C45694990252}" destId="{72A92148-5331-4E3B-936B-AB0E577FC55D}" srcOrd="0" destOrd="0" presId="urn:microsoft.com/office/officeart/2009/3/layout/IncreasingArrowsProcess"/>
+    <dgm:cxn modelId="{2D03988E-FF79-4CD6-83DD-1940940E5184}" srcId="{CA202E81-8CBA-4565-97CE-FF2CF3E44A0D}" destId="{3932DAB7-0637-4C6F-B786-2A45A7551C61}" srcOrd="0" destOrd="0" parTransId="{5308FE77-3596-41D7-9265-E7D785890861}" sibTransId="{2948FE4C-01AD-438A-976B-ED2FF70D7B84}"/>
+    <dgm:cxn modelId="{270143B3-FCC7-4099-A566-DDB2A9BE036B}" srcId="{EBAC8E93-55C7-47EB-B1B3-DB4EA36C65D8}" destId="{C14ED769-ECA3-4949-BF30-C45694990252}" srcOrd="0" destOrd="0" parTransId="{031FBB6B-0C8A-44D5-8D64-D76556B90189}" sibTransId="{73E0DD83-0CDA-4FC6-B63B-0C80C8996CD9}"/>
+    <dgm:cxn modelId="{526B27C7-FDDF-4704-9254-5869D6C83F75}" srcId="{5496B69F-4E50-4329-A259-8DE2ABFEDCE3}" destId="{05668C16-963C-427B-B450-9433B3CD98C1}" srcOrd="0" destOrd="0" parTransId="{EDBEEC54-2E1E-4BC4-967D-059044992C87}" sibTransId="{C0F8E4E9-4F85-4F2D-BFAA-EC7541F5662F}"/>
+    <dgm:cxn modelId="{996B16CF-92A2-4919-BB5B-8848ACB18D3B}" type="presOf" srcId="{05668C16-963C-427B-B450-9433B3CD98C1}" destId="{B5E5C09B-A9F8-4F4B-8127-E12F0382053D}" srcOrd="0" destOrd="0" presId="urn:microsoft.com/office/officeart/2009/3/layout/IncreasingArrowsProcess"/>
+    <dgm:cxn modelId="{249057E7-B999-4BDB-8EB0-20BA137EF00C}" srcId="{B261D7AA-42E7-41EE-82BC-387A10D8A4D4}" destId="{CA202E81-8CBA-4565-97CE-FF2CF3E44A0D}" srcOrd="3" destOrd="0" parTransId="{443603D2-0267-4B97-AA75-A56318425356}" sibTransId="{7686F81D-C517-4726-AA08-13C153981EB3}"/>
+    <dgm:cxn modelId="{C9AD10F2-AD19-4D37-A377-217F68589E44}" srcId="{B261D7AA-42E7-41EE-82BC-387A10D8A4D4}" destId="{EBAC8E93-55C7-47EB-B1B3-DB4EA36C65D8}" srcOrd="2" destOrd="0" parTransId="{C9C30CBE-08C2-42BD-8EEE-FE8759DFB0FB}" sibTransId="{E0BE8F7F-698B-485C-8514-A3BA5563D9D3}"/>
+    <dgm:cxn modelId="{C770B6FF-C66E-4958-886B-20E9DA4E8E34}" srcId="{B261D7AA-42E7-41EE-82BC-387A10D8A4D4}" destId="{30D29082-E733-45EC-89FF-1182AFC26187}" srcOrd="1" destOrd="0" parTransId="{C79F9F6E-9683-4DB8-81C3-673AFAF355F0}" sibTransId="{FB45C771-4213-4C58-8660-851BE8913B18}"/>
+    <dgm:cxn modelId="{E94209FB-5E05-4E72-8C83-90BA91B4AAA0}" type="presParOf" srcId="{4D605B8C-FFFD-48F9-B780-F619221B6F02}" destId="{8DC68D04-79B1-4D1A-AA7F-09404C814E85}" srcOrd="0" destOrd="0" presId="urn:microsoft.com/office/officeart/2009/3/layout/IncreasingArrowsProcess"/>
+    <dgm:cxn modelId="{4085A8EC-C5F6-41BE-A330-9CF96CC1B3AD}" type="presParOf" srcId="{4D605B8C-FFFD-48F9-B780-F619221B6F02}" destId="{B5E5C09B-A9F8-4F4B-8127-E12F0382053D}" srcOrd="1" destOrd="0" presId="urn:microsoft.com/office/officeart/2009/3/layout/IncreasingArrowsProcess"/>
+    <dgm:cxn modelId="{F085BD3F-82AB-40FE-B1EA-75AEED4C4ADD}" type="presParOf" srcId="{4D605B8C-FFFD-48F9-B780-F619221B6F02}" destId="{4BAC9283-0E7F-47DC-8756-B932249B30E9}" srcOrd="2" destOrd="0" presId="urn:microsoft.com/office/officeart/2009/3/layout/IncreasingArrowsProcess"/>
+    <dgm:cxn modelId="{4B3FFC69-D089-40BF-9CF2-2F9C1CAF69EF}" type="presParOf" srcId="{4D605B8C-FFFD-48F9-B780-F619221B6F02}" destId="{B0812A76-4A6B-4589-A5A0-4FE6BF5E3ADB}" srcOrd="3" destOrd="0" presId="urn:microsoft.com/office/officeart/2009/3/layout/IncreasingArrowsProcess"/>
+    <dgm:cxn modelId="{4FAE48E2-5C4D-4B5C-BFE3-4AE70F5CAFC2}" type="presParOf" srcId="{4D605B8C-FFFD-48F9-B780-F619221B6F02}" destId="{38DEBBF0-7194-4A50-805B-3F4D91A0709D}" srcOrd="4" destOrd="0" presId="urn:microsoft.com/office/officeart/2009/3/layout/IncreasingArrowsProcess"/>
+    <dgm:cxn modelId="{ABE5569B-CCEA-414C-9558-A8C730FF6504}" type="presParOf" srcId="{4D605B8C-FFFD-48F9-B780-F619221B6F02}" destId="{72A92148-5331-4E3B-936B-AB0E577FC55D}" srcOrd="5" destOrd="0" presId="urn:microsoft.com/office/officeart/2009/3/layout/IncreasingArrowsProcess"/>
+    <dgm:cxn modelId="{96AA1F06-8D7A-4274-99C3-1B4EBB490F38}" type="presParOf" srcId="{4D605B8C-FFFD-48F9-B780-F619221B6F02}" destId="{9C1A401B-4014-4E12-B90D-9FB7B8F7FA45}" srcOrd="6" destOrd="0" presId="urn:microsoft.com/office/officeart/2009/3/layout/IncreasingArrowsProcess"/>
+    <dgm:cxn modelId="{F839DB70-EE19-45EC-9A16-2295594EE3B4}" type="presParOf" srcId="{4D605B8C-FFFD-48F9-B780-F619221B6F02}" destId="{905992E9-76A7-4477-8E0D-5E86AFE192A1}" srcOrd="7" destOrd="0" presId="urn:microsoft.com/office/officeart/2009/3/layout/IncreasingArrowsProcess"/>
   </dgm:cxnLst>
   <dgm:bg/>
   <dgm:whole/>
@@ -7496,6 +9126,831 @@
       <dsp:txXfrm>
         <a:off x="967232" y="3612444"/>
         <a:ext cx="3592575" cy="1806222"/>
+      </dsp:txXfrm>
+    </dsp:sp>
+  </dsp:spTree>
+</dsp:drawing>
+</file>
+
+<file path=ppt/diagrams/drawing5.xml><?xml version="1.0" encoding="utf-8"?>
+<dsp:drawing xmlns:dgm="http://schemas.openxmlformats.org/drawingml/2006/diagram" xmlns:dsp="http://schemas.microsoft.com/office/drawing/2008/diagram" xmlns:a="http://schemas.openxmlformats.org/drawingml/2006/main">
+  <dsp:spTree>
+    <dsp:nvGrpSpPr>
+      <dsp:cNvPr id="0" name=""/>
+      <dsp:cNvGrpSpPr/>
+    </dsp:nvGrpSpPr>
+    <dsp:grpSpPr/>
+    <dsp:sp modelId="{8DC68D04-79B1-4D1A-AA7F-09404C814E85}">
+      <dsp:nvSpPr>
+        <dsp:cNvPr id="0" name=""/>
+        <dsp:cNvSpPr/>
+      </dsp:nvSpPr>
+      <dsp:spPr>
+        <a:xfrm>
+          <a:off x="0" y="61509"/>
+          <a:ext cx="10000342" cy="1455899"/>
+        </a:xfrm>
+        <a:prstGeom prst="rightArrow">
+          <a:avLst>
+            <a:gd name="adj1" fmla="val 50000"/>
+            <a:gd name="adj2" fmla="val 50000"/>
+          </a:avLst>
+        </a:prstGeom>
+        <a:gradFill rotWithShape="0">
+          <a:gsLst>
+            <a:gs pos="0">
+              <a:schemeClr val="accent5">
+                <a:hueOff val="0"/>
+                <a:satOff val="0"/>
+                <a:lumOff val="0"/>
+                <a:alphaOff val="0"/>
+                <a:lumMod val="110000"/>
+                <a:satMod val="105000"/>
+                <a:tint val="67000"/>
+              </a:schemeClr>
+            </a:gs>
+            <a:gs pos="50000">
+              <a:schemeClr val="accent5">
+                <a:hueOff val="0"/>
+                <a:satOff val="0"/>
+                <a:lumOff val="0"/>
+                <a:alphaOff val="0"/>
+                <a:lumMod val="105000"/>
+                <a:satMod val="103000"/>
+                <a:tint val="73000"/>
+              </a:schemeClr>
+            </a:gs>
+            <a:gs pos="100000">
+              <a:schemeClr val="accent5">
+                <a:hueOff val="0"/>
+                <a:satOff val="0"/>
+                <a:lumOff val="0"/>
+                <a:alphaOff val="0"/>
+                <a:lumMod val="105000"/>
+                <a:satMod val="109000"/>
+                <a:tint val="81000"/>
+              </a:schemeClr>
+            </a:gs>
+          </a:gsLst>
+          <a:lin ang="5400000" scaled="0"/>
+        </a:gradFill>
+        <a:ln>
+          <a:noFill/>
+        </a:ln>
+        <a:effectLst/>
+        <a:scene3d>
+          <a:camera prst="orthographicFront"/>
+          <a:lightRig rig="flat" dir="t"/>
+        </a:scene3d>
+        <a:sp3d prstMaterial="dkEdge">
+          <a:bevelT w="8200" h="38100"/>
+        </a:sp3d>
+      </dsp:spPr>
+      <dsp:style>
+        <a:lnRef idx="0">
+          <a:scrgbClr r="0" g="0" b="0"/>
+        </a:lnRef>
+        <a:fillRef idx="2">
+          <a:scrgbClr r="0" g="0" b="0"/>
+        </a:fillRef>
+        <a:effectRef idx="1">
+          <a:scrgbClr r="0" g="0" b="0"/>
+        </a:effectRef>
+        <a:fontRef idx="minor">
+          <a:schemeClr val="dk1"/>
+        </a:fontRef>
+      </dsp:style>
+      <dsp:txBody>
+        <a:bodyPr spcFirstLastPara="0" vert="horz" wrap="square" lIns="99060" tIns="99060" rIns="254000" bIns="231124" numCol="1" spcCol="1270" anchor="ctr" anchorCtr="0">
+          <a:noAutofit/>
+        </a:bodyPr>
+        <a:lstStyle/>
+        <a:p>
+          <a:pPr marL="0" lvl="0" indent="0" algn="l" defTabSz="1155700">
+            <a:lnSpc>
+              <a:spcPct val="90000"/>
+            </a:lnSpc>
+            <a:spcBef>
+              <a:spcPct val="0"/>
+            </a:spcBef>
+            <a:spcAft>
+              <a:spcPct val="35000"/>
+            </a:spcAft>
+            <a:buNone/>
+          </a:pPr>
+          <a:r>
+            <a:rPr kumimoji="1" lang="en-US" altLang="ja-JP" sz="2600" kern="1200" dirty="0">
+              <a:latin typeface="BIZ UDPGothic" panose="020B0400000000000000" pitchFamily="34" charset="-128"/>
+              <a:ea typeface="BIZ UDPGothic" panose="020B0400000000000000" pitchFamily="34" charset="-128"/>
+            </a:rPr>
+            <a:t>1945</a:t>
+          </a:r>
+          <a:r>
+            <a:rPr kumimoji="1" lang="ja-JP" altLang="en-US" sz="2600" kern="1200" dirty="0">
+              <a:latin typeface="BIZ UDPGothic" panose="020B0400000000000000" pitchFamily="34" charset="-128"/>
+              <a:ea typeface="BIZ UDPGothic" panose="020B0400000000000000" pitchFamily="34" charset="-128"/>
+            </a:rPr>
+            <a:t>年</a:t>
+          </a:r>
+        </a:p>
+      </dsp:txBody>
+      <dsp:txXfrm>
+        <a:off x="0" y="425484"/>
+        <a:ext cx="9636367" cy="727949"/>
+      </dsp:txXfrm>
+    </dsp:sp>
+    <dsp:sp modelId="{B5E5C09B-A9F8-4F4B-8127-E12F0382053D}">
+      <dsp:nvSpPr>
+        <dsp:cNvPr id="0" name=""/>
+        <dsp:cNvSpPr/>
+      </dsp:nvSpPr>
+      <dsp:spPr>
+        <a:xfrm>
+          <a:off x="0" y="1186593"/>
+          <a:ext cx="2305078" cy="2692975"/>
+        </a:xfrm>
+        <a:prstGeom prst="rect">
+          <a:avLst/>
+        </a:prstGeom>
+        <a:solidFill>
+          <a:schemeClr val="lt1">
+            <a:hueOff val="0"/>
+            <a:satOff val="0"/>
+            <a:lumOff val="0"/>
+            <a:alphaOff val="0"/>
+          </a:schemeClr>
+        </a:solidFill>
+        <a:ln w="6350" cap="flat" cmpd="sng" algn="ctr">
+          <a:solidFill>
+            <a:schemeClr val="accent5">
+              <a:hueOff val="0"/>
+              <a:satOff val="0"/>
+              <a:lumOff val="0"/>
+              <a:alphaOff val="0"/>
+            </a:schemeClr>
+          </a:solidFill>
+          <a:prstDash val="solid"/>
+          <a:miter lim="800000"/>
+        </a:ln>
+        <a:effectLst/>
+      </dsp:spPr>
+      <dsp:style>
+        <a:lnRef idx="1">
+          <a:scrgbClr r="0" g="0" b="0"/>
+        </a:lnRef>
+        <a:fillRef idx="1">
+          <a:scrgbClr r="0" g="0" b="0"/>
+        </a:fillRef>
+        <a:effectRef idx="0">
+          <a:scrgbClr r="0" g="0" b="0"/>
+        </a:effectRef>
+        <a:fontRef idx="minor"/>
+      </dsp:style>
+      <dsp:txBody>
+        <a:bodyPr spcFirstLastPara="0" vert="horz" wrap="square" lIns="99060" tIns="99060" rIns="99060" bIns="99060" numCol="1" spcCol="1270" anchor="t" anchorCtr="0">
+          <a:noAutofit/>
+        </a:bodyPr>
+        <a:lstStyle/>
+        <a:p>
+          <a:pPr marL="0" lvl="0" indent="0" algn="l" defTabSz="1155700">
+            <a:lnSpc>
+              <a:spcPct val="90000"/>
+            </a:lnSpc>
+            <a:spcBef>
+              <a:spcPct val="0"/>
+            </a:spcBef>
+            <a:spcAft>
+              <a:spcPct val="35000"/>
+            </a:spcAft>
+            <a:buNone/>
+          </a:pPr>
+          <a:r>
+            <a:rPr kumimoji="1" lang="ja-JP" altLang="en-US" sz="2600" kern="1200" dirty="0">
+              <a:latin typeface="BIZ UDPGothic" panose="020B0400000000000000" pitchFamily="34" charset="-128"/>
+              <a:ea typeface="BIZ UDPGothic" panose="020B0400000000000000" pitchFamily="34" charset="-128"/>
+            </a:rPr>
+            <a:t>コンピュータ＝</a:t>
+          </a:r>
+        </a:p>
+        <a:p>
+          <a:pPr marL="0" lvl="0" indent="0" algn="l" defTabSz="1155700">
+            <a:lnSpc>
+              <a:spcPct val="90000"/>
+            </a:lnSpc>
+            <a:spcBef>
+              <a:spcPct val="0"/>
+            </a:spcBef>
+            <a:spcAft>
+              <a:spcPct val="35000"/>
+            </a:spcAft>
+            <a:buNone/>
+          </a:pPr>
+          <a:r>
+            <a:rPr kumimoji="1" lang="ja-JP" altLang="en-US" sz="2600" kern="1200" dirty="0">
+              <a:latin typeface="BIZ UDPGothic" panose="020B0400000000000000" pitchFamily="34" charset="-128"/>
+              <a:ea typeface="BIZ UDPGothic" panose="020B0400000000000000" pitchFamily="34" charset="-128"/>
+            </a:rPr>
+            <a:t>エリートの知能拡張</a:t>
+          </a:r>
+        </a:p>
+      </dsp:txBody>
+      <dsp:txXfrm>
+        <a:off x="0" y="1186593"/>
+        <a:ext cx="2305078" cy="2692975"/>
+      </dsp:txXfrm>
+    </dsp:sp>
+    <dsp:sp modelId="{4BAC9283-0E7F-47DC-8756-B932249B30E9}">
+      <dsp:nvSpPr>
+        <dsp:cNvPr id="0" name=""/>
+        <dsp:cNvSpPr/>
+      </dsp:nvSpPr>
+      <dsp:spPr>
+        <a:xfrm>
+          <a:off x="2305078" y="546637"/>
+          <a:ext cx="7695263" cy="1455899"/>
+        </a:xfrm>
+        <a:prstGeom prst="rightArrow">
+          <a:avLst>
+            <a:gd name="adj1" fmla="val 50000"/>
+            <a:gd name="adj2" fmla="val 50000"/>
+          </a:avLst>
+        </a:prstGeom>
+        <a:gradFill rotWithShape="0">
+          <a:gsLst>
+            <a:gs pos="0">
+              <a:schemeClr val="accent5">
+                <a:hueOff val="-2252848"/>
+                <a:satOff val="-5806"/>
+                <a:lumOff val="-3922"/>
+                <a:alphaOff val="0"/>
+                <a:lumMod val="110000"/>
+                <a:satMod val="105000"/>
+                <a:tint val="67000"/>
+              </a:schemeClr>
+            </a:gs>
+            <a:gs pos="50000">
+              <a:schemeClr val="accent5">
+                <a:hueOff val="-2252848"/>
+                <a:satOff val="-5806"/>
+                <a:lumOff val="-3922"/>
+                <a:alphaOff val="0"/>
+                <a:lumMod val="105000"/>
+                <a:satMod val="103000"/>
+                <a:tint val="73000"/>
+              </a:schemeClr>
+            </a:gs>
+            <a:gs pos="100000">
+              <a:schemeClr val="accent5">
+                <a:hueOff val="-2252848"/>
+                <a:satOff val="-5806"/>
+                <a:lumOff val="-3922"/>
+                <a:alphaOff val="0"/>
+                <a:lumMod val="105000"/>
+                <a:satMod val="109000"/>
+                <a:tint val="81000"/>
+              </a:schemeClr>
+            </a:gs>
+          </a:gsLst>
+          <a:lin ang="5400000" scaled="0"/>
+        </a:gradFill>
+        <a:ln>
+          <a:noFill/>
+        </a:ln>
+        <a:effectLst/>
+        <a:scene3d>
+          <a:camera prst="orthographicFront"/>
+          <a:lightRig rig="flat" dir="t"/>
+        </a:scene3d>
+        <a:sp3d prstMaterial="dkEdge">
+          <a:bevelT w="8200" h="38100"/>
+        </a:sp3d>
+      </dsp:spPr>
+      <dsp:style>
+        <a:lnRef idx="0">
+          <a:scrgbClr r="0" g="0" b="0"/>
+        </a:lnRef>
+        <a:fillRef idx="2">
+          <a:scrgbClr r="0" g="0" b="0"/>
+        </a:fillRef>
+        <a:effectRef idx="1">
+          <a:scrgbClr r="0" g="0" b="0"/>
+        </a:effectRef>
+        <a:fontRef idx="minor">
+          <a:schemeClr val="dk1"/>
+        </a:fontRef>
+      </dsp:style>
+      <dsp:txBody>
+        <a:bodyPr spcFirstLastPara="0" vert="horz" wrap="square" lIns="99060" tIns="99060" rIns="254000" bIns="231124" numCol="1" spcCol="1270" anchor="ctr" anchorCtr="0">
+          <a:noAutofit/>
+        </a:bodyPr>
+        <a:lstStyle/>
+        <a:p>
+          <a:pPr marL="0" lvl="0" indent="0" algn="l" defTabSz="1155700">
+            <a:lnSpc>
+              <a:spcPct val="90000"/>
+            </a:lnSpc>
+            <a:spcBef>
+              <a:spcPct val="0"/>
+            </a:spcBef>
+            <a:spcAft>
+              <a:spcPct val="35000"/>
+            </a:spcAft>
+            <a:buNone/>
+          </a:pPr>
+          <a:r>
+            <a:rPr kumimoji="1" lang="en-US" altLang="ja-JP" sz="2600" kern="1200" dirty="0">
+              <a:latin typeface="BIZ UDPGothic" panose="020B0400000000000000" pitchFamily="34" charset="-128"/>
+              <a:ea typeface="BIZ UDPGothic" panose="020B0400000000000000" pitchFamily="34" charset="-128"/>
+            </a:rPr>
+            <a:t>1960</a:t>
+          </a:r>
+          <a:r>
+            <a:rPr kumimoji="1" lang="ja-JP" altLang="en-US" sz="2600" kern="1200" dirty="0">
+              <a:latin typeface="BIZ UDPGothic" panose="020B0400000000000000" pitchFamily="34" charset="-128"/>
+              <a:ea typeface="BIZ UDPGothic" panose="020B0400000000000000" pitchFamily="34" charset="-128"/>
+            </a:rPr>
+            <a:t>年代</a:t>
+          </a:r>
+        </a:p>
+      </dsp:txBody>
+      <dsp:txXfrm>
+        <a:off x="2305078" y="910612"/>
+        <a:ext cx="7331288" cy="727949"/>
+      </dsp:txXfrm>
+    </dsp:sp>
+    <dsp:sp modelId="{B0812A76-4A6B-4589-A5A0-4FE6BF5E3ADB}">
+      <dsp:nvSpPr>
+        <dsp:cNvPr id="0" name=""/>
+        <dsp:cNvSpPr/>
+      </dsp:nvSpPr>
+      <dsp:spPr>
+        <a:xfrm>
+          <a:off x="2305078" y="1671721"/>
+          <a:ext cx="2305078" cy="2624334"/>
+        </a:xfrm>
+        <a:prstGeom prst="rect">
+          <a:avLst/>
+        </a:prstGeom>
+        <a:solidFill>
+          <a:schemeClr val="lt1">
+            <a:hueOff val="0"/>
+            <a:satOff val="0"/>
+            <a:lumOff val="0"/>
+            <a:alphaOff val="0"/>
+          </a:schemeClr>
+        </a:solidFill>
+        <a:ln w="6350" cap="flat" cmpd="sng" algn="ctr">
+          <a:solidFill>
+            <a:schemeClr val="accent5">
+              <a:hueOff val="-2252848"/>
+              <a:satOff val="-5806"/>
+              <a:lumOff val="-3922"/>
+              <a:alphaOff val="0"/>
+            </a:schemeClr>
+          </a:solidFill>
+          <a:prstDash val="solid"/>
+          <a:miter lim="800000"/>
+        </a:ln>
+        <a:effectLst/>
+      </dsp:spPr>
+      <dsp:style>
+        <a:lnRef idx="1">
+          <a:scrgbClr r="0" g="0" b="0"/>
+        </a:lnRef>
+        <a:fillRef idx="1">
+          <a:scrgbClr r="0" g="0" b="0"/>
+        </a:fillRef>
+        <a:effectRef idx="0">
+          <a:scrgbClr r="0" g="0" b="0"/>
+        </a:effectRef>
+        <a:fontRef idx="minor"/>
+      </dsp:style>
+      <dsp:txBody>
+        <a:bodyPr spcFirstLastPara="0" vert="horz" wrap="square" lIns="99060" tIns="99060" rIns="99060" bIns="99060" numCol="1" spcCol="1270" anchor="t" anchorCtr="0">
+          <a:noAutofit/>
+        </a:bodyPr>
+        <a:lstStyle/>
+        <a:p>
+          <a:pPr marL="0" lvl="0" indent="0" algn="l" defTabSz="1155700">
+            <a:lnSpc>
+              <a:spcPct val="90000"/>
+            </a:lnSpc>
+            <a:spcBef>
+              <a:spcPct val="0"/>
+            </a:spcBef>
+            <a:spcAft>
+              <a:spcPct val="35000"/>
+            </a:spcAft>
+            <a:buNone/>
+          </a:pPr>
+          <a:r>
+            <a:rPr kumimoji="1" lang="ja-JP" altLang="en-US" sz="2600" kern="1200" dirty="0">
+              <a:latin typeface="BIZ UDPGothic" panose="020B0400000000000000" pitchFamily="34" charset="-128"/>
+              <a:ea typeface="BIZ UDPGothic" panose="020B0400000000000000" pitchFamily="34" charset="-128"/>
+            </a:rPr>
+            <a:t>グラフィカル・インターフェイス</a:t>
+          </a:r>
+        </a:p>
+      </dsp:txBody>
+      <dsp:txXfrm>
+        <a:off x="2305078" y="1671721"/>
+        <a:ext cx="2305078" cy="2624334"/>
+      </dsp:txXfrm>
+    </dsp:sp>
+    <dsp:sp modelId="{38DEBBF0-7194-4A50-805B-3F4D91A0709D}">
+      <dsp:nvSpPr>
+        <dsp:cNvPr id="0" name=""/>
+        <dsp:cNvSpPr/>
+      </dsp:nvSpPr>
+      <dsp:spPr>
+        <a:xfrm>
+          <a:off x="4610157" y="1031765"/>
+          <a:ext cx="5390184" cy="1455899"/>
+        </a:xfrm>
+        <a:prstGeom prst="rightArrow">
+          <a:avLst>
+            <a:gd name="adj1" fmla="val 50000"/>
+            <a:gd name="adj2" fmla="val 50000"/>
+          </a:avLst>
+        </a:prstGeom>
+        <a:gradFill rotWithShape="0">
+          <a:gsLst>
+            <a:gs pos="0">
+              <a:schemeClr val="accent5">
+                <a:hueOff val="-4505695"/>
+                <a:satOff val="-11613"/>
+                <a:lumOff val="-7843"/>
+                <a:alphaOff val="0"/>
+                <a:lumMod val="110000"/>
+                <a:satMod val="105000"/>
+                <a:tint val="67000"/>
+              </a:schemeClr>
+            </a:gs>
+            <a:gs pos="50000">
+              <a:schemeClr val="accent5">
+                <a:hueOff val="-4505695"/>
+                <a:satOff val="-11613"/>
+                <a:lumOff val="-7843"/>
+                <a:alphaOff val="0"/>
+                <a:lumMod val="105000"/>
+                <a:satMod val="103000"/>
+                <a:tint val="73000"/>
+              </a:schemeClr>
+            </a:gs>
+            <a:gs pos="100000">
+              <a:schemeClr val="accent5">
+                <a:hueOff val="-4505695"/>
+                <a:satOff val="-11613"/>
+                <a:lumOff val="-7843"/>
+                <a:alphaOff val="0"/>
+                <a:lumMod val="105000"/>
+                <a:satMod val="109000"/>
+                <a:tint val="81000"/>
+              </a:schemeClr>
+            </a:gs>
+          </a:gsLst>
+          <a:lin ang="5400000" scaled="0"/>
+        </a:gradFill>
+        <a:ln>
+          <a:noFill/>
+        </a:ln>
+        <a:effectLst/>
+        <a:scene3d>
+          <a:camera prst="orthographicFront"/>
+          <a:lightRig rig="flat" dir="t"/>
+        </a:scene3d>
+        <a:sp3d prstMaterial="dkEdge">
+          <a:bevelT w="8200" h="38100"/>
+        </a:sp3d>
+      </dsp:spPr>
+      <dsp:style>
+        <a:lnRef idx="0">
+          <a:scrgbClr r="0" g="0" b="0"/>
+        </a:lnRef>
+        <a:fillRef idx="2">
+          <a:scrgbClr r="0" g="0" b="0"/>
+        </a:fillRef>
+        <a:effectRef idx="1">
+          <a:scrgbClr r="0" g="0" b="0"/>
+        </a:effectRef>
+        <a:fontRef idx="minor">
+          <a:schemeClr val="dk1"/>
+        </a:fontRef>
+      </dsp:style>
+      <dsp:txBody>
+        <a:bodyPr spcFirstLastPara="0" vert="horz" wrap="square" lIns="99060" tIns="99060" rIns="254000" bIns="231124" numCol="1" spcCol="1270" anchor="ctr" anchorCtr="0">
+          <a:noAutofit/>
+        </a:bodyPr>
+        <a:lstStyle/>
+        <a:p>
+          <a:pPr marL="0" lvl="0" indent="0" algn="l" defTabSz="1155700">
+            <a:lnSpc>
+              <a:spcPct val="90000"/>
+            </a:lnSpc>
+            <a:spcBef>
+              <a:spcPct val="0"/>
+            </a:spcBef>
+            <a:spcAft>
+              <a:spcPct val="35000"/>
+            </a:spcAft>
+            <a:buNone/>
+          </a:pPr>
+          <a:r>
+            <a:rPr kumimoji="1" lang="en-US" altLang="ja-JP" sz="2600" kern="1200" dirty="0">
+              <a:latin typeface="BIZ UDPGothic" panose="020B0400000000000000" pitchFamily="34" charset="-128"/>
+              <a:ea typeface="BIZ UDPGothic" panose="020B0400000000000000" pitchFamily="34" charset="-128"/>
+            </a:rPr>
+            <a:t>1970</a:t>
+          </a:r>
+          <a:r>
+            <a:rPr kumimoji="1" lang="ja-JP" altLang="en-US" sz="2600" kern="1200" dirty="0">
+              <a:latin typeface="BIZ UDPGothic" panose="020B0400000000000000" pitchFamily="34" charset="-128"/>
+              <a:ea typeface="BIZ UDPGothic" panose="020B0400000000000000" pitchFamily="34" charset="-128"/>
+            </a:rPr>
+            <a:t>年代</a:t>
+          </a:r>
+        </a:p>
+      </dsp:txBody>
+      <dsp:txXfrm>
+        <a:off x="4610157" y="1395740"/>
+        <a:ext cx="5026209" cy="727949"/>
+      </dsp:txXfrm>
+    </dsp:sp>
+    <dsp:sp modelId="{72A92148-5331-4E3B-936B-AB0E577FC55D}">
+      <dsp:nvSpPr>
+        <dsp:cNvPr id="0" name=""/>
+        <dsp:cNvSpPr/>
+      </dsp:nvSpPr>
+      <dsp:spPr>
+        <a:xfrm>
+          <a:off x="4610157" y="2156848"/>
+          <a:ext cx="2305078" cy="2641882"/>
+        </a:xfrm>
+        <a:prstGeom prst="rect">
+          <a:avLst/>
+        </a:prstGeom>
+        <a:solidFill>
+          <a:schemeClr val="lt1">
+            <a:hueOff val="0"/>
+            <a:satOff val="0"/>
+            <a:lumOff val="0"/>
+            <a:alphaOff val="0"/>
+          </a:schemeClr>
+        </a:solidFill>
+        <a:ln w="6350" cap="flat" cmpd="sng" algn="ctr">
+          <a:solidFill>
+            <a:schemeClr val="accent5">
+              <a:hueOff val="-4505695"/>
+              <a:satOff val="-11613"/>
+              <a:lumOff val="-7843"/>
+              <a:alphaOff val="0"/>
+            </a:schemeClr>
+          </a:solidFill>
+          <a:prstDash val="solid"/>
+          <a:miter lim="800000"/>
+        </a:ln>
+        <a:effectLst/>
+      </dsp:spPr>
+      <dsp:style>
+        <a:lnRef idx="1">
+          <a:scrgbClr r="0" g="0" b="0"/>
+        </a:lnRef>
+        <a:fillRef idx="1">
+          <a:scrgbClr r="0" g="0" b="0"/>
+        </a:fillRef>
+        <a:effectRef idx="0">
+          <a:scrgbClr r="0" g="0" b="0"/>
+        </a:effectRef>
+        <a:fontRef idx="minor"/>
+      </dsp:style>
+      <dsp:txBody>
+        <a:bodyPr spcFirstLastPara="0" vert="horz" wrap="square" lIns="99060" tIns="99060" rIns="99060" bIns="99060" numCol="1" spcCol="1270" anchor="t" anchorCtr="0">
+          <a:noAutofit/>
+        </a:bodyPr>
+        <a:lstStyle/>
+        <a:p>
+          <a:pPr marL="0" lvl="0" indent="0" algn="l" defTabSz="1155700">
+            <a:lnSpc>
+              <a:spcPct val="90000"/>
+            </a:lnSpc>
+            <a:spcBef>
+              <a:spcPct val="0"/>
+            </a:spcBef>
+            <a:spcAft>
+              <a:spcPct val="35000"/>
+            </a:spcAft>
+            <a:buNone/>
+          </a:pPr>
+          <a:r>
+            <a:rPr kumimoji="1" lang="ja-JP" altLang="en-US" sz="2600" kern="1200" dirty="0">
+              <a:latin typeface="BIZ UDPGothic" panose="020B0400000000000000" pitchFamily="34" charset="-128"/>
+              <a:ea typeface="BIZ UDPGothic" panose="020B0400000000000000" pitchFamily="34" charset="-128"/>
+            </a:rPr>
+            <a:t>パーソナル・コンピュータ</a:t>
+          </a:r>
+        </a:p>
+      </dsp:txBody>
+      <dsp:txXfrm>
+        <a:off x="4610157" y="2156848"/>
+        <a:ext cx="2305078" cy="2641882"/>
+      </dsp:txXfrm>
+    </dsp:sp>
+    <dsp:sp modelId="{9C1A401B-4014-4E12-B90D-9FB7B8F7FA45}">
+      <dsp:nvSpPr>
+        <dsp:cNvPr id="0" name=""/>
+        <dsp:cNvSpPr/>
+      </dsp:nvSpPr>
+      <dsp:spPr>
+        <a:xfrm>
+          <a:off x="6915236" y="1516893"/>
+          <a:ext cx="3085105" cy="1455899"/>
+        </a:xfrm>
+        <a:prstGeom prst="rightArrow">
+          <a:avLst>
+            <a:gd name="adj1" fmla="val 50000"/>
+            <a:gd name="adj2" fmla="val 50000"/>
+          </a:avLst>
+        </a:prstGeom>
+        <a:gradFill rotWithShape="0">
+          <a:gsLst>
+            <a:gs pos="0">
+              <a:schemeClr val="accent5">
+                <a:hueOff val="-6758543"/>
+                <a:satOff val="-17419"/>
+                <a:lumOff val="-11765"/>
+                <a:alphaOff val="0"/>
+                <a:lumMod val="110000"/>
+                <a:satMod val="105000"/>
+                <a:tint val="67000"/>
+              </a:schemeClr>
+            </a:gs>
+            <a:gs pos="50000">
+              <a:schemeClr val="accent5">
+                <a:hueOff val="-6758543"/>
+                <a:satOff val="-17419"/>
+                <a:lumOff val="-11765"/>
+                <a:alphaOff val="0"/>
+                <a:lumMod val="105000"/>
+                <a:satMod val="103000"/>
+                <a:tint val="73000"/>
+              </a:schemeClr>
+            </a:gs>
+            <a:gs pos="100000">
+              <a:schemeClr val="accent5">
+                <a:hueOff val="-6758543"/>
+                <a:satOff val="-17419"/>
+                <a:lumOff val="-11765"/>
+                <a:alphaOff val="0"/>
+                <a:lumMod val="105000"/>
+                <a:satMod val="109000"/>
+                <a:tint val="81000"/>
+              </a:schemeClr>
+            </a:gs>
+          </a:gsLst>
+          <a:lin ang="5400000" scaled="0"/>
+        </a:gradFill>
+        <a:ln>
+          <a:noFill/>
+        </a:ln>
+        <a:effectLst/>
+        <a:scene3d>
+          <a:camera prst="orthographicFront"/>
+          <a:lightRig rig="flat" dir="t"/>
+        </a:scene3d>
+        <a:sp3d prstMaterial="dkEdge">
+          <a:bevelT w="8200" h="38100"/>
+        </a:sp3d>
+      </dsp:spPr>
+      <dsp:style>
+        <a:lnRef idx="0">
+          <a:scrgbClr r="0" g="0" b="0"/>
+        </a:lnRef>
+        <a:fillRef idx="2">
+          <a:scrgbClr r="0" g="0" b="0"/>
+        </a:fillRef>
+        <a:effectRef idx="1">
+          <a:scrgbClr r="0" g="0" b="0"/>
+        </a:effectRef>
+        <a:fontRef idx="minor">
+          <a:schemeClr val="dk1"/>
+        </a:fontRef>
+      </dsp:style>
+      <dsp:txBody>
+        <a:bodyPr spcFirstLastPara="0" vert="horz" wrap="square" lIns="99060" tIns="99060" rIns="254000" bIns="231124" numCol="1" spcCol="1270" anchor="ctr" anchorCtr="0">
+          <a:noAutofit/>
+        </a:bodyPr>
+        <a:lstStyle/>
+        <a:p>
+          <a:pPr marL="0" lvl="0" indent="0" algn="l" defTabSz="1155700">
+            <a:lnSpc>
+              <a:spcPct val="90000"/>
+            </a:lnSpc>
+            <a:spcBef>
+              <a:spcPct val="0"/>
+            </a:spcBef>
+            <a:spcAft>
+              <a:spcPct val="35000"/>
+            </a:spcAft>
+            <a:buNone/>
+          </a:pPr>
+          <a:r>
+            <a:rPr kumimoji="1" lang="en-US" altLang="ja-JP" sz="2600" kern="1200" dirty="0">
+              <a:latin typeface="BIZ UDPGothic" panose="020B0400000000000000" pitchFamily="34" charset="-128"/>
+              <a:ea typeface="BIZ UDPGothic" panose="020B0400000000000000" pitchFamily="34" charset="-128"/>
+            </a:rPr>
+            <a:t>1990</a:t>
+          </a:r>
+          <a:r>
+            <a:rPr kumimoji="1" lang="ja-JP" altLang="en-US" sz="2600" kern="1200" dirty="0">
+              <a:latin typeface="BIZ UDPGothic" panose="020B0400000000000000" pitchFamily="34" charset="-128"/>
+              <a:ea typeface="BIZ UDPGothic" panose="020B0400000000000000" pitchFamily="34" charset="-128"/>
+            </a:rPr>
+            <a:t>年代</a:t>
+          </a:r>
+        </a:p>
+      </dsp:txBody>
+      <dsp:txXfrm>
+        <a:off x="6915236" y="1880868"/>
+        <a:ext cx="2721130" cy="727949"/>
+      </dsp:txXfrm>
+    </dsp:sp>
+    <dsp:sp modelId="{905992E9-76A7-4477-8E0D-5E86AFE192A1}">
+      <dsp:nvSpPr>
+        <dsp:cNvPr id="0" name=""/>
+        <dsp:cNvSpPr/>
+      </dsp:nvSpPr>
+      <dsp:spPr>
+        <a:xfrm>
+          <a:off x="6915236" y="2641976"/>
+          <a:ext cx="2326079" cy="2672847"/>
+        </a:xfrm>
+        <a:prstGeom prst="rect">
+          <a:avLst/>
+        </a:prstGeom>
+        <a:solidFill>
+          <a:schemeClr val="lt1">
+            <a:hueOff val="0"/>
+            <a:satOff val="0"/>
+            <a:lumOff val="0"/>
+            <a:alphaOff val="0"/>
+          </a:schemeClr>
+        </a:solidFill>
+        <a:ln w="6350" cap="flat" cmpd="sng" algn="ctr">
+          <a:solidFill>
+            <a:schemeClr val="accent5">
+              <a:hueOff val="-6758543"/>
+              <a:satOff val="-17419"/>
+              <a:lumOff val="-11765"/>
+              <a:alphaOff val="0"/>
+            </a:schemeClr>
+          </a:solidFill>
+          <a:prstDash val="solid"/>
+          <a:miter lim="800000"/>
+        </a:ln>
+        <a:effectLst/>
+      </dsp:spPr>
+      <dsp:style>
+        <a:lnRef idx="1">
+          <a:scrgbClr r="0" g="0" b="0"/>
+        </a:lnRef>
+        <a:fillRef idx="1">
+          <a:scrgbClr r="0" g="0" b="0"/>
+        </a:fillRef>
+        <a:effectRef idx="0">
+          <a:scrgbClr r="0" g="0" b="0"/>
+        </a:effectRef>
+        <a:fontRef idx="minor"/>
+      </dsp:style>
+      <dsp:txBody>
+        <a:bodyPr spcFirstLastPara="0" vert="horz" wrap="square" lIns="99060" tIns="99060" rIns="99060" bIns="99060" numCol="1" spcCol="1270" anchor="t" anchorCtr="0">
+          <a:noAutofit/>
+        </a:bodyPr>
+        <a:lstStyle/>
+        <a:p>
+          <a:pPr marL="0" lvl="0" indent="0" algn="l" defTabSz="1155700">
+            <a:lnSpc>
+              <a:spcPct val="90000"/>
+            </a:lnSpc>
+            <a:spcBef>
+              <a:spcPct val="0"/>
+            </a:spcBef>
+            <a:spcAft>
+              <a:spcPct val="35000"/>
+            </a:spcAft>
+            <a:buNone/>
+          </a:pPr>
+          <a:r>
+            <a:rPr kumimoji="1" lang="ja-JP" altLang="en-US" sz="2600" kern="1200" dirty="0">
+              <a:latin typeface="BIZ UDPGothic" panose="020B0400000000000000" pitchFamily="34" charset="-128"/>
+              <a:ea typeface="BIZ UDPGothic" panose="020B0400000000000000" pitchFamily="34" charset="-128"/>
+            </a:rPr>
+            <a:t>スマートフォーン</a:t>
+          </a:r>
+        </a:p>
+      </dsp:txBody>
+      <dsp:txXfrm>
+        <a:off x="6915236" y="2641976"/>
+        <a:ext cx="2326079" cy="2672847"/>
       </dsp:txXfrm>
     </dsp:sp>
   </dsp:spTree>
@@ -11662,6 +14117,1246 @@
 </dgm:layoutDef>
 </file>
 
+<file path=ppt/diagrams/layout5.xml><?xml version="1.0" encoding="utf-8"?>
+<dgm:layoutDef xmlns:dgm="http://schemas.openxmlformats.org/drawingml/2006/diagram" xmlns:a="http://schemas.openxmlformats.org/drawingml/2006/main" uniqueId="urn:microsoft.com/office/officeart/2009/3/layout/IncreasingArrowsProcess">
+  <dgm:title val=""/>
+  <dgm:desc val=""/>
+  <dgm:catLst>
+    <dgm:cat type="process" pri="5500"/>
+  </dgm:catLst>
+  <dgm:sampData>
+    <dgm:dataModel>
+      <dgm:ptLst>
+        <dgm:pt modelId="0" type="doc"/>
+        <dgm:pt modelId="10">
+          <dgm:prSet phldr="1"/>
+        </dgm:pt>
+        <dgm:pt modelId="11">
+          <dgm:prSet phldr="1"/>
+        </dgm:pt>
+        <dgm:pt modelId="20">
+          <dgm:prSet phldr="1"/>
+        </dgm:pt>
+        <dgm:pt modelId="21">
+          <dgm:prSet phldr="1"/>
+        </dgm:pt>
+        <dgm:pt modelId="30">
+          <dgm:prSet phldr="1"/>
+        </dgm:pt>
+        <dgm:pt modelId="31">
+          <dgm:prSet phldr="1"/>
+        </dgm:pt>
+      </dgm:ptLst>
+      <dgm:cxnLst>
+        <dgm:cxn modelId="40" srcId="0" destId="10" srcOrd="0" destOrd="0"/>
+        <dgm:cxn modelId="12" srcId="10" destId="11" srcOrd="0" destOrd="0"/>
+        <dgm:cxn modelId="50" srcId="0" destId="20" srcOrd="1" destOrd="0"/>
+        <dgm:cxn modelId="22" srcId="20" destId="21" srcOrd="0" destOrd="0"/>
+        <dgm:cxn modelId="60" srcId="0" destId="30" srcOrd="2" destOrd="0"/>
+        <dgm:cxn modelId="32" srcId="30" destId="31" srcOrd="0" destOrd="0"/>
+      </dgm:cxnLst>
+      <dgm:bg/>
+      <dgm:whole/>
+    </dgm:dataModel>
+  </dgm:sampData>
+  <dgm:styleData>
+    <dgm:dataModel>
+      <dgm:ptLst>
+        <dgm:pt modelId="0" type="doc"/>
+        <dgm:pt modelId="10">
+          <dgm:prSet phldr="1"/>
+        </dgm:pt>
+        <dgm:pt modelId="11">
+          <dgm:prSet phldr="1"/>
+        </dgm:pt>
+        <dgm:pt modelId="20">
+          <dgm:prSet phldr="1"/>
+        </dgm:pt>
+        <dgm:pt modelId="21">
+          <dgm:prSet phldr="1"/>
+        </dgm:pt>
+      </dgm:ptLst>
+      <dgm:cxnLst>
+        <dgm:cxn modelId="40" srcId="0" destId="10" srcOrd="0" destOrd="0"/>
+        <dgm:cxn modelId="12" srcId="10" destId="11" srcOrd="0" destOrd="0"/>
+        <dgm:cxn modelId="50" srcId="0" destId="20" srcOrd="1" destOrd="0"/>
+        <dgm:cxn modelId="22" srcId="20" destId="21" srcOrd="0" destOrd="0"/>
+      </dgm:cxnLst>
+      <dgm:bg/>
+      <dgm:whole/>
+    </dgm:dataModel>
+  </dgm:styleData>
+  <dgm:clrData>
+    <dgm:dataModel>
+      <dgm:ptLst>
+        <dgm:pt modelId="0" type="doc"/>
+        <dgm:pt modelId="10">
+          <dgm:prSet phldr="1"/>
+        </dgm:pt>
+        <dgm:pt modelId="11">
+          <dgm:prSet phldr="1"/>
+        </dgm:pt>
+        <dgm:pt modelId="20">
+          <dgm:prSet phldr="1"/>
+        </dgm:pt>
+        <dgm:pt modelId="21">
+          <dgm:prSet phldr="1"/>
+        </dgm:pt>
+        <dgm:pt modelId="30">
+          <dgm:prSet phldr="1"/>
+        </dgm:pt>
+        <dgm:pt modelId="31">
+          <dgm:prSet phldr="1"/>
+        </dgm:pt>
+      </dgm:ptLst>
+      <dgm:cxnLst>
+        <dgm:cxn modelId="40" srcId="0" destId="10" srcOrd="0" destOrd="0"/>
+        <dgm:cxn modelId="12" srcId="10" destId="11" srcOrd="0" destOrd="0"/>
+        <dgm:cxn modelId="50" srcId="0" destId="20" srcOrd="1" destOrd="0"/>
+        <dgm:cxn modelId="22" srcId="20" destId="21" srcOrd="0" destOrd="0"/>
+        <dgm:cxn modelId="60" srcId="0" destId="30" srcOrd="2" destOrd="0"/>
+        <dgm:cxn modelId="32" srcId="30" destId="31" srcOrd="0" destOrd="0"/>
+      </dgm:cxnLst>
+      <dgm:bg/>
+      <dgm:whole/>
+    </dgm:dataModel>
+  </dgm:clrData>
+  <dgm:layoutNode name="Name0">
+    <dgm:varLst>
+      <dgm:chMax val="5"/>
+      <dgm:chPref val="5"/>
+      <dgm:dir/>
+      <dgm:animLvl val="lvl"/>
+    </dgm:varLst>
+    <dgm:shape xmlns:r="http://schemas.openxmlformats.org/officeDocument/2006/relationships" r:blip="">
+      <dgm:adjLst/>
+    </dgm:shape>
+    <dgm:choose name="Name1">
+      <dgm:if name="Name2" axis="ch" ptType="node" func="cnt" op="equ" val="1">
+        <dgm:choose name="Name3">
+          <dgm:if name="Name4" axis="ch ch" ptType="node node" func="cnt" op="equ" val="0">
+            <dgm:alg type="composite">
+              <dgm:param type="ar" val="6.8662"/>
+            </dgm:alg>
+            <dgm:choose name="Name5">
+              <dgm:if name="Name6" func="var" arg="dir" op="equ" val="norm">
+                <dgm:constrLst>
+                  <dgm:constr type="primFontSz" for="des" forName="parentText1" val="65"/>
+                  <dgm:constr type="l" for="ch" forName="parentText1" refType="w" fact="0"/>
+                  <dgm:constr type="t" for="ch" forName="parentText1" refType="h" fact="0"/>
+                  <dgm:constr type="w" for="ch" forName="parentText1" refType="w"/>
+                  <dgm:constr type="h" for="ch" forName="parentText1" refType="h"/>
+                </dgm:constrLst>
+              </dgm:if>
+              <dgm:else name="Name7">
+                <dgm:constrLst>
+                  <dgm:constr type="primFontSz" for="des" forName="parentText1" val="65"/>
+                  <dgm:constr type="l" for="ch" forName="parentText1" refType="w" fact="0"/>
+                  <dgm:constr type="t" for="ch" forName="parentText1" refType="h" fact="0"/>
+                  <dgm:constr type="w" for="ch" forName="parentText1" refType="w"/>
+                  <dgm:constr type="h" for="ch" forName="parentText1" refType="h"/>
+                </dgm:constrLst>
+              </dgm:else>
+            </dgm:choose>
+          </dgm:if>
+          <dgm:else name="Name8">
+            <dgm:alg type="composite">
+              <dgm:param type="ar" val="1.9864"/>
+            </dgm:alg>
+            <dgm:choose name="Name9">
+              <dgm:if name="Name10" func="var" arg="dir" op="equ" val="norm">
+                <dgm:constrLst>
+                  <dgm:constr type="primFontSz" for="des" forName="childText1" val="65"/>
+                  <dgm:constr type="primFontSz" for="des" forName="parentText1" val="65"/>
+                  <dgm:constr type="primFontSz" for="des" forName="childText1" refType="primFontSz" refFor="des" refForName="parentText1" op="lte"/>
+                  <dgm:constr type="l" for="ch" forName="parentText1" refType="w" fact="0"/>
+                  <dgm:constr type="t" for="ch" forName="parentText1" refType="h" fact="0"/>
+                  <dgm:constr type="w" for="ch" forName="parentText1" refType="w"/>
+                  <dgm:constr type="h" for="ch" forName="parentText1" refType="h" fact="0.2893"/>
+                  <dgm:constr type="l" for="ch" forName="childText1" refType="w" fact="0"/>
+                  <dgm:constr type="t" for="ch" forName="childText1" refType="h" fact="0.224"/>
+                  <dgm:constr type="w" for="ch" forName="childText1" refType="w" fact="0.9241"/>
+                  <dgm:constr type="h" for="ch" forName="childText1" refType="h" fact="0.776"/>
+                </dgm:constrLst>
+              </dgm:if>
+              <dgm:else name="Name11">
+                <dgm:constrLst>
+                  <dgm:constr type="primFontSz" for="des" forName="childText1" val="65"/>
+                  <dgm:constr type="primFontSz" for="des" forName="parentText1" val="65"/>
+                  <dgm:constr type="primFontSz" for="des" forName="childText1" refType="primFontSz" refFor="des" refForName="parentText1" op="lte"/>
+                  <dgm:constr type="l" for="ch" forName="parentText1" refType="w" fact="0"/>
+                  <dgm:constr type="t" for="ch" forName="parentText1" refType="h" fact="0"/>
+                  <dgm:constr type="w" for="ch" forName="parentText1" refType="w"/>
+                  <dgm:constr type="h" for="ch" forName="parentText1" refType="h" fact="0.2893"/>
+                  <dgm:constr type="l" for="ch" forName="childText1" refType="w" fact="0.076"/>
+                  <dgm:constr type="t" for="ch" forName="childText1" refType="h" fact="0.224"/>
+                  <dgm:constr type="w" for="ch" forName="childText1" refType="w" fact="0.9241"/>
+                  <dgm:constr type="h" for="ch" forName="childText1" refType="h" fact="0.776"/>
+                </dgm:constrLst>
+              </dgm:else>
+            </dgm:choose>
+          </dgm:else>
+        </dgm:choose>
+      </dgm:if>
+      <dgm:if name="Name12" axis="ch" ptType="node" func="cnt" op="equ" val="2">
+        <dgm:choose name="Name13">
+          <dgm:if name="Name14" axis="ch ch" ptType="node node" func="cnt" op="equ" val="0">
+            <dgm:alg type="composite">
+              <dgm:param type="ar" val="5.1498"/>
+            </dgm:alg>
+            <dgm:choose name="Name15">
+              <dgm:if name="Name16" func="var" arg="dir" op="equ" val="norm">
+                <dgm:constrLst>
+                  <dgm:constr type="primFontSz" for="des" forName="parentText1" val="65"/>
+                  <dgm:constr type="primFontSz" for="des" forName="parentText2" refType="primFontSz" refFor="des" refForName="parentText1" op="equ"/>
+                  <dgm:constr type="l" for="ch" forName="parentText1" refType="w" fact="0"/>
+                  <dgm:constr type="t" for="ch" forName="parentText1" refType="h" fact="0"/>
+                  <dgm:constr type="w" for="ch" forName="parentText1" refType="w"/>
+                  <dgm:constr type="h" for="ch" forName="parentText1" refType="h" fact="0.7501"/>
+                  <dgm:constr type="l" for="ch" forName="parentText2" refType="w" fact="0.462"/>
+                  <dgm:constr type="t" for="ch" forName="parentText2" refType="h" fact="0.2499"/>
+                  <dgm:constr type="w" for="ch" forName="parentText2" refType="w" fact="0.538"/>
+                  <dgm:constr type="h" for="ch" forName="parentText2" refType="h" fact="0.7501"/>
+                </dgm:constrLst>
+              </dgm:if>
+              <dgm:else name="Name17">
+                <dgm:constrLst>
+                  <dgm:constr type="primFontSz" for="des" forName="parentText1" val="65"/>
+                  <dgm:constr type="primFontSz" for="des" forName="parentText2" refType="primFontSz" refFor="des" refForName="parentText1" op="equ"/>
+                  <dgm:constr type="l" for="ch" forName="parentText1" refType="w" fact="0"/>
+                  <dgm:constr type="t" for="ch" forName="parentText1" refType="h" fact="0"/>
+                  <dgm:constr type="w" for="ch" forName="parentText1" refType="w"/>
+                  <dgm:constr type="h" for="ch" forName="parentText1" refType="h" fact="0.7501"/>
+                  <dgm:constr type="l" for="ch" forName="parentText2" refType="w" fact="0"/>
+                  <dgm:constr type="t" for="ch" forName="parentText2" refType="h" fact="0.2499"/>
+                  <dgm:constr type="w" for="ch" forName="parentText2" refType="w" fact="0.538"/>
+                  <dgm:constr type="h" for="ch" forName="parentText2" refType="h" fact="0.7501"/>
+                </dgm:constrLst>
+              </dgm:else>
+            </dgm:choose>
+          </dgm:if>
+          <dgm:else name="Name18">
+            <dgm:alg type="composite">
+              <dgm:param type="ar" val="2.0563"/>
+            </dgm:alg>
+            <dgm:choose name="Name19">
+              <dgm:if name="Name20" func="var" arg="dir" op="equ" val="norm">
+                <dgm:constrLst>
+                  <dgm:constr type="primFontSz" for="des" forName="childText1" val="65"/>
+                  <dgm:constr type="primFontSz" for="des" forName="parentText1" val="65"/>
+                  <dgm:constr type="primFontSz" for="des" forName="childText1" refType="primFontSz" refFor="des" refForName="parentText1" op="lte"/>
+                  <dgm:constr type="primFontSz" for="des" forName="childText2" refType="primFontSz" refFor="des" refForName="parentText1" op="lte"/>
+                  <dgm:constr type="primFontSz" for="des" forName="childText1" refType="primFontSz" refFor="des" refForName="parentText2" op="lte"/>
+                  <dgm:constr type="primFontSz" for="des" forName="childText2" refType="primFontSz" refFor="des" refForName="parentText2" op="lte"/>
+                  <dgm:constr type="primFontSz" for="des" forName="parentText2" refType="primFontSz" refFor="des" refForName="parentText1" op="equ"/>
+                  <dgm:constr type="primFontSz" for="des" forName="childText2" refType="primFontSz" refFor="des" refForName="childText1" op="equ"/>
+                  <dgm:constr type="l" for="ch" forName="parentText1" refType="w" fact="0"/>
+                  <dgm:constr type="t" for="ch" forName="parentText1" refType="h" fact="0"/>
+                  <dgm:constr type="w" for="ch" forName="parentText1" refType="w"/>
+                  <dgm:constr type="h" for="ch" forName="parentText1" refType="h" fact="0.2995"/>
+                  <dgm:constr type="l" for="ch" forName="parentText2" refType="w" fact="0.462"/>
+                  <dgm:constr type="t" for="ch" forName="parentText2" refType="h" fact="0.0998"/>
+                  <dgm:constr type="w" for="ch" forName="parentText2" refType="w" fact="0.538"/>
+                  <dgm:constr type="h" for="ch" forName="parentText2" refType="h" fact="0.2995"/>
+                  <dgm:constr type="l" for="ch" forName="childText1" refType="w" fact="0"/>
+                  <dgm:constr type="t" for="ch" forName="childText1" refType="h" fact="0.2317"/>
+                  <dgm:constr type="w" for="ch" forName="childText1" refType="w" fact="0.462"/>
+                  <dgm:constr type="h" for="ch" forName="childText1" refType="h" fact="0.6685"/>
+                  <dgm:constr type="l" for="ch" forName="childText2" refType="w" fact="0.462"/>
+                  <dgm:constr type="t" for="ch" forName="childText2" refType="h" fact="0.3315"/>
+                  <dgm:constr type="w" for="ch" forName="childText2" refType="w" fact="0.462"/>
+                  <dgm:constr type="h" for="ch" forName="childText2" refType="h" fact="0.6685"/>
+                </dgm:constrLst>
+              </dgm:if>
+              <dgm:else name="Name21">
+                <dgm:constrLst>
+                  <dgm:constr type="primFontSz" for="des" forName="childText1" val="65"/>
+                  <dgm:constr type="primFontSz" for="des" forName="parentText1" val="65"/>
+                  <dgm:constr type="primFontSz" for="des" forName="childText1" refType="primFontSz" refFor="des" refForName="parentText1" op="lte"/>
+                  <dgm:constr type="primFontSz" for="des" forName="childText2" refType="primFontSz" refFor="des" refForName="parentText1" op="lte"/>
+                  <dgm:constr type="primFontSz" for="des" forName="childText1" refType="primFontSz" refFor="des" refForName="parentText2" op="lte"/>
+                  <dgm:constr type="primFontSz" for="des" forName="childText2" refType="primFontSz" refFor="des" refForName="parentText2" op="lte"/>
+                  <dgm:constr type="primFontSz" for="des" forName="parentText2" refType="primFontSz" refFor="des" refForName="parentText1" op="equ"/>
+                  <dgm:constr type="primFontSz" for="des" forName="childText2" refType="primFontSz" refFor="des" refForName="childText1" op="equ"/>
+                  <dgm:constr type="l" for="ch" forName="parentText1" refType="w" fact="0"/>
+                  <dgm:constr type="t" for="ch" forName="parentText1" refType="h" fact="0"/>
+                  <dgm:constr type="w" for="ch" forName="parentText1" refType="w"/>
+                  <dgm:constr type="h" for="ch" forName="parentText1" refType="h" fact="0.2995"/>
+                  <dgm:constr type="l" for="ch" forName="parentText2" refType="w" fact="0"/>
+                  <dgm:constr type="t" for="ch" forName="parentText2" refType="h" fact="0.0998"/>
+                  <dgm:constr type="w" for="ch" forName="parentText2" refType="w" fact="0.538"/>
+                  <dgm:constr type="h" for="ch" forName="parentText2" refType="h" fact="0.2995"/>
+                  <dgm:constr type="l" for="ch" forName="childText1" refType="w" fact="0.538"/>
+                  <dgm:constr type="t" for="ch" forName="childText1" refType="h" fact="0.2317"/>
+                  <dgm:constr type="w" for="ch" forName="childText1" refType="w" fact="0.462"/>
+                  <dgm:constr type="h" for="ch" forName="childText1" refType="h" fact="0.6685"/>
+                  <dgm:constr type="l" for="ch" forName="childText2" refType="w" fact="0.076"/>
+                  <dgm:constr type="t" for="ch" forName="childText2" refType="h" fact="0.3315"/>
+                  <dgm:constr type="w" for="ch" forName="childText2" refType="w" fact="0.462"/>
+                  <dgm:constr type="h" for="ch" forName="childText2" refType="h" fact="0.6685"/>
+                </dgm:constrLst>
+              </dgm:else>
+            </dgm:choose>
+          </dgm:else>
+        </dgm:choose>
+      </dgm:if>
+      <dgm:if name="Name22" axis="ch" ptType="node" func="cnt" op="equ" val="3">
+        <dgm:choose name="Name23">
+          <dgm:if name="Name24" axis="ch ch" ptType="node node" func="cnt" op="equ" val="0">
+            <dgm:alg type="composite">
+              <dgm:param type="ar" val="4.1198"/>
+            </dgm:alg>
+            <dgm:choose name="Name25">
+              <dgm:if name="Name26" func="var" arg="dir" op="equ" val="norm">
+                <dgm:constrLst>
+                  <dgm:constr type="primFontSz" for="des" forName="parentText1" val="65"/>
+                  <dgm:constr type="primFontSz" for="des" forName="parentText2" refType="primFontSz" refFor="des" refForName="parentText1" op="equ"/>
+                  <dgm:constr type="primFontSz" for="des" forName="parentText3" refType="primFontSz" refFor="des" refForName="parentText1" op="equ"/>
+                  <dgm:constr type="l" for="ch" forName="parentText1" refType="w" fact="0"/>
+                  <dgm:constr type="t" for="ch" forName="parentText1" refType="h" fact="0"/>
+                  <dgm:constr type="w" for="ch" forName="parentText1" refType="w"/>
+                  <dgm:constr type="h" for="ch" forName="parentText1" refType="h" fact="0.6"/>
+                  <dgm:constr type="l" for="ch" forName="parentText2" refType="w" fact="0.308"/>
+                  <dgm:constr type="t" for="ch" forName="parentText2" refType="h" fact="0.2"/>
+                  <dgm:constr type="w" for="ch" forName="parentText2" refType="w" fact="0.692"/>
+                  <dgm:constr type="h" for="ch" forName="parentText2" refType="h" fact="0.6"/>
+                  <dgm:constr type="l" for="ch" forName="parentText3" refType="w" fact="0.616"/>
+                  <dgm:constr type="t" for="ch" forName="parentText3" refType="h" fact="0.4"/>
+                  <dgm:constr type="w" for="ch" forName="parentText3" refType="w" fact="0.384"/>
+                  <dgm:constr type="h" for="ch" forName="parentText3" refType="h" fact="0.6"/>
+                </dgm:constrLst>
+              </dgm:if>
+              <dgm:else name="Name27">
+                <dgm:constrLst>
+                  <dgm:constr type="primFontSz" for="des" forName="parentText1" val="65"/>
+                  <dgm:constr type="primFontSz" for="des" forName="parentText2" refType="primFontSz" refFor="des" refForName="parentText1" op="equ"/>
+                  <dgm:constr type="primFontSz" for="des" forName="parentText3" refType="primFontSz" refFor="des" refForName="parentText1" op="equ"/>
+                  <dgm:constr type="l" for="ch" forName="parentText1" refType="w" fact="0"/>
+                  <dgm:constr type="t" for="ch" forName="parentText1" refType="h" fact="0"/>
+                  <dgm:constr type="w" for="ch" forName="parentText1" refType="w"/>
+                  <dgm:constr type="h" for="ch" forName="parentText1" refType="h" fact="0.6"/>
+                  <dgm:constr type="l" for="ch" forName="parentText2" refType="w" fact="0"/>
+                  <dgm:constr type="t" for="ch" forName="parentText2" refType="h" fact="0.2"/>
+                  <dgm:constr type="w" for="ch" forName="parentText2" refType="w" fact="0.692"/>
+                  <dgm:constr type="h" for="ch" forName="parentText2" refType="h" fact="0.6"/>
+                  <dgm:constr type="l" for="ch" forName="parentText3" refType="w" fact="0"/>
+                  <dgm:constr type="t" for="ch" forName="parentText3" refType="h" fact="0.4"/>
+                  <dgm:constr type="w" for="ch" forName="parentText3" refType="w" fact="0.384"/>
+                  <dgm:constr type="h" for="ch" forName="parentText3" refType="h" fact="0.6"/>
+                </dgm:constrLst>
+              </dgm:else>
+            </dgm:choose>
+          </dgm:if>
+          <dgm:else name="Name28">
+            <dgm:alg type="composite">
+              <dgm:param type="ar" val="2.0702"/>
+            </dgm:alg>
+            <dgm:choose name="Name29">
+              <dgm:if name="Name30" func="var" arg="dir" op="equ" val="norm">
+                <dgm:constrLst>
+                  <dgm:constr type="primFontSz" for="des" forName="childText1" val="65"/>
+                  <dgm:constr type="primFontSz" for="des" forName="parentText1" val="65"/>
+                  <dgm:constr type="primFontSz" for="des" forName="childText1" refType="primFontSz" refFor="des" refForName="parentText1" op="lte"/>
+                  <dgm:constr type="primFontSz" for="des" forName="childText2" refType="primFontSz" refFor="des" refForName="parentText1" op="lte"/>
+                  <dgm:constr type="primFontSz" for="des" forName="childText3" refType="primFontSz" refFor="des" refForName="parentText1" op="lte"/>
+                  <dgm:constr type="primFontSz" for="des" forName="childText1" refType="primFontSz" refFor="des" refForName="parentText2" op="lte"/>
+                  <dgm:constr type="primFontSz" for="des" forName="childText2" refType="primFontSz" refFor="des" refForName="parentText2" op="lte"/>
+                  <dgm:constr type="primFontSz" for="des" forName="childText3" refType="primFontSz" refFor="des" refForName="parentText2" op="lte"/>
+                  <dgm:constr type="primFontSz" for="des" forName="childText1" refType="primFontSz" refFor="des" refForName="parentText3" op="lte"/>
+                  <dgm:constr type="primFontSz" for="des" forName="childText2" refType="primFontSz" refFor="des" refForName="parentText3" op="lte"/>
+                  <dgm:constr type="primFontSz" for="des" forName="childText3" refType="primFontSz" refFor="des" refForName="parentText3" op="lte"/>
+                  <dgm:constr type="primFontSz" for="des" forName="parentText2" refType="primFontSz" refFor="des" refForName="parentText1" op="equ"/>
+                  <dgm:constr type="primFontSz" for="des" forName="parentText3" refType="primFontSz" refFor="des" refForName="parentText1" op="equ"/>
+                  <dgm:constr type="primFontSz" for="des" forName="childText2" refType="primFontSz" refFor="des" refForName="childText1" op="equ"/>
+                  <dgm:constr type="primFontSz" for="des" forName="childText3" refType="primFontSz" refFor="des" refForName="childText1" op="equ"/>
+                  <dgm:constr type="l" for="ch" forName="childText1" refType="w" fact="0"/>
+                  <dgm:constr type="t" for="ch" forName="childText1" refType="h" fact="0.2325"/>
+                  <dgm:constr type="w" for="ch" forName="childText1" refType="w" fact="0.308"/>
+                  <dgm:constr type="h" for="ch" forName="childText1" refType="h" fact="0.5808"/>
+                  <dgm:constr type="l" for="ch" forName="childText2" refType="w" fact="0.308"/>
+                  <dgm:constr type="t" for="ch" forName="childText2" refType="h" fact="0.333"/>
+                  <dgm:constr type="w" for="ch" forName="childText2" refType="w" fact="0.308"/>
+                  <dgm:constr type="h" for="ch" forName="childText2" refType="h" fact="0.5808"/>
+                  <dgm:constr type="l" for="ch" forName="childText3" refType="w" fact="0.616"/>
+                  <dgm:constr type="t" for="ch" forName="childText3" refType="h" fact="0.4335"/>
+                  <dgm:constr type="w" for="ch" forName="childText3" refType="w" fact="0.308"/>
+                  <dgm:constr type="h" for="ch" forName="childText3" refType="h" fact="0.5723"/>
+                  <dgm:constr type="l" for="ch" forName="parentText1" refType="w" fact="0"/>
+                  <dgm:constr type="t" for="ch" forName="parentText1" refType="h" fact="0"/>
+                  <dgm:constr type="w" for="ch" forName="parentText1" refType="w"/>
+                  <dgm:constr type="h" for="ch" forName="parentText1" refType="h" fact="0.3015"/>
+                  <dgm:constr type="l" for="ch" forName="parentText2" refType="w" fact="0.308"/>
+                  <dgm:constr type="t" for="ch" forName="parentText2" refType="h" fact="0.1005"/>
+                  <dgm:constr type="w" for="ch" forName="parentText2" refType="w" fact="0.692"/>
+                  <dgm:constr type="h" for="ch" forName="parentText2" refType="h" fact="0.3015"/>
+                  <dgm:constr type="l" for="ch" forName="parentText3" refType="w" fact="0.616"/>
+                  <dgm:constr type="t" for="ch" forName="parentText3" refType="h" fact="0.201"/>
+                  <dgm:constr type="w" for="ch" forName="parentText3" refType="w" fact="0.384"/>
+                  <dgm:constr type="h" for="ch" forName="parentText3" refType="h" fact="0.3015"/>
+                </dgm:constrLst>
+              </dgm:if>
+              <dgm:else name="Name31">
+                <dgm:constrLst>
+                  <dgm:constr type="primFontSz" for="des" forName="childText1" val="65"/>
+                  <dgm:constr type="primFontSz" for="des" forName="parentText1" val="65"/>
+                  <dgm:constr type="primFontSz" for="des" forName="childText1" refType="primFontSz" refFor="des" refForName="parentText1" op="lte"/>
+                  <dgm:constr type="primFontSz" for="des" forName="childText2" refType="primFontSz" refFor="des" refForName="parentText1" op="lte"/>
+                  <dgm:constr type="primFontSz" for="des" forName="childText3" refType="primFontSz" refFor="des" refForName="parentText1" op="lte"/>
+                  <dgm:constr type="primFontSz" for="des" forName="childText1" refType="primFontSz" refFor="des" refForName="parentText2" op="lte"/>
+                  <dgm:constr type="primFontSz" for="des" forName="childText2" refType="primFontSz" refFor="des" refForName="parentText2" op="lte"/>
+                  <dgm:constr type="primFontSz" for="des" forName="childText3" refType="primFontSz" refFor="des" refForName="parentText2" op="lte"/>
+                  <dgm:constr type="primFontSz" for="des" forName="childText1" refType="primFontSz" refFor="des" refForName="parentText3" op="lte"/>
+                  <dgm:constr type="primFontSz" for="des" forName="childText2" refType="primFontSz" refFor="des" refForName="parentText3" op="lte"/>
+                  <dgm:constr type="primFontSz" for="des" forName="childText3" refType="primFontSz" refFor="des" refForName="parentText3" op="lte"/>
+                  <dgm:constr type="primFontSz" for="des" forName="parentText2" refType="primFontSz" refFor="des" refForName="parentText1" op="equ"/>
+                  <dgm:constr type="primFontSz" for="des" forName="parentText3" refType="primFontSz" refFor="des" refForName="parentText1" op="equ"/>
+                  <dgm:constr type="primFontSz" for="des" forName="childText2" refType="primFontSz" refFor="des" refForName="childText1" op="equ"/>
+                  <dgm:constr type="primFontSz" for="des" forName="childText3" refType="primFontSz" refFor="des" refForName="childText1" op="equ"/>
+                  <dgm:constr type="l" for="ch" forName="childText1" refType="w" fact="0.692"/>
+                  <dgm:constr type="t" for="ch" forName="childText1" refType="h" fact="0.2325"/>
+                  <dgm:constr type="w" for="ch" forName="childText1" refType="w" fact="0.308"/>
+                  <dgm:constr type="h" for="ch" forName="childText1" refType="h" fact="0.5808"/>
+                  <dgm:constr type="l" for="ch" forName="childText2" refType="w" fact="0.384"/>
+                  <dgm:constr type="t" for="ch" forName="childText2" refType="h" fact="0.333"/>
+                  <dgm:constr type="w" for="ch" forName="childText2" refType="w" fact="0.308"/>
+                  <dgm:constr type="h" for="ch" forName="childText2" refType="h" fact="0.5808"/>
+                  <dgm:constr type="l" for="ch" forName="childText3" refType="w" fact="0.076"/>
+                  <dgm:constr type="t" for="ch" forName="childText3" refType="h" fact="0.4335"/>
+                  <dgm:constr type="w" for="ch" forName="childText3" refType="w" fact="0.308"/>
+                  <dgm:constr type="h" for="ch" forName="childText3" refType="h" fact="0.5723"/>
+                  <dgm:constr type="l" for="ch" forName="parentText1" refType="w" fact="0"/>
+                  <dgm:constr type="t" for="ch" forName="parentText1" refType="h" fact="0"/>
+                  <dgm:constr type="w" for="ch" forName="parentText1" refType="w"/>
+                  <dgm:constr type="h" for="ch" forName="parentText1" refType="h" fact="0.3015"/>
+                  <dgm:constr type="l" for="ch" forName="parentText2" refType="w" fact="0"/>
+                  <dgm:constr type="t" for="ch" forName="parentText2" refType="h" fact="0.1005"/>
+                  <dgm:constr type="w" for="ch" forName="parentText2" refType="w" fact="0.692"/>
+                  <dgm:constr type="h" for="ch" forName="parentText2" refType="h" fact="0.3015"/>
+                  <dgm:constr type="l" for="ch" forName="parentText3" refType="w" fact="0"/>
+                  <dgm:constr type="t" for="ch" forName="parentText3" refType="h" fact="0.201"/>
+                  <dgm:constr type="w" for="ch" forName="parentText3" refType="w" fact="0.384"/>
+                  <dgm:constr type="h" for="ch" forName="parentText3" refType="h" fact="0.3015"/>
+                </dgm:constrLst>
+              </dgm:else>
+            </dgm:choose>
+          </dgm:else>
+        </dgm:choose>
+      </dgm:if>
+      <dgm:if name="Name32" axis="ch" ptType="node" func="cnt" op="equ" val="4">
+        <dgm:choose name="Name33">
+          <dgm:if name="Name34" axis="ch ch" ptType="node node" func="cnt" op="equ" val="0">
+            <dgm:alg type="composite">
+              <dgm:param type="ar" val="3.435"/>
+            </dgm:alg>
+            <dgm:choose name="Name35">
+              <dgm:if name="Name36" func="var" arg="dir" op="equ" val="norm">
+                <dgm:constrLst>
+                  <dgm:constr type="primFontSz" for="des" forName="parentText1" val="65"/>
+                  <dgm:constr type="primFontSz" for="des" forName="parentText2" refType="primFontSz" refFor="des" refForName="parentText1" op="equ"/>
+                  <dgm:constr type="primFontSz" for="des" forName="parentText3" refType="primFontSz" refFor="des" refForName="parentText1" op="equ"/>
+                  <dgm:constr type="primFontSz" for="des" forName="parentText4" refType="primFontSz" refFor="des" refForName="parentText1" op="equ"/>
+                  <dgm:constr type="l" for="ch" forName="parentText1" refType="w" fact="0"/>
+                  <dgm:constr type="t" for="ch" forName="parentText1" refType="h" fact="0"/>
+                  <dgm:constr type="w" for="ch" forName="parentText1" refType="w"/>
+                  <dgm:constr type="h" for="ch" forName="parentText1" refType="h" fact="0.5001"/>
+                  <dgm:constr type="l" for="ch" forName="parentText2" refType="w" fact="0.2305"/>
+                  <dgm:constr type="t" for="ch" forName="parentText2" refType="h" fact="0.1666"/>
+                  <dgm:constr type="w" for="ch" forName="parentText2" refType="w" fact="0.7695"/>
+                  <dgm:constr type="h" for="ch" forName="parentText2" refType="h" fact="0.5001"/>
+                  <dgm:constr type="l" for="ch" forName="parentText3" refType="w" fact="0.461"/>
+                  <dgm:constr type="t" for="ch" forName="parentText3" refType="h" fact="0.3333"/>
+                  <dgm:constr type="w" for="ch" forName="parentText3" refType="w" fact="0.539"/>
+                  <dgm:constr type="h" for="ch" forName="parentText3" refType="h" fact="0.5001"/>
+                  <dgm:constr type="l" for="ch" forName="parentText4" refType="w" fact="0.6915"/>
+                  <dgm:constr type="t" for="ch" forName="parentText4" refType="h" fact="0.4999"/>
+                  <dgm:constr type="w" for="ch" forName="parentText4" refType="w" fact="0.3085"/>
+                  <dgm:constr type="h" for="ch" forName="parentText4" refType="h" fact="0.5001"/>
+                </dgm:constrLst>
+              </dgm:if>
+              <dgm:else name="Name37">
+                <dgm:constrLst>
+                  <dgm:constr type="primFontSz" for="des" forName="parentText1" val="65"/>
+                  <dgm:constr type="primFontSz" for="des" forName="parentText2" refType="primFontSz" refFor="des" refForName="parentText1" op="equ"/>
+                  <dgm:constr type="primFontSz" for="des" forName="parentText3" refType="primFontSz" refFor="des" refForName="parentText1" op="equ"/>
+                  <dgm:constr type="primFontSz" for="des" forName="parentText4" refType="primFontSz" refFor="des" refForName="parentText1" op="equ"/>
+                  <dgm:constr type="l" for="ch" forName="parentText1" refType="w" fact="0"/>
+                  <dgm:constr type="t" for="ch" forName="parentText1" refType="h" fact="0"/>
+                  <dgm:constr type="w" for="ch" forName="parentText1" refType="w"/>
+                  <dgm:constr type="h" for="ch" forName="parentText1" refType="h" fact="0.5001"/>
+                  <dgm:constr type="l" for="ch" forName="parentText2" refType="w" fact="0"/>
+                  <dgm:constr type="t" for="ch" forName="parentText2" refType="h" fact="0.1666"/>
+                  <dgm:constr type="w" for="ch" forName="parentText2" refType="w" fact="0.7695"/>
+                  <dgm:constr type="h" for="ch" forName="parentText2" refType="h" fact="0.5001"/>
+                  <dgm:constr type="l" for="ch" forName="parentText3" refType="w" fact="0"/>
+                  <dgm:constr type="t" for="ch" forName="parentText3" refType="h" fact="0.3333"/>
+                  <dgm:constr type="w" for="ch" forName="parentText3" refType="w" fact="0.539"/>
+                  <dgm:constr type="h" for="ch" forName="parentText3" refType="h" fact="0.5001"/>
+                  <dgm:constr type="l" for="ch" forName="parentText4" refType="w" fact="0"/>
+                  <dgm:constr type="t" for="ch" forName="parentText4" refType="h" fact="0.4999"/>
+                  <dgm:constr type="w" for="ch" forName="parentText4" refType="w" fact="0.3085"/>
+                  <dgm:constr type="h" for="ch" forName="parentText4" refType="h" fact="0.5001"/>
+                </dgm:constrLst>
+              </dgm:else>
+            </dgm:choose>
+          </dgm:if>
+          <dgm:else name="Name38">
+            <dgm:alg type="composite">
+              <dgm:param type="ar" val="1.9377"/>
+            </dgm:alg>
+            <dgm:choose name="Name39">
+              <dgm:if name="Name40" func="var" arg="dir" op="equ" val="norm">
+                <dgm:constrLst>
+                  <dgm:constr type="primFontSz" for="des" forName="childText1" val="65"/>
+                  <dgm:constr type="primFontSz" for="des" forName="parentText1" val="65"/>
+                  <dgm:constr type="primFontSz" for="des" forName="childText1" refType="primFontSz" refFor="des" refForName="parentText1" op="lte"/>
+                  <dgm:constr type="primFontSz" for="des" forName="childText2" refType="primFontSz" refFor="des" refForName="parentText1" op="lte"/>
+                  <dgm:constr type="primFontSz" for="des" forName="childText3" refType="primFontSz" refFor="des" refForName="parentText1" op="lte"/>
+                  <dgm:constr type="primFontSz" for="des" forName="childText4" refType="primFontSz" refFor="des" refForName="parentText1" op="lte"/>
+                  <dgm:constr type="primFontSz" for="des" forName="childText1" refType="primFontSz" refFor="des" refForName="parentText2" op="lte"/>
+                  <dgm:constr type="primFontSz" for="des" forName="childText2" refType="primFontSz" refFor="des" refForName="parentText2" op="lte"/>
+                  <dgm:constr type="primFontSz" for="des" forName="childText3" refType="primFontSz" refFor="des" refForName="parentText2" op="lte"/>
+                  <dgm:constr type="primFontSz" for="des" forName="childText4" refType="primFontSz" refFor="des" refForName="parentText2" op="lte"/>
+                  <dgm:constr type="primFontSz" for="des" forName="childText1" refType="primFontSz" refFor="des" refForName="parentText3" op="lte"/>
+                  <dgm:constr type="primFontSz" for="des" forName="childText2" refType="primFontSz" refFor="des" refForName="parentText3" op="lte"/>
+                  <dgm:constr type="primFontSz" for="des" forName="childText3" refType="primFontSz" refFor="des" refForName="parentText3" op="lte"/>
+                  <dgm:constr type="primFontSz" for="des" forName="childText4" refType="primFontSz" refFor="des" refForName="parentText3" op="lte"/>
+                  <dgm:constr type="primFontSz" for="des" forName="childText1" refType="primFontSz" refFor="des" refForName="parentText4" op="lte"/>
+                  <dgm:constr type="primFontSz" for="des" forName="childText2" refType="primFontSz" refFor="des" refForName="parentText4" op="lte"/>
+                  <dgm:constr type="primFontSz" for="des" forName="childText3" refType="primFontSz" refFor="des" refForName="parentText4" op="lte"/>
+                  <dgm:constr type="primFontSz" for="des" forName="childText4" refType="primFontSz" refFor="des" refForName="parentText4" op="lte"/>
+                  <dgm:constr type="primFontSz" for="des" forName="parentText2" refType="primFontSz" refFor="des" refForName="parentText1" op="equ"/>
+                  <dgm:constr type="primFontSz" for="des" forName="parentText3" refType="primFontSz" refFor="des" refForName="parentText1" op="equ"/>
+                  <dgm:constr type="primFontSz" for="des" forName="parentText4" refType="primFontSz" refFor="des" refForName="parentText1" op="equ"/>
+                  <dgm:constr type="primFontSz" for="des" forName="childText2" refType="primFontSz" refFor="des" refForName="childText1" op="equ"/>
+                  <dgm:constr type="primFontSz" for="des" forName="childText3" refType="primFontSz" refFor="des" refForName="childText1" op="equ"/>
+                  <dgm:constr type="primFontSz" for="des" forName="childText4" refType="primFontSz" refFor="des" refForName="childText1" op="equ"/>
+                  <dgm:constr type="l" for="ch" forName="childText1" refType="w" fact="0"/>
+                  <dgm:constr type="t" for="ch" forName="childText1" refType="h" fact="0.218"/>
+                  <dgm:constr type="w" for="ch" forName="childText1" refType="w" fact="0.2305"/>
+                  <dgm:constr type="h" for="ch" forName="childText1" refType="h" fact="0.5218"/>
+                  <dgm:constr type="l" for="ch" forName="childText2" refType="w" fact="0.2305"/>
+                  <dgm:constr type="t" for="ch" forName="childText2" refType="h" fact="0.312"/>
+                  <dgm:constr type="w" for="ch" forName="childText2" refType="w" fact="0.2305"/>
+                  <dgm:constr type="h" for="ch" forName="childText2" refType="h" fact="0.5085"/>
+                  <dgm:constr type="l" for="ch" forName="childText3" refType="w" fact="0.461"/>
+                  <dgm:constr type="t" for="ch" forName="childText3" refType="h" fact="0.406"/>
+                  <dgm:constr type="w" for="ch" forName="childText3" refType="w" fact="0.2305"/>
+                  <dgm:constr type="h" for="ch" forName="childText3" refType="h" fact="0.5119"/>
+                  <dgm:constr type="l" for="ch" forName="childText4" refType="w" fact="0.6915"/>
+                  <dgm:constr type="t" for="ch" forName="childText4" refType="h" fact="0.5"/>
+                  <dgm:constr type="w" for="ch" forName="childText4" refType="w" fact="0.2326"/>
+                  <dgm:constr type="h" for="ch" forName="childText4" refType="h" fact="0.5179"/>
+                  <dgm:constr type="l" for="ch" forName="parentText1" refType="w" fact="0"/>
+                  <dgm:constr type="t" for="ch" forName="parentText1" refType="h" fact="0"/>
+                  <dgm:constr type="w" for="ch" forName="parentText1" refType="w"/>
+                  <dgm:constr type="h" for="ch" forName="parentText1" refType="h" fact="0.2821"/>
+                  <dgm:constr type="l" for="ch" forName="parentText2" refType="w" fact="0.2305"/>
+                  <dgm:constr type="t" for="ch" forName="parentText2" refType="h" fact="0.094"/>
+                  <dgm:constr type="w" for="ch" forName="parentText2" refType="w" fact="0.7695"/>
+                  <dgm:constr type="h" for="ch" forName="parentText2" refType="h" fact="0.2821"/>
+                  <dgm:constr type="l" for="ch" forName="parentText3" refType="w" fact="0.461"/>
+                  <dgm:constr type="t" for="ch" forName="parentText3" refType="h" fact="0.188"/>
+                  <dgm:constr type="w" for="ch" forName="parentText3" refType="w" fact="0.539"/>
+                  <dgm:constr type="h" for="ch" forName="parentText3" refType="h" fact="0.2821"/>
+                  <dgm:constr type="l" for="ch" forName="parentText4" refType="w" fact="0.6915"/>
+                  <dgm:constr type="t" for="ch" forName="parentText4" refType="h" fact="0.282"/>
+                  <dgm:constr type="w" for="ch" forName="parentText4" refType="w" fact="0.3085"/>
+                  <dgm:constr type="h" for="ch" forName="parentText4" refType="h" fact="0.2821"/>
+                </dgm:constrLst>
+              </dgm:if>
+              <dgm:else name="Name41">
+                <dgm:constrLst>
+                  <dgm:constr type="primFontSz" for="des" forName="childText1" val="65"/>
+                  <dgm:constr type="primFontSz" for="des" forName="parentText1" val="65"/>
+                  <dgm:constr type="primFontSz" for="des" forName="childText1" refType="primFontSz" refFor="des" refForName="parentText1" op="lte"/>
+                  <dgm:constr type="primFontSz" for="des" forName="childText2" refType="primFontSz" refFor="des" refForName="parentText1" op="lte"/>
+                  <dgm:constr type="primFontSz" for="des" forName="childText3" refType="primFontSz" refFor="des" refForName="parentText1" op="lte"/>
+                  <dgm:constr type="primFontSz" for="des" forName="childText4" refType="primFontSz" refFor="des" refForName="parentText1" op="lte"/>
+                  <dgm:constr type="primFontSz" for="des" forName="childText1" refType="primFontSz" refFor="des" refForName="parentText2" op="lte"/>
+                  <dgm:constr type="primFontSz" for="des" forName="childText2" refType="primFontSz" refFor="des" refForName="parentText2" op="lte"/>
+                  <dgm:constr type="primFontSz" for="des" forName="childText3" refType="primFontSz" refFor="des" refForName="parentText2" op="lte"/>
+                  <dgm:constr type="primFontSz" for="des" forName="childText4" refType="primFontSz" refFor="des" refForName="parentText2" op="lte"/>
+                  <dgm:constr type="primFontSz" for="des" forName="childText1" refType="primFontSz" refFor="des" refForName="parentText3" op="lte"/>
+                  <dgm:constr type="primFontSz" for="des" forName="childText2" refType="primFontSz" refFor="des" refForName="parentText3" op="lte"/>
+                  <dgm:constr type="primFontSz" for="des" forName="childText3" refType="primFontSz" refFor="des" refForName="parentText3" op="lte"/>
+                  <dgm:constr type="primFontSz" for="des" forName="childText4" refType="primFontSz" refFor="des" refForName="parentText3" op="lte"/>
+                  <dgm:constr type="primFontSz" for="des" forName="childText1" refType="primFontSz" refFor="des" refForName="parentText4" op="lte"/>
+                  <dgm:constr type="primFontSz" for="des" forName="childText2" refType="primFontSz" refFor="des" refForName="parentText4" op="lte"/>
+                  <dgm:constr type="primFontSz" for="des" forName="childText3" refType="primFontSz" refFor="des" refForName="parentText4" op="lte"/>
+                  <dgm:constr type="primFontSz" for="des" forName="childText4" refType="primFontSz" refFor="des" refForName="parentText4" op="lte"/>
+                  <dgm:constr type="primFontSz" for="des" forName="parentText2" refType="primFontSz" refFor="des" refForName="parentText1" op="equ"/>
+                  <dgm:constr type="primFontSz" for="des" forName="parentText3" refType="primFontSz" refFor="des" refForName="parentText1" op="equ"/>
+                  <dgm:constr type="primFontSz" for="des" forName="parentText4" refType="primFontSz" refFor="des" refForName="parentText1" op="equ"/>
+                  <dgm:constr type="primFontSz" for="des" forName="childText2" refType="primFontSz" refFor="des" refForName="childText1" op="equ"/>
+                  <dgm:constr type="primFontSz" for="des" forName="childText3" refType="primFontSz" refFor="des" refForName="childText1" op="equ"/>
+                  <dgm:constr type="primFontSz" for="des" forName="childText4" refType="primFontSz" refFor="des" refForName="childText1" op="equ"/>
+                  <dgm:constr type="l" for="ch" forName="childText1" refType="w" fact="0.7695"/>
+                  <dgm:constr type="t" for="ch" forName="childText1" refType="h" fact="0.218"/>
+                  <dgm:constr type="w" for="ch" forName="childText1" refType="w" fact="0.2305"/>
+                  <dgm:constr type="h" for="ch" forName="childText1" refType="h" fact="0.5218"/>
+                  <dgm:constr type="l" for="ch" forName="childText2" refType="w" fact="0.539"/>
+                  <dgm:constr type="t" for="ch" forName="childText2" refType="h" fact="0.312"/>
+                  <dgm:constr type="w" for="ch" forName="childText2" refType="w" fact="0.2305"/>
+                  <dgm:constr type="h" for="ch" forName="childText2" refType="h" fact="0.5085"/>
+                  <dgm:constr type="l" for="ch" forName="childText3" refType="w" fact="0.3085"/>
+                  <dgm:constr type="t" for="ch" forName="childText3" refType="h" fact="0.406"/>
+                  <dgm:constr type="w" for="ch" forName="childText3" refType="w" fact="0.2305"/>
+                  <dgm:constr type="h" for="ch" forName="childText3" refType="h" fact="0.5119"/>
+                  <dgm:constr type="l" for="ch" forName="childText4" refType="w" fact="0.076"/>
+                  <dgm:constr type="t" for="ch" forName="childText4" refType="h" fact="0.5"/>
+                  <dgm:constr type="w" for="ch" forName="childText4" refType="w" fact="0.2346"/>
+                  <dgm:constr type="h" for="ch" forName="childText4" refType="h" fact="0.5179"/>
+                  <dgm:constr type="l" for="ch" forName="parentText1" refType="w" fact="0"/>
+                  <dgm:constr type="t" for="ch" forName="parentText1" refType="h" fact="0"/>
+                  <dgm:constr type="w" for="ch" forName="parentText1" refType="w"/>
+                  <dgm:constr type="h" for="ch" forName="parentText1" refType="h" fact="0.2821"/>
+                  <dgm:constr type="l" for="ch" forName="parentText2" refType="w" fact="0"/>
+                  <dgm:constr type="t" for="ch" forName="parentText2" refType="h" fact="0.094"/>
+                  <dgm:constr type="w" for="ch" forName="parentText2" refType="w" fact="0.7695"/>
+                  <dgm:constr type="h" for="ch" forName="parentText2" refType="h" fact="0.2821"/>
+                  <dgm:constr type="l" for="ch" forName="parentText3" refType="w" fact="0"/>
+                  <dgm:constr type="t" for="ch" forName="parentText3" refType="h" fact="0.188"/>
+                  <dgm:constr type="w" for="ch" forName="parentText3" refType="w" fact="0.539"/>
+                  <dgm:constr type="h" for="ch" forName="parentText3" refType="h" fact="0.2821"/>
+                  <dgm:constr type="l" for="ch" forName="parentText4" refType="w" fact="0"/>
+                  <dgm:constr type="t" for="ch" forName="parentText4" refType="h" fact="0.282"/>
+                  <dgm:constr type="w" for="ch" forName="parentText4" refType="w" fact="0.3085"/>
+                  <dgm:constr type="h" for="ch" forName="parentText4" refType="h" fact="0.2821"/>
+                </dgm:constrLst>
+              </dgm:else>
+            </dgm:choose>
+          </dgm:else>
+        </dgm:choose>
+      </dgm:if>
+      <dgm:else name="Name42">
+        <dgm:choose name="Name43">
+          <dgm:if name="Name44" axis="ch ch" ptType="node node" func="cnt" op="equ" val="0">
+            <dgm:alg type="composite">
+              <dgm:param type="ar" val="2.9463"/>
+            </dgm:alg>
+            <dgm:choose name="Name45">
+              <dgm:if name="Name46" func="var" arg="dir" op="equ" val="norm">
+                <dgm:constrLst>
+                  <dgm:constr type="primFontSz" for="des" forName="parentText1" val="65"/>
+                  <dgm:constr type="primFontSz" for="des" forName="parentText2" refType="primFontSz" refFor="des" refForName="parentText1" op="equ"/>
+                  <dgm:constr type="primFontSz" for="des" forName="parentText3" refType="primFontSz" refFor="des" refForName="parentText1" op="equ"/>
+                  <dgm:constr type="primFontSz" for="des" forName="parentText4" refType="primFontSz" refFor="des" refForName="parentText1" op="equ"/>
+                  <dgm:constr type="primFontSz" for="des" forName="parentText5" refType="primFontSz" refFor="des" refForName="parentText1" op="equ"/>
+                  <dgm:constr type="l" for="ch" forName="parentText1" refType="w" fact="0"/>
+                  <dgm:constr type="t" for="ch" forName="parentText1" refType="h" fact="0"/>
+                  <dgm:constr type="w" for="ch" forName="parentText1" refType="w"/>
+                  <dgm:constr type="h" for="ch" forName="parentText1" refType="h" fact="0.4285"/>
+                  <dgm:constr type="l" for="ch" forName="parentText2" refType="w" fact="0.1848"/>
+                  <dgm:constr type="t" for="ch" forName="parentText2" refType="h" fact="0.1429"/>
+                  <dgm:constr type="w" for="ch" forName="parentText2" refType="w" fact="0.8152"/>
+                  <dgm:constr type="h" for="ch" forName="parentText2" refType="h" fact="0.4285"/>
+                  <dgm:constr type="l" for="ch" forName="parentText3" refType="w" fact="0.3696"/>
+                  <dgm:constr type="t" for="ch" forName="parentText3" refType="h" fact="0.2858"/>
+                  <dgm:constr type="w" for="ch" forName="parentText3" refType="w" fact="0.6304"/>
+                  <dgm:constr type="h" for="ch" forName="parentText3" refType="h" fact="0.4285"/>
+                  <dgm:constr type="l" for="ch" forName="parentText4" refType="w" fact="0.5545"/>
+                  <dgm:constr type="t" for="ch" forName="parentText4" refType="h" fact="0.4286"/>
+                  <dgm:constr type="w" for="ch" forName="parentText4" refType="w" fact="0.4455"/>
+                  <dgm:constr type="h" for="ch" forName="parentText4" refType="h" fact="0.4285"/>
+                  <dgm:constr type="l" for="ch" forName="parentText5" refType="w" fact="0.7393"/>
+                  <dgm:constr type="t" for="ch" forName="parentText5" refType="h" fact="0.5715"/>
+                  <dgm:constr type="w" for="ch" forName="parentText5" refType="w" fact="0.2607"/>
+                  <dgm:constr type="h" for="ch" forName="parentText5" refType="h" fact="0.4285"/>
+                </dgm:constrLst>
+              </dgm:if>
+              <dgm:else name="Name47">
+                <dgm:constrLst>
+                  <dgm:constr type="primFontSz" for="des" forName="parentText1" val="65"/>
+                  <dgm:constr type="primFontSz" for="des" forName="parentText2" refType="primFontSz" refFor="des" refForName="parentText1" op="equ"/>
+                  <dgm:constr type="primFontSz" for="des" forName="parentText3" refType="primFontSz" refFor="des" refForName="parentText1" op="equ"/>
+                  <dgm:constr type="primFontSz" for="des" forName="parentText4" refType="primFontSz" refFor="des" refForName="parentText1" op="equ"/>
+                  <dgm:constr type="primFontSz" for="des" forName="parentText5" refType="primFontSz" refFor="des" refForName="parentText1" op="equ"/>
+                  <dgm:constr type="l" for="ch" forName="parentText1" refType="w" fact="0"/>
+                  <dgm:constr type="t" for="ch" forName="parentText1" refType="h" fact="0"/>
+                  <dgm:constr type="w" for="ch" forName="parentText1" refType="w"/>
+                  <dgm:constr type="h" for="ch" forName="parentText1" refType="h" fact="0.4285"/>
+                  <dgm:constr type="l" for="ch" forName="parentText2" refType="w" fact="0"/>
+                  <dgm:constr type="t" for="ch" forName="parentText2" refType="h" fact="0.1429"/>
+                  <dgm:constr type="w" for="ch" forName="parentText2" refType="w" fact="0.8152"/>
+                  <dgm:constr type="h" for="ch" forName="parentText2" refType="h" fact="0.4285"/>
+                  <dgm:constr type="l" for="ch" forName="parentText3" refType="w" fact="0"/>
+                  <dgm:constr type="t" for="ch" forName="parentText3" refType="h" fact="0.2858"/>
+                  <dgm:constr type="w" for="ch" forName="parentText3" refType="w" fact="0.6304"/>
+                  <dgm:constr type="h" for="ch" forName="parentText3" refType="h" fact="0.4285"/>
+                  <dgm:constr type="l" for="ch" forName="parentText4" refType="w" fact="0"/>
+                  <dgm:constr type="t" for="ch" forName="parentText4" refType="h" fact="0.4286"/>
+                  <dgm:constr type="w" for="ch" forName="parentText4" refType="w" fact="0.4455"/>
+                  <dgm:constr type="h" for="ch" forName="parentText4" refType="h" fact="0.4285"/>
+                  <dgm:constr type="l" for="ch" forName="parentText5" refType="w" fact="0"/>
+                  <dgm:constr type="t" for="ch" forName="parentText5" refType="h" fact="0.5715"/>
+                  <dgm:constr type="w" for="ch" forName="parentText5" refType="w" fact="0.2607"/>
+                  <dgm:constr type="h" for="ch" forName="parentText5" refType="h" fact="0.4285"/>
+                </dgm:constrLst>
+              </dgm:else>
+            </dgm:choose>
+          </dgm:if>
+          <dgm:else name="Name48">
+            <dgm:alg type="composite">
+              <dgm:param type="ar" val="1.7837"/>
+            </dgm:alg>
+            <dgm:choose name="Name49">
+              <dgm:if name="Name50" func="var" arg="dir" op="equ" val="norm">
+                <dgm:constrLst>
+                  <dgm:constr type="primFontSz" for="des" forName="childText1" val="65"/>
+                  <dgm:constr type="primFontSz" for="des" forName="parentText1" val="65"/>
+                  <dgm:constr type="primFontSz" for="des" forName="childText1" refType="primFontSz" refFor="des" refForName="parentText1" op="lte"/>
+                  <dgm:constr type="primFontSz" for="des" forName="childText2" refType="primFontSz" refFor="des" refForName="parentText1" op="lte"/>
+                  <dgm:constr type="primFontSz" for="des" forName="childText3" refType="primFontSz" refFor="des" refForName="parentText1" op="lte"/>
+                  <dgm:constr type="primFontSz" for="des" forName="childText4" refType="primFontSz" refFor="des" refForName="parentText1" op="lte"/>
+                  <dgm:constr type="primFontSz" for="des" forName="childText5" refType="primFontSz" refFor="des" refForName="parentText1" op="lte"/>
+                  <dgm:constr type="primFontSz" for="des" forName="childText1" refType="primFontSz" refFor="des" refForName="parentText2" op="lte"/>
+                  <dgm:constr type="primFontSz" for="des" forName="childText2" refType="primFontSz" refFor="des" refForName="parentText2" op="lte"/>
+                  <dgm:constr type="primFontSz" for="des" forName="childText3" refType="primFontSz" refFor="des" refForName="parentText2" op="lte"/>
+                  <dgm:constr type="primFontSz" for="des" forName="childText4" refType="primFontSz" refFor="des" refForName="parentText2" op="lte"/>
+                  <dgm:constr type="primFontSz" for="des" forName="childText5" refType="primFontSz" refFor="des" refForName="parentText2" op="lte"/>
+                  <dgm:constr type="primFontSz" for="des" forName="childText1" refType="primFontSz" refFor="des" refForName="parentText3" op="lte"/>
+                  <dgm:constr type="primFontSz" for="des" forName="childText2" refType="primFontSz" refFor="des" refForName="parentText3" op="lte"/>
+                  <dgm:constr type="primFontSz" for="des" forName="childText3" refType="primFontSz" refFor="des" refForName="parentText3" op="lte"/>
+                  <dgm:constr type="primFontSz" for="des" forName="childText4" refType="primFontSz" refFor="des" refForName="parentText3" op="lte"/>
+                  <dgm:constr type="primFontSz" for="des" forName="childText5" refType="primFontSz" refFor="des" refForName="parentText3" op="lte"/>
+                  <dgm:constr type="primFontSz" for="des" forName="childText1" refType="primFontSz" refFor="des" refForName="parentText4" op="lte"/>
+                  <dgm:constr type="primFontSz" for="des" forName="childText2" refType="primFontSz" refFor="des" refForName="parentText4" op="lte"/>
+                  <dgm:constr type="primFontSz" for="des" forName="childText3" refType="primFontSz" refFor="des" refForName="parentText4" op="lte"/>
+                  <dgm:constr type="primFontSz" for="des" forName="childText4" refType="primFontSz" refFor="des" refForName="parentText4" op="lte"/>
+                  <dgm:constr type="primFontSz" for="des" forName="childText5" refType="primFontSz" refFor="des" refForName="parentText4" op="lte"/>
+                  <dgm:constr type="primFontSz" for="des" forName="childText1" refType="primFontSz" refFor="des" refForName="parentText5" op="lte"/>
+                  <dgm:constr type="primFontSz" for="des" forName="childText2" refType="primFontSz" refFor="des" refForName="parentText5" op="lte"/>
+                  <dgm:constr type="primFontSz" for="des" forName="childText3" refType="primFontSz" refFor="des" refForName="parentText5" op="lte"/>
+                  <dgm:constr type="primFontSz" for="des" forName="childText4" refType="primFontSz" refFor="des" refForName="parentText5" op="lte"/>
+                  <dgm:constr type="primFontSz" for="des" forName="childText5" refType="primFontSz" refFor="des" refForName="parentText5" op="lte"/>
+                  <dgm:constr type="primFontSz" for="des" forName="parentText2" refType="primFontSz" refFor="des" refForName="parentText1" op="equ"/>
+                  <dgm:constr type="primFontSz" for="des" forName="parentText3" refType="primFontSz" refFor="des" refForName="parentText1" op="equ"/>
+                  <dgm:constr type="primFontSz" for="des" forName="parentText4" refType="primFontSz" refFor="des" refForName="parentText1" op="equ"/>
+                  <dgm:constr type="primFontSz" for="des" forName="parentText5" refType="primFontSz" refFor="des" refForName="parentText1" op="equ"/>
+                  <dgm:constr type="primFontSz" for="des" forName="childText2" refType="primFontSz" refFor="des" refForName="childText1" op="equ"/>
+                  <dgm:constr type="primFontSz" for="des" forName="childText3" refType="primFontSz" refFor="des" refForName="childText1" op="equ"/>
+                  <dgm:constr type="primFontSz" for="des" forName="childText4" refType="primFontSz" refFor="des" refForName="childText1" op="equ"/>
+                  <dgm:constr type="primFontSz" for="des" forName="childText5" refType="primFontSz" refFor="des" refForName="childText1" op="equ"/>
+                  <dgm:constr type="l" for="ch" forName="childText1" refType="w" fact="0"/>
+                  <dgm:constr type="t" for="ch" forName="childText1" refType="h" fact="0.1997"/>
+                  <dgm:constr type="w" for="ch" forName="childText1" refType="w" fact="0.18482"/>
+                  <dgm:constr type="h" for="ch" forName="childText1" refType="h" fact="0.4763"/>
+                  <dgm:constr type="l" for="ch" forName="childText2" refType="w" fact="0.1848"/>
+                  <dgm:constr type="t" for="ch" forName="childText2" refType="h" fact="0.2862"/>
+                  <dgm:constr type="w" for="ch" forName="childText2" refType="w" fact="0.18482"/>
+                  <dgm:constr type="h" for="ch" forName="childText2" refType="h" fact="0.4763"/>
+                  <dgm:constr type="l" for="ch" forName="childText3" refType="w" fact="0.3696"/>
+                  <dgm:constr type="t" for="ch" forName="childText3" refType="h" fact="0.3727"/>
+                  <dgm:constr type="w" for="ch" forName="childText3" refType="w" fact="0.18482"/>
+                  <dgm:constr type="h" for="ch" forName="childText3" refType="h" fact="0.4763"/>
+                  <dgm:constr type="l" for="ch" forName="childText4" refType="w" fact="0.5545"/>
+                  <dgm:constr type="t" for="ch" forName="childText4" refType="h" fact="0.4592"/>
+                  <dgm:constr type="w" for="ch" forName="childText4" refType="w" fact="0.18482"/>
+                  <dgm:constr type="h" for="ch" forName="childText4" refType="h" fact="0.4763"/>
+                  <dgm:constr type="l" for="ch" forName="childText5" refType="w" fact="0.7393"/>
+                  <dgm:constr type="t" for="ch" forName="childText5" refType="h" fact="0.5457"/>
+                  <dgm:constr type="w" for="ch" forName="childText5" refType="w" fact="0.18482"/>
+                  <dgm:constr type="h" for="ch" forName="childText5" refType="h" fact="0.4763"/>
+                  <dgm:constr type="l" for="ch" forName="parentText1" refType="w" fact="0"/>
+                  <dgm:constr type="t" for="ch" forName="parentText1" refType="h" fact="0"/>
+                  <dgm:constr type="w" for="ch" forName="parentText1" refType="w"/>
+                  <dgm:constr type="h" for="ch" forName="parentText1" refType="h" fact="0.2594"/>
+                  <dgm:constr type="l" for="ch" forName="parentText2" refType="w" fact="0.1848"/>
+                  <dgm:constr type="t" for="ch" forName="parentText2" refType="h" fact="0.0865"/>
+                  <dgm:constr type="w" for="ch" forName="parentText2" refType="w" fact="0.8152"/>
+                  <dgm:constr type="h" for="ch" forName="parentText2" refType="h" fact="0.2594"/>
+                  <dgm:constr type="l" for="ch" forName="parentText3" refType="w" fact="0.3696"/>
+                  <dgm:constr type="t" for="ch" forName="parentText3" refType="h" fact="0.173"/>
+                  <dgm:constr type="w" for="ch" forName="parentText3" refType="w" fact="0.6304"/>
+                  <dgm:constr type="h" for="ch" forName="parentText3" refType="h" fact="0.2594"/>
+                  <dgm:constr type="l" for="ch" forName="parentText4" refType="w" fact="0.5545"/>
+                  <dgm:constr type="t" for="ch" forName="parentText4" refType="h" fact="0.2595"/>
+                  <dgm:constr type="w" for="ch" forName="parentText4" refType="w" fact="0.4455"/>
+                  <dgm:constr type="h" for="ch" forName="parentText4" refType="h" fact="0.2594"/>
+                  <dgm:constr type="l" for="ch" forName="parentText5" refType="w" fact="0.7393"/>
+                  <dgm:constr type="t" for="ch" forName="parentText5" refType="h" fact="0.346"/>
+                  <dgm:constr type="w" for="ch" forName="parentText5" refType="w" fact="0.2607"/>
+                  <dgm:constr type="h" for="ch" forName="parentText5" refType="h" fact="0.2594"/>
+                </dgm:constrLst>
+              </dgm:if>
+              <dgm:else name="Name51">
+                <dgm:constrLst>
+                  <dgm:constr type="primFontSz" for="des" forName="childText1" val="65"/>
+                  <dgm:constr type="primFontSz" for="des" forName="parentText1" val="65"/>
+                  <dgm:constr type="primFontSz" for="des" forName="childText1" refType="primFontSz" refFor="des" refForName="parentText1" op="lte"/>
+                  <dgm:constr type="primFontSz" for="des" forName="childText2" refType="primFontSz" refFor="des" refForName="parentText1" op="lte"/>
+                  <dgm:constr type="primFontSz" for="des" forName="childText3" refType="primFontSz" refFor="des" refForName="parentText1" op="lte"/>
+                  <dgm:constr type="primFontSz" for="des" forName="childText4" refType="primFontSz" refFor="des" refForName="parentText1" op="lte"/>
+                  <dgm:constr type="primFontSz" for="des" forName="childText5" refType="primFontSz" refFor="des" refForName="parentText1" op="lte"/>
+                  <dgm:constr type="primFontSz" for="des" forName="childText1" refType="primFontSz" refFor="des" refForName="parentText2" op="lte"/>
+                  <dgm:constr type="primFontSz" for="des" forName="childText2" refType="primFontSz" refFor="des" refForName="parentText2" op="lte"/>
+                  <dgm:constr type="primFontSz" for="des" forName="childText3" refType="primFontSz" refFor="des" refForName="parentText2" op="lte"/>
+                  <dgm:constr type="primFontSz" for="des" forName="childText4" refType="primFontSz" refFor="des" refForName="parentText2" op="lte"/>
+                  <dgm:constr type="primFontSz" for="des" forName="childText5" refType="primFontSz" refFor="des" refForName="parentText2" op="lte"/>
+                  <dgm:constr type="primFontSz" for="des" forName="childText1" refType="primFontSz" refFor="des" refForName="parentText3" op="lte"/>
+                  <dgm:constr type="primFontSz" for="des" forName="childText2" refType="primFontSz" refFor="des" refForName="parentText3" op="lte"/>
+                  <dgm:constr type="primFontSz" for="des" forName="childText3" refType="primFontSz" refFor="des" refForName="parentText3" op="lte"/>
+                  <dgm:constr type="primFontSz" for="des" forName="childText4" refType="primFontSz" refFor="des" refForName="parentText3" op="lte"/>
+                  <dgm:constr type="primFontSz" for="des" forName="childText5" refType="primFontSz" refFor="des" refForName="parentText3" op="lte"/>
+                  <dgm:constr type="primFontSz" for="des" forName="childText1" refType="primFontSz" refFor="des" refForName="parentText4" op="lte"/>
+                  <dgm:constr type="primFontSz" for="des" forName="childText2" refType="primFontSz" refFor="des" refForName="parentText4" op="lte"/>
+                  <dgm:constr type="primFontSz" for="des" forName="childText3" refType="primFontSz" refFor="des" refForName="parentText4" op="lte"/>
+                  <dgm:constr type="primFontSz" for="des" forName="childText4" refType="primFontSz" refFor="des" refForName="parentText4" op="lte"/>
+                  <dgm:constr type="primFontSz" for="des" forName="childText5" refType="primFontSz" refFor="des" refForName="parentText4" op="lte"/>
+                  <dgm:constr type="primFontSz" for="des" forName="childText1" refType="primFontSz" refFor="des" refForName="parentText5" op="lte"/>
+                  <dgm:constr type="primFontSz" for="des" forName="childText2" refType="primFontSz" refFor="des" refForName="parentText5" op="lte"/>
+                  <dgm:constr type="primFontSz" for="des" forName="childText3" refType="primFontSz" refFor="des" refForName="parentText5" op="lte"/>
+                  <dgm:constr type="primFontSz" for="des" forName="childText4" refType="primFontSz" refFor="des" refForName="parentText5" op="lte"/>
+                  <dgm:constr type="primFontSz" for="des" forName="childText5" refType="primFontSz" refFor="des" refForName="parentText5" op="lte"/>
+                  <dgm:constr type="primFontSz" for="des" forName="parentText2" refType="primFontSz" refFor="des" refForName="parentText1" op="equ"/>
+                  <dgm:constr type="primFontSz" for="des" forName="parentText3" refType="primFontSz" refFor="des" refForName="parentText1" op="equ"/>
+                  <dgm:constr type="primFontSz" for="des" forName="parentText4" refType="primFontSz" refFor="des" refForName="parentText1" op="equ"/>
+                  <dgm:constr type="primFontSz" for="des" forName="parentText5" refType="primFontSz" refFor="des" refForName="parentText1" op="equ"/>
+                  <dgm:constr type="primFontSz" for="des" forName="childText2" refType="primFontSz" refFor="des" refForName="childText1" op="equ"/>
+                  <dgm:constr type="primFontSz" for="des" forName="childText3" refType="primFontSz" refFor="des" refForName="childText1" op="equ"/>
+                  <dgm:constr type="primFontSz" for="des" forName="childText4" refType="primFontSz" refFor="des" refForName="childText1" op="equ"/>
+                  <dgm:constr type="primFontSz" for="des" forName="childText5" refType="primFontSz" refFor="des" refForName="childText1" op="equ"/>
+                  <dgm:constr type="l" for="ch" forName="childText1" refType="w" fact="0.81518"/>
+                  <dgm:constr type="t" for="ch" forName="childText1" refType="h" fact="0.1997"/>
+                  <dgm:constr type="w" for="ch" forName="childText1" refType="w" fact="0.18482"/>
+                  <dgm:constr type="h" for="ch" forName="childText1" refType="h" fact="0.4763"/>
+                  <dgm:constr type="l" for="ch" forName="childText2" refType="w" fact="0.63036"/>
+                  <dgm:constr type="t" for="ch" forName="childText2" refType="h" fact="0.2862"/>
+                  <dgm:constr type="w" for="ch" forName="childText2" refType="w" fact="0.18482"/>
+                  <dgm:constr type="h" for="ch" forName="childText2" refType="h" fact="0.4763"/>
+                  <dgm:constr type="l" for="ch" forName="childText3" refType="w" fact="0.44554"/>
+                  <dgm:constr type="t" for="ch" forName="childText3" refType="h" fact="0.3727"/>
+                  <dgm:constr type="w" for="ch" forName="childText3" refType="w" fact="0.18482"/>
+                  <dgm:constr type="h" for="ch" forName="childText3" refType="h" fact="0.4763"/>
+                  <dgm:constr type="l" for="ch" forName="childText4" refType="w" fact="0.26072"/>
+                  <dgm:constr type="t" for="ch" forName="childText4" refType="h" fact="0.4592"/>
+                  <dgm:constr type="w" for="ch" forName="childText4" refType="w" fact="0.18482"/>
+                  <dgm:constr type="h" for="ch" forName="childText4" refType="h" fact="0.4763"/>
+                  <dgm:constr type="l" for="ch" forName="childText5" refType="w" fact="0.0759"/>
+                  <dgm:constr type="t" for="ch" forName="childText5" refType="h" fact="0.5457"/>
+                  <dgm:constr type="w" for="ch" forName="childText5" refType="w" fact="0.18482"/>
+                  <dgm:constr type="h" for="ch" forName="childText5" refType="h" fact="0.4763"/>
+                  <dgm:constr type="l" for="ch" forName="parentText1" refType="w" fact="0"/>
+                  <dgm:constr type="t" for="ch" forName="parentText1" refType="h" fact="0"/>
+                  <dgm:constr type="w" for="ch" forName="parentText1" refType="w"/>
+                  <dgm:constr type="h" for="ch" forName="parentText1" refType="h" fact="0.2594"/>
+                  <dgm:constr type="l" for="ch" forName="parentText2" refType="w" fact="0"/>
+                  <dgm:constr type="t" for="ch" forName="parentText2" refType="h" fact="0.0865"/>
+                  <dgm:constr type="w" for="ch" forName="parentText2" refType="w" fact="0.8152"/>
+                  <dgm:constr type="h" for="ch" forName="parentText2" refType="h" fact="0.2594"/>
+                  <dgm:constr type="l" for="ch" forName="parentText3" refType="w" fact="0"/>
+                  <dgm:constr type="t" for="ch" forName="parentText3" refType="h" fact="0.173"/>
+                  <dgm:constr type="w" for="ch" forName="parentText3" refType="w" fact="0.6304"/>
+                  <dgm:constr type="h" for="ch" forName="parentText3" refType="h" fact="0.2594"/>
+                  <dgm:constr type="l" for="ch" forName="parentText4" refType="w" fact="0"/>
+                  <dgm:constr type="t" for="ch" forName="parentText4" refType="h" fact="0.2595"/>
+                  <dgm:constr type="w" for="ch" forName="parentText4" refType="w" fact="0.4455"/>
+                  <dgm:constr type="h" for="ch" forName="parentText4" refType="h" fact="0.2594"/>
+                  <dgm:constr type="l" for="ch" forName="parentText5" refType="w" fact="0"/>
+                  <dgm:constr type="t" for="ch" forName="parentText5" refType="h" fact="0.346"/>
+                  <dgm:constr type="w" for="ch" forName="parentText5" refType="w" fact="0.2607"/>
+                  <dgm:constr type="h" for="ch" forName="parentText5" refType="h" fact="0.2594"/>
+                </dgm:constrLst>
+              </dgm:else>
+            </dgm:choose>
+          </dgm:else>
+        </dgm:choose>
+      </dgm:else>
+    </dgm:choose>
+    <dgm:forEach name="Name52" axis="ch" ptType="node" cnt="1">
+      <dgm:layoutNode name="parentText1" styleLbl="node1">
+        <dgm:varLst>
+          <dgm:chMax/>
+          <dgm:chPref val="3"/>
+          <dgm:bulletEnabled val="1"/>
+        </dgm:varLst>
+        <dgm:choose name="Name53">
+          <dgm:if name="Name54" func="var" arg="dir" op="equ" val="norm">
+            <dgm:alg type="tx">
+              <dgm:param type="parTxLTRAlign" val="l"/>
+            </dgm:alg>
+            <dgm:shape xmlns:r="http://schemas.openxmlformats.org/officeDocument/2006/relationships" type="rightArrow" r:blip="">
+              <dgm:adjLst>
+                <dgm:adj idx="1" val="0.5"/>
+                <dgm:adj idx="2" val="0.5"/>
+              </dgm:adjLst>
+            </dgm:shape>
+            <dgm:constrLst>
+              <dgm:constr type="lMarg" refType="primFontSz" fact="0.3"/>
+              <dgm:constr type="rMarg" val="20"/>
+              <dgm:constr type="tMarg" refType="primFontSz" fact="0.3"/>
+              <dgm:constr type="bMarg" refType="h" fact="0.45"/>
+            </dgm:constrLst>
+          </dgm:if>
+          <dgm:else name="Name55">
+            <dgm:alg type="tx">
+              <dgm:param type="parTxLTRAlign" val="r"/>
+            </dgm:alg>
+            <dgm:shape xmlns:r="http://schemas.openxmlformats.org/officeDocument/2006/relationships" type="leftArrow" r:blip="">
+              <dgm:adjLst>
+                <dgm:adj idx="1" val="0.5"/>
+                <dgm:adj idx="2" val="0.5"/>
+              </dgm:adjLst>
+            </dgm:shape>
+            <dgm:constrLst>
+              <dgm:constr type="lMarg" val="20"/>
+              <dgm:constr type="rMarg" refType="primFontSz" fact="0.3"/>
+              <dgm:constr type="tMarg" refType="primFontSz" fact="0.3"/>
+              <dgm:constr type="bMarg" refType="h" fact="0.45"/>
+            </dgm:constrLst>
+          </dgm:else>
+        </dgm:choose>
+        <dgm:presOf axis="self" ptType="node"/>
+        <dgm:ruleLst>
+          <dgm:rule type="primFontSz" val="5" fact="NaN" max="NaN"/>
+        </dgm:ruleLst>
+      </dgm:layoutNode>
+      <dgm:choose name="Name56">
+        <dgm:if name="Name57" axis="ch" ptType="node" func="cnt" op="gte" val="1">
+          <dgm:layoutNode name="childText1" styleLbl="solidAlignAcc1">
+            <dgm:varLst>
+              <dgm:chMax val="0"/>
+              <dgm:chPref val="0"/>
+              <dgm:bulletEnabled val="1"/>
+            </dgm:varLst>
+            <dgm:alg type="tx">
+              <dgm:param type="txAnchorVert" val="t"/>
+              <dgm:param type="parTxLTRAlign" val="l"/>
+            </dgm:alg>
+            <dgm:shape xmlns:r="http://schemas.openxmlformats.org/officeDocument/2006/relationships" type="rect" r:blip="">
+              <dgm:adjLst/>
+            </dgm:shape>
+            <dgm:presOf axis="des" ptType="node"/>
+            <dgm:constrLst>
+              <dgm:constr type="lMarg" refType="primFontSz" fact="0.3"/>
+              <dgm:constr type="rMarg" refType="primFontSz" fact="0.3"/>
+              <dgm:constr type="tMarg" refType="primFontSz" fact="0.3"/>
+              <dgm:constr type="bMarg" refType="primFontSz" fact="0.3"/>
+            </dgm:constrLst>
+            <dgm:ruleLst>
+              <dgm:rule type="primFontSz" val="5" fact="NaN" max="NaN"/>
+            </dgm:ruleLst>
+          </dgm:layoutNode>
+        </dgm:if>
+        <dgm:else name="Name58"/>
+      </dgm:choose>
+    </dgm:forEach>
+    <dgm:forEach name="Name59" axis="ch" ptType="node" st="2" cnt="1">
+      <dgm:layoutNode name="parentText2" styleLbl="node1">
+        <dgm:varLst>
+          <dgm:chMax/>
+          <dgm:chPref val="3"/>
+          <dgm:bulletEnabled val="1"/>
+        </dgm:varLst>
+        <dgm:choose name="Name60">
+          <dgm:if name="Name61" func="var" arg="dir" op="equ" val="norm">
+            <dgm:alg type="tx">
+              <dgm:param type="parTxLTRAlign" val="l"/>
+            </dgm:alg>
+            <dgm:shape xmlns:r="http://schemas.openxmlformats.org/officeDocument/2006/relationships" type="rightArrow" r:blip="">
+              <dgm:adjLst>
+                <dgm:adj idx="1" val="0.5"/>
+                <dgm:adj idx="2" val="0.5"/>
+              </dgm:adjLst>
+            </dgm:shape>
+            <dgm:constrLst>
+              <dgm:constr type="lMarg" refType="primFontSz" fact="0.3"/>
+              <dgm:constr type="rMarg" val="20"/>
+              <dgm:constr type="tMarg" refType="primFontSz" fact="0.3"/>
+              <dgm:constr type="bMarg" refType="h" fact="0.45"/>
+            </dgm:constrLst>
+          </dgm:if>
+          <dgm:else name="Name62">
+            <dgm:alg type="tx">
+              <dgm:param type="parTxLTRAlign" val="r"/>
+            </dgm:alg>
+            <dgm:shape xmlns:r="http://schemas.openxmlformats.org/officeDocument/2006/relationships" type="leftArrow" r:blip="">
+              <dgm:adjLst>
+                <dgm:adj idx="1" val="0.5"/>
+                <dgm:adj idx="2" val="0.5"/>
+              </dgm:adjLst>
+            </dgm:shape>
+            <dgm:constrLst>
+              <dgm:constr type="lMarg" val="20"/>
+              <dgm:constr type="rMarg" refType="primFontSz" fact="0.3"/>
+              <dgm:constr type="tMarg" refType="primFontSz" fact="0.3"/>
+              <dgm:constr type="bMarg" refType="h" fact="0.45"/>
+            </dgm:constrLst>
+          </dgm:else>
+        </dgm:choose>
+        <dgm:presOf axis="self" ptType="node"/>
+        <dgm:ruleLst>
+          <dgm:rule type="primFontSz" val="5" fact="NaN" max="NaN"/>
+        </dgm:ruleLst>
+      </dgm:layoutNode>
+      <dgm:choose name="Name63">
+        <dgm:if name="Name64" axis="ch" ptType="node" func="cnt" op="gte" val="1">
+          <dgm:layoutNode name="childText2" styleLbl="solidAlignAcc1">
+            <dgm:varLst>
+              <dgm:chMax val="0"/>
+              <dgm:chPref val="0"/>
+              <dgm:bulletEnabled val="1"/>
+            </dgm:varLst>
+            <dgm:alg type="tx">
+              <dgm:param type="txAnchorVert" val="t"/>
+              <dgm:param type="parTxLTRAlign" val="l"/>
+            </dgm:alg>
+            <dgm:shape xmlns:r="http://schemas.openxmlformats.org/officeDocument/2006/relationships" type="rect" r:blip="">
+              <dgm:adjLst/>
+            </dgm:shape>
+            <dgm:presOf axis="des" ptType="node"/>
+            <dgm:constrLst>
+              <dgm:constr type="lMarg" refType="primFontSz" fact="0.3"/>
+              <dgm:constr type="rMarg" refType="primFontSz" fact="0.3"/>
+              <dgm:constr type="tMarg" refType="primFontSz" fact="0.3"/>
+              <dgm:constr type="bMarg" refType="primFontSz" fact="0.3"/>
+            </dgm:constrLst>
+            <dgm:ruleLst>
+              <dgm:rule type="primFontSz" val="5" fact="NaN" max="NaN"/>
+            </dgm:ruleLst>
+          </dgm:layoutNode>
+        </dgm:if>
+        <dgm:else name="Name65"/>
+      </dgm:choose>
+    </dgm:forEach>
+    <dgm:forEach name="Name66" axis="ch" ptType="node" st="3" cnt="1">
+      <dgm:layoutNode name="parentText3" styleLbl="node1">
+        <dgm:varLst>
+          <dgm:chMax/>
+          <dgm:chPref val="3"/>
+          <dgm:bulletEnabled val="1"/>
+        </dgm:varLst>
+        <dgm:choose name="Name67">
+          <dgm:if name="Name68" func="var" arg="dir" op="equ" val="norm">
+            <dgm:alg type="tx">
+              <dgm:param type="parTxLTRAlign" val="l"/>
+            </dgm:alg>
+            <dgm:shape xmlns:r="http://schemas.openxmlformats.org/officeDocument/2006/relationships" type="rightArrow" r:blip="">
+              <dgm:adjLst>
+                <dgm:adj idx="1" val="0.5"/>
+                <dgm:adj idx="2" val="0.5"/>
+              </dgm:adjLst>
+            </dgm:shape>
+            <dgm:constrLst>
+              <dgm:constr type="lMarg" refType="primFontSz" fact="0.3"/>
+              <dgm:constr type="rMarg" val="20"/>
+              <dgm:constr type="tMarg" refType="primFontSz" fact="0.3"/>
+              <dgm:constr type="bMarg" refType="h" fact="0.45"/>
+            </dgm:constrLst>
+          </dgm:if>
+          <dgm:else name="Name69">
+            <dgm:alg type="tx">
+              <dgm:param type="parTxLTRAlign" val="r"/>
+            </dgm:alg>
+            <dgm:shape xmlns:r="http://schemas.openxmlformats.org/officeDocument/2006/relationships" type="leftArrow" r:blip="">
+              <dgm:adjLst>
+                <dgm:adj idx="1" val="0.5"/>
+                <dgm:adj idx="2" val="0.5"/>
+              </dgm:adjLst>
+            </dgm:shape>
+            <dgm:constrLst>
+              <dgm:constr type="lMarg" val="20"/>
+              <dgm:constr type="rMarg" refType="primFontSz" fact="0.3"/>
+              <dgm:constr type="tMarg" refType="primFontSz" fact="0.3"/>
+              <dgm:constr type="bMarg" refType="h" fact="0.45"/>
+            </dgm:constrLst>
+          </dgm:else>
+        </dgm:choose>
+        <dgm:presOf axis="self" ptType="node"/>
+        <dgm:ruleLst>
+          <dgm:rule type="primFontSz" val="5" fact="NaN" max="NaN"/>
+        </dgm:ruleLst>
+      </dgm:layoutNode>
+      <dgm:choose name="Name70">
+        <dgm:if name="Name71" axis="ch" ptType="node" func="cnt" op="gte" val="1">
+          <dgm:layoutNode name="childText3" styleLbl="solidAlignAcc1">
+            <dgm:varLst>
+              <dgm:chMax val="0"/>
+              <dgm:chPref val="0"/>
+              <dgm:bulletEnabled val="1"/>
+            </dgm:varLst>
+            <dgm:alg type="tx">
+              <dgm:param type="txAnchorVert" val="t"/>
+              <dgm:param type="parTxLTRAlign" val="l"/>
+            </dgm:alg>
+            <dgm:shape xmlns:r="http://schemas.openxmlformats.org/officeDocument/2006/relationships" type="rect" r:blip="">
+              <dgm:adjLst/>
+            </dgm:shape>
+            <dgm:presOf axis="des" ptType="node"/>
+            <dgm:constrLst>
+              <dgm:constr type="lMarg" refType="primFontSz" fact="0.3"/>
+              <dgm:constr type="rMarg" refType="primFontSz" fact="0.3"/>
+              <dgm:constr type="tMarg" refType="primFontSz" fact="0.3"/>
+              <dgm:constr type="bMarg" refType="primFontSz" fact="0.3"/>
+            </dgm:constrLst>
+            <dgm:ruleLst>
+              <dgm:rule type="primFontSz" val="5" fact="NaN" max="NaN"/>
+            </dgm:ruleLst>
+          </dgm:layoutNode>
+        </dgm:if>
+        <dgm:else name="Name72"/>
+      </dgm:choose>
+    </dgm:forEach>
+    <dgm:forEach name="Name73" axis="ch" ptType="node" st="4" cnt="1">
+      <dgm:layoutNode name="parentText4" styleLbl="node1">
+        <dgm:varLst>
+          <dgm:chMax/>
+          <dgm:chPref val="3"/>
+          <dgm:bulletEnabled val="1"/>
+        </dgm:varLst>
+        <dgm:choose name="Name74">
+          <dgm:if name="Name75" func="var" arg="dir" op="equ" val="norm">
+            <dgm:alg type="tx">
+              <dgm:param type="parTxLTRAlign" val="l"/>
+            </dgm:alg>
+            <dgm:shape xmlns:r="http://schemas.openxmlformats.org/officeDocument/2006/relationships" type="rightArrow" r:blip="">
+              <dgm:adjLst>
+                <dgm:adj idx="1" val="0.5"/>
+                <dgm:adj idx="2" val="0.5"/>
+              </dgm:adjLst>
+            </dgm:shape>
+            <dgm:constrLst>
+              <dgm:constr type="lMarg" refType="primFontSz" fact="0.3"/>
+              <dgm:constr type="rMarg" val="20"/>
+              <dgm:constr type="tMarg" refType="primFontSz" fact="0.3"/>
+              <dgm:constr type="bMarg" refType="h" fact="0.45"/>
+            </dgm:constrLst>
+          </dgm:if>
+          <dgm:else name="Name76">
+            <dgm:alg type="tx">
+              <dgm:param type="parTxLTRAlign" val="r"/>
+            </dgm:alg>
+            <dgm:shape xmlns:r="http://schemas.openxmlformats.org/officeDocument/2006/relationships" type="leftArrow" r:blip="">
+              <dgm:adjLst>
+                <dgm:adj idx="1" val="0.5"/>
+                <dgm:adj idx="2" val="0.5"/>
+              </dgm:adjLst>
+            </dgm:shape>
+            <dgm:constrLst>
+              <dgm:constr type="lMarg" val="20"/>
+              <dgm:constr type="rMarg" refType="primFontSz" fact="0.3"/>
+              <dgm:constr type="tMarg" refType="primFontSz" fact="0.3"/>
+              <dgm:constr type="bMarg" refType="h" fact="0.45"/>
+            </dgm:constrLst>
+          </dgm:else>
+        </dgm:choose>
+        <dgm:presOf axis="self" ptType="node"/>
+        <dgm:ruleLst>
+          <dgm:rule type="primFontSz" val="5" fact="NaN" max="NaN"/>
+        </dgm:ruleLst>
+      </dgm:layoutNode>
+      <dgm:choose name="Name77">
+        <dgm:if name="Name78" axis="ch" ptType="node" func="cnt" op="gte" val="1">
+          <dgm:layoutNode name="childText4" styleLbl="solidAlignAcc1">
+            <dgm:varLst>
+              <dgm:chMax val="0"/>
+              <dgm:chPref val="0"/>
+              <dgm:bulletEnabled val="1"/>
+            </dgm:varLst>
+            <dgm:alg type="tx">
+              <dgm:param type="txAnchorVert" val="t"/>
+              <dgm:param type="parTxLTRAlign" val="l"/>
+            </dgm:alg>
+            <dgm:shape xmlns:r="http://schemas.openxmlformats.org/officeDocument/2006/relationships" type="rect" r:blip="">
+              <dgm:adjLst/>
+            </dgm:shape>
+            <dgm:presOf axis="des" ptType="node"/>
+            <dgm:constrLst>
+              <dgm:constr type="lMarg" refType="primFontSz" fact="0.3"/>
+              <dgm:constr type="rMarg" refType="primFontSz" fact="0.3"/>
+              <dgm:constr type="tMarg" refType="primFontSz" fact="0.3"/>
+              <dgm:constr type="bMarg" refType="primFontSz" fact="0.3"/>
+            </dgm:constrLst>
+            <dgm:ruleLst>
+              <dgm:rule type="primFontSz" val="5" fact="NaN" max="NaN"/>
+            </dgm:ruleLst>
+          </dgm:layoutNode>
+        </dgm:if>
+        <dgm:else name="Name79"/>
+      </dgm:choose>
+    </dgm:forEach>
+    <dgm:forEach name="Name80" axis="ch" ptType="node" st="5" cnt="1">
+      <dgm:layoutNode name="parentText5" styleLbl="node1">
+        <dgm:varLst>
+          <dgm:chMax/>
+          <dgm:chPref val="3"/>
+          <dgm:bulletEnabled val="1"/>
+        </dgm:varLst>
+        <dgm:choose name="Name81">
+          <dgm:if name="Name82" func="var" arg="dir" op="equ" val="norm">
+            <dgm:alg type="tx">
+              <dgm:param type="parTxLTRAlign" val="l"/>
+            </dgm:alg>
+            <dgm:shape xmlns:r="http://schemas.openxmlformats.org/officeDocument/2006/relationships" type="rightArrow" r:blip="">
+              <dgm:adjLst>
+                <dgm:adj idx="1" val="0.5"/>
+                <dgm:adj idx="2" val="0.5"/>
+              </dgm:adjLst>
+            </dgm:shape>
+            <dgm:constrLst>
+              <dgm:constr type="lMarg" refType="primFontSz" fact="0.3"/>
+              <dgm:constr type="rMarg" val="20"/>
+              <dgm:constr type="tMarg" refType="primFontSz" fact="0.3"/>
+              <dgm:constr type="bMarg" refType="h" fact="0.45"/>
+            </dgm:constrLst>
+          </dgm:if>
+          <dgm:else name="Name83">
+            <dgm:alg type="tx">
+              <dgm:param type="parTxLTRAlign" val="r"/>
+            </dgm:alg>
+            <dgm:shape xmlns:r="http://schemas.openxmlformats.org/officeDocument/2006/relationships" type="leftArrow" r:blip="">
+              <dgm:adjLst>
+                <dgm:adj idx="1" val="0.5"/>
+                <dgm:adj idx="2" val="0.5"/>
+              </dgm:adjLst>
+            </dgm:shape>
+            <dgm:constrLst>
+              <dgm:constr type="lMarg" val="20"/>
+              <dgm:constr type="rMarg" refType="primFontSz" fact="0.3"/>
+              <dgm:constr type="tMarg" refType="primFontSz" fact="0.3"/>
+              <dgm:constr type="bMarg" refType="h" fact="0.45"/>
+            </dgm:constrLst>
+          </dgm:else>
+        </dgm:choose>
+        <dgm:presOf axis="self" ptType="node"/>
+        <dgm:ruleLst>
+          <dgm:rule type="primFontSz" val="5" fact="NaN" max="NaN"/>
+        </dgm:ruleLst>
+      </dgm:layoutNode>
+      <dgm:choose name="Name84">
+        <dgm:if name="Name85" axis="ch" ptType="node" func="cnt" op="gte" val="1">
+          <dgm:layoutNode name="childText5" styleLbl="solidAlignAcc1">
+            <dgm:varLst>
+              <dgm:chMax val="0"/>
+              <dgm:chPref val="0"/>
+              <dgm:bulletEnabled val="1"/>
+            </dgm:varLst>
+            <dgm:alg type="tx">
+              <dgm:param type="txAnchorVert" val="t"/>
+              <dgm:param type="parTxLTRAlign" val="l"/>
+            </dgm:alg>
+            <dgm:shape xmlns:r="http://schemas.openxmlformats.org/officeDocument/2006/relationships" type="rect" r:blip="">
+              <dgm:adjLst/>
+            </dgm:shape>
+            <dgm:presOf axis="des" ptType="node"/>
+            <dgm:constrLst>
+              <dgm:constr type="lMarg" refType="primFontSz" fact="0.3"/>
+              <dgm:constr type="rMarg" refType="primFontSz" fact="0.3"/>
+              <dgm:constr type="tMarg" refType="primFontSz" fact="0.3"/>
+              <dgm:constr type="bMarg" refType="primFontSz" fact="0.3"/>
+            </dgm:constrLst>
+            <dgm:ruleLst>
+              <dgm:rule type="primFontSz" val="5" fact="NaN" max="NaN"/>
+            </dgm:ruleLst>
+          </dgm:layoutNode>
+        </dgm:if>
+        <dgm:else name="Name86"/>
+      </dgm:choose>
+    </dgm:forEach>
+  </dgm:layoutNode>
+</dgm:layoutDef>
+</file>
+
 <file path=ppt/diagrams/quickStyle1.xml><?xml version="1.0" encoding="utf-8"?>
 <dgm:styleDef xmlns:dgm="http://schemas.openxmlformats.org/drawingml/2006/diagram" xmlns:a="http://schemas.openxmlformats.org/drawingml/2006/main" uniqueId="urn:microsoft.com/office/officeart/2005/8/quickstyle/simple4">
   <dgm:title val=""/>
@@ -15796,6 +19491,1066 @@
         <a:scrgbClr r="0" g="0" b="0"/>
       </a:fillRef>
       <a:effectRef idx="2">
+        <a:scrgbClr r="0" g="0" b="0"/>
+      </a:effectRef>
+      <a:fontRef idx="minor"/>
+    </dgm:style>
+  </dgm:styleLbl>
+  <dgm:styleLbl name="revTx">
+    <dgm:scene3d>
+      <a:camera prst="orthographicFront"/>
+      <a:lightRig rig="threePt" dir="t"/>
+    </dgm:scene3d>
+    <dgm:sp3d/>
+    <dgm:txPr/>
+    <dgm:style>
+      <a:lnRef idx="0">
+        <a:scrgbClr r="0" g="0" b="0"/>
+      </a:lnRef>
+      <a:fillRef idx="0">
+        <a:scrgbClr r="0" g="0" b="0"/>
+      </a:fillRef>
+      <a:effectRef idx="0">
+        <a:scrgbClr r="0" g="0" b="0"/>
+      </a:effectRef>
+      <a:fontRef idx="minor"/>
+    </dgm:style>
+  </dgm:styleLbl>
+</dgm:styleDef>
+</file>
+
+<file path=ppt/diagrams/quickStyle5.xml><?xml version="1.0" encoding="utf-8"?>
+<dgm:styleDef xmlns:dgm="http://schemas.openxmlformats.org/drawingml/2006/diagram" xmlns:a="http://schemas.openxmlformats.org/drawingml/2006/main" uniqueId="urn:microsoft.com/office/officeart/2005/8/quickstyle/simple3">
+  <dgm:title val=""/>
+  <dgm:desc val=""/>
+  <dgm:catLst>
+    <dgm:cat type="simple" pri="10300"/>
+  </dgm:catLst>
+  <dgm:scene3d>
+    <a:camera prst="orthographicFront"/>
+    <a:lightRig rig="threePt" dir="t"/>
+  </dgm:scene3d>
+  <dgm:styleLbl name="node0">
+    <dgm:scene3d>
+      <a:camera prst="orthographicFront"/>
+      <a:lightRig rig="flat" dir="t"/>
+    </dgm:scene3d>
+    <dgm:sp3d prstMaterial="dkEdge">
+      <a:bevelT w="8200" h="38100"/>
+    </dgm:sp3d>
+    <dgm:txPr/>
+    <dgm:style>
+      <a:lnRef idx="0">
+        <a:scrgbClr r="0" g="0" b="0"/>
+      </a:lnRef>
+      <a:fillRef idx="2">
+        <a:scrgbClr r="0" g="0" b="0"/>
+      </a:fillRef>
+      <a:effectRef idx="1">
+        <a:scrgbClr r="0" g="0" b="0"/>
+      </a:effectRef>
+      <a:fontRef idx="minor">
+        <a:schemeClr val="dk1"/>
+      </a:fontRef>
+    </dgm:style>
+  </dgm:styleLbl>
+  <dgm:styleLbl name="lnNode1">
+    <dgm:scene3d>
+      <a:camera prst="orthographicFront"/>
+      <a:lightRig rig="flat" dir="t"/>
+    </dgm:scene3d>
+    <dgm:sp3d prstMaterial="dkEdge">
+      <a:bevelT w="8200" h="38100"/>
+    </dgm:sp3d>
+    <dgm:txPr/>
+    <dgm:style>
+      <a:lnRef idx="1">
+        <a:scrgbClr r="0" g="0" b="0"/>
+      </a:lnRef>
+      <a:fillRef idx="2">
+        <a:scrgbClr r="0" g="0" b="0"/>
+      </a:fillRef>
+      <a:effectRef idx="0">
+        <a:scrgbClr r="0" g="0" b="0"/>
+      </a:effectRef>
+      <a:fontRef idx="minor">
+        <a:schemeClr val="dk1"/>
+      </a:fontRef>
+    </dgm:style>
+  </dgm:styleLbl>
+  <dgm:styleLbl name="vennNode1">
+    <dgm:scene3d>
+      <a:camera prst="orthographicFront"/>
+      <a:lightRig rig="flat" dir="t"/>
+    </dgm:scene3d>
+    <dgm:sp3d prstMaterial="dkEdge">
+      <a:bevelT w="8200" h="38100"/>
+    </dgm:sp3d>
+    <dgm:txPr/>
+    <dgm:style>
+      <a:lnRef idx="0">
+        <a:scrgbClr r="0" g="0" b="0"/>
+      </a:lnRef>
+      <a:fillRef idx="2">
+        <a:scrgbClr r="0" g="0" b="0"/>
+      </a:fillRef>
+      <a:effectRef idx="0">
+        <a:scrgbClr r="0" g="0" b="0"/>
+      </a:effectRef>
+      <a:fontRef idx="minor">
+        <a:schemeClr val="tx1"/>
+      </a:fontRef>
+    </dgm:style>
+  </dgm:styleLbl>
+  <dgm:styleLbl name="alignNode1">
+    <dgm:scene3d>
+      <a:camera prst="orthographicFront"/>
+      <a:lightRig rig="threePt" dir="t"/>
+    </dgm:scene3d>
+    <dgm:sp3d/>
+    <dgm:txPr/>
+    <dgm:style>
+      <a:lnRef idx="1">
+        <a:scrgbClr r="0" g="0" b="0"/>
+      </a:lnRef>
+      <a:fillRef idx="2">
+        <a:scrgbClr r="0" g="0" b="0"/>
+      </a:fillRef>
+      <a:effectRef idx="1">
+        <a:scrgbClr r="0" g="0" b="0"/>
+      </a:effectRef>
+      <a:fontRef idx="minor">
+        <a:schemeClr val="dk1"/>
+      </a:fontRef>
+    </dgm:style>
+  </dgm:styleLbl>
+  <dgm:styleLbl name="node1">
+    <dgm:scene3d>
+      <a:camera prst="orthographicFront"/>
+      <a:lightRig rig="flat" dir="t"/>
+    </dgm:scene3d>
+    <dgm:sp3d prstMaterial="dkEdge">
+      <a:bevelT w="8200" h="38100"/>
+    </dgm:sp3d>
+    <dgm:txPr/>
+    <dgm:style>
+      <a:lnRef idx="0">
+        <a:scrgbClr r="0" g="0" b="0"/>
+      </a:lnRef>
+      <a:fillRef idx="2">
+        <a:scrgbClr r="0" g="0" b="0"/>
+      </a:fillRef>
+      <a:effectRef idx="1">
+        <a:scrgbClr r="0" g="0" b="0"/>
+      </a:effectRef>
+      <a:fontRef idx="minor">
+        <a:schemeClr val="dk1"/>
+      </a:fontRef>
+    </dgm:style>
+  </dgm:styleLbl>
+  <dgm:styleLbl name="node2">
+    <dgm:scene3d>
+      <a:camera prst="orthographicFront"/>
+      <a:lightRig rig="flat" dir="t"/>
+    </dgm:scene3d>
+    <dgm:sp3d prstMaterial="dkEdge">
+      <a:bevelT w="8200" h="38100"/>
+    </dgm:sp3d>
+    <dgm:txPr/>
+    <dgm:style>
+      <a:lnRef idx="0">
+        <a:scrgbClr r="0" g="0" b="0"/>
+      </a:lnRef>
+      <a:fillRef idx="2">
+        <a:scrgbClr r="0" g="0" b="0"/>
+      </a:fillRef>
+      <a:effectRef idx="1">
+        <a:scrgbClr r="0" g="0" b="0"/>
+      </a:effectRef>
+      <a:fontRef idx="minor">
+        <a:schemeClr val="dk1"/>
+      </a:fontRef>
+    </dgm:style>
+  </dgm:styleLbl>
+  <dgm:styleLbl name="node3">
+    <dgm:scene3d>
+      <a:camera prst="orthographicFront"/>
+      <a:lightRig rig="flat" dir="t"/>
+    </dgm:scene3d>
+    <dgm:sp3d prstMaterial="dkEdge">
+      <a:bevelT w="8200" h="38100"/>
+    </dgm:sp3d>
+    <dgm:txPr/>
+    <dgm:style>
+      <a:lnRef idx="0">
+        <a:scrgbClr r="0" g="0" b="0"/>
+      </a:lnRef>
+      <a:fillRef idx="2">
+        <a:scrgbClr r="0" g="0" b="0"/>
+      </a:fillRef>
+      <a:effectRef idx="1">
+        <a:scrgbClr r="0" g="0" b="0"/>
+      </a:effectRef>
+      <a:fontRef idx="minor">
+        <a:schemeClr val="dk1"/>
+      </a:fontRef>
+    </dgm:style>
+  </dgm:styleLbl>
+  <dgm:styleLbl name="node4">
+    <dgm:scene3d>
+      <a:camera prst="orthographicFront"/>
+      <a:lightRig rig="flat" dir="t"/>
+    </dgm:scene3d>
+    <dgm:sp3d prstMaterial="dkEdge">
+      <a:bevelT w="8200" h="38100"/>
+    </dgm:sp3d>
+    <dgm:txPr/>
+    <dgm:style>
+      <a:lnRef idx="0">
+        <a:scrgbClr r="0" g="0" b="0"/>
+      </a:lnRef>
+      <a:fillRef idx="2">
+        <a:scrgbClr r="0" g="0" b="0"/>
+      </a:fillRef>
+      <a:effectRef idx="1">
+        <a:scrgbClr r="0" g="0" b="0"/>
+      </a:effectRef>
+      <a:fontRef idx="minor">
+        <a:schemeClr val="dk1"/>
+      </a:fontRef>
+    </dgm:style>
+  </dgm:styleLbl>
+  <dgm:styleLbl name="fgImgPlace1">
+    <dgm:scene3d>
+      <a:camera prst="orthographicFront"/>
+      <a:lightRig rig="threePt" dir="t"/>
+    </dgm:scene3d>
+    <dgm:sp3d/>
+    <dgm:txPr/>
+    <dgm:style>
+      <a:lnRef idx="1">
+        <a:scrgbClr r="0" g="0" b="0"/>
+      </a:lnRef>
+      <a:fillRef idx="1">
+        <a:scrgbClr r="0" g="0" b="0"/>
+      </a:fillRef>
+      <a:effectRef idx="1">
+        <a:scrgbClr r="0" g="0" b="0"/>
+      </a:effectRef>
+      <a:fontRef idx="minor"/>
+    </dgm:style>
+  </dgm:styleLbl>
+  <dgm:styleLbl name="alignImgPlace1">
+    <dgm:scene3d>
+      <a:camera prst="orthographicFront"/>
+      <a:lightRig rig="threePt" dir="t"/>
+    </dgm:scene3d>
+    <dgm:sp3d/>
+    <dgm:txPr/>
+    <dgm:style>
+      <a:lnRef idx="1">
+        <a:scrgbClr r="0" g="0" b="0"/>
+      </a:lnRef>
+      <a:fillRef idx="1">
+        <a:scrgbClr r="0" g="0" b="0"/>
+      </a:fillRef>
+      <a:effectRef idx="1">
+        <a:scrgbClr r="0" g="0" b="0"/>
+      </a:effectRef>
+      <a:fontRef idx="minor"/>
+    </dgm:style>
+  </dgm:styleLbl>
+  <dgm:styleLbl name="bgImgPlace1">
+    <dgm:scene3d>
+      <a:camera prst="orthographicFront"/>
+      <a:lightRig rig="threePt" dir="t"/>
+    </dgm:scene3d>
+    <dgm:sp3d/>
+    <dgm:txPr/>
+    <dgm:style>
+      <a:lnRef idx="1">
+        <a:scrgbClr r="0" g="0" b="0"/>
+      </a:lnRef>
+      <a:fillRef idx="1">
+        <a:scrgbClr r="0" g="0" b="0"/>
+      </a:fillRef>
+      <a:effectRef idx="1">
+        <a:scrgbClr r="0" g="0" b="0"/>
+      </a:effectRef>
+      <a:fontRef idx="minor"/>
+    </dgm:style>
+  </dgm:styleLbl>
+  <dgm:styleLbl name="sibTrans2D1">
+    <dgm:scene3d>
+      <a:camera prst="orthographicFront"/>
+      <a:lightRig rig="threePt" dir="t"/>
+    </dgm:scene3d>
+    <dgm:sp3d/>
+    <dgm:txPr/>
+    <dgm:style>
+      <a:lnRef idx="0">
+        <a:scrgbClr r="0" g="0" b="0"/>
+      </a:lnRef>
+      <a:fillRef idx="2">
+        <a:scrgbClr r="0" g="0" b="0"/>
+      </a:fillRef>
+      <a:effectRef idx="1">
+        <a:scrgbClr r="0" g="0" b="0"/>
+      </a:effectRef>
+      <a:fontRef idx="minor">
+        <a:schemeClr val="dk1"/>
+      </a:fontRef>
+    </dgm:style>
+  </dgm:styleLbl>
+  <dgm:styleLbl name="fgSibTrans2D1">
+    <dgm:scene3d>
+      <a:camera prst="orthographicFront"/>
+      <a:lightRig rig="threePt" dir="t"/>
+    </dgm:scene3d>
+    <dgm:sp3d/>
+    <dgm:txPr/>
+    <dgm:style>
+      <a:lnRef idx="0">
+        <a:scrgbClr r="0" g="0" b="0"/>
+      </a:lnRef>
+      <a:fillRef idx="2">
+        <a:scrgbClr r="0" g="0" b="0"/>
+      </a:fillRef>
+      <a:effectRef idx="1">
+        <a:scrgbClr r="0" g="0" b="0"/>
+      </a:effectRef>
+      <a:fontRef idx="minor">
+        <a:schemeClr val="dk1"/>
+      </a:fontRef>
+    </dgm:style>
+  </dgm:styleLbl>
+  <dgm:styleLbl name="bgSibTrans2D1">
+    <dgm:scene3d>
+      <a:camera prst="orthographicFront"/>
+      <a:lightRig rig="threePt" dir="t"/>
+    </dgm:scene3d>
+    <dgm:sp3d/>
+    <dgm:txPr/>
+    <dgm:style>
+      <a:lnRef idx="0">
+        <a:scrgbClr r="0" g="0" b="0"/>
+      </a:lnRef>
+      <a:fillRef idx="2">
+        <a:scrgbClr r="0" g="0" b="0"/>
+      </a:fillRef>
+      <a:effectRef idx="1">
+        <a:scrgbClr r="0" g="0" b="0"/>
+      </a:effectRef>
+      <a:fontRef idx="minor">
+        <a:schemeClr val="dk1"/>
+      </a:fontRef>
+    </dgm:style>
+  </dgm:styleLbl>
+  <dgm:styleLbl name="sibTrans1D1">
+    <dgm:scene3d>
+      <a:camera prst="orthographicFront"/>
+      <a:lightRig rig="threePt" dir="t"/>
+    </dgm:scene3d>
+    <dgm:sp3d/>
+    <dgm:txPr/>
+    <dgm:style>
+      <a:lnRef idx="1">
+        <a:scrgbClr r="0" g="0" b="0"/>
+      </a:lnRef>
+      <a:fillRef idx="0">
+        <a:scrgbClr r="0" g="0" b="0"/>
+      </a:fillRef>
+      <a:effectRef idx="0">
+        <a:scrgbClr r="0" g="0" b="0"/>
+      </a:effectRef>
+      <a:fontRef idx="minor"/>
+    </dgm:style>
+  </dgm:styleLbl>
+  <dgm:styleLbl name="callout">
+    <dgm:scene3d>
+      <a:camera prst="orthographicFront"/>
+      <a:lightRig rig="threePt" dir="t"/>
+    </dgm:scene3d>
+    <dgm:sp3d/>
+    <dgm:txPr/>
+    <dgm:style>
+      <a:lnRef idx="1">
+        <a:scrgbClr r="0" g="0" b="0"/>
+      </a:lnRef>
+      <a:fillRef idx="2">
+        <a:scrgbClr r="0" g="0" b="0"/>
+      </a:fillRef>
+      <a:effectRef idx="1">
+        <a:scrgbClr r="0" g="0" b="0"/>
+      </a:effectRef>
+      <a:fontRef idx="minor"/>
+    </dgm:style>
+  </dgm:styleLbl>
+  <dgm:styleLbl name="asst0">
+    <dgm:scene3d>
+      <a:camera prst="orthographicFront"/>
+      <a:lightRig rig="flat" dir="t"/>
+    </dgm:scene3d>
+    <dgm:sp3d prstMaterial="dkEdge">
+      <a:bevelT w="8200" h="38100"/>
+    </dgm:sp3d>
+    <dgm:txPr/>
+    <dgm:style>
+      <a:lnRef idx="0">
+        <a:scrgbClr r="0" g="0" b="0"/>
+      </a:lnRef>
+      <a:fillRef idx="2">
+        <a:scrgbClr r="0" g="0" b="0"/>
+      </a:fillRef>
+      <a:effectRef idx="1">
+        <a:scrgbClr r="0" g="0" b="0"/>
+      </a:effectRef>
+      <a:fontRef idx="minor">
+        <a:schemeClr val="dk1"/>
+      </a:fontRef>
+    </dgm:style>
+  </dgm:styleLbl>
+  <dgm:styleLbl name="asst1">
+    <dgm:scene3d>
+      <a:camera prst="orthographicFront"/>
+      <a:lightRig rig="flat" dir="t"/>
+    </dgm:scene3d>
+    <dgm:sp3d prstMaterial="dkEdge">
+      <a:bevelT w="8200" h="38100"/>
+    </dgm:sp3d>
+    <dgm:txPr/>
+    <dgm:style>
+      <a:lnRef idx="0">
+        <a:scrgbClr r="0" g="0" b="0"/>
+      </a:lnRef>
+      <a:fillRef idx="2">
+        <a:scrgbClr r="0" g="0" b="0"/>
+      </a:fillRef>
+      <a:effectRef idx="1">
+        <a:scrgbClr r="0" g="0" b="0"/>
+      </a:effectRef>
+      <a:fontRef idx="minor">
+        <a:schemeClr val="dk1"/>
+      </a:fontRef>
+    </dgm:style>
+  </dgm:styleLbl>
+  <dgm:styleLbl name="asst2">
+    <dgm:scene3d>
+      <a:camera prst="orthographicFront"/>
+      <a:lightRig rig="flat" dir="t"/>
+    </dgm:scene3d>
+    <dgm:sp3d prstMaterial="dkEdge">
+      <a:bevelT w="8200" h="38100"/>
+    </dgm:sp3d>
+    <dgm:txPr/>
+    <dgm:style>
+      <a:lnRef idx="0">
+        <a:scrgbClr r="0" g="0" b="0"/>
+      </a:lnRef>
+      <a:fillRef idx="2">
+        <a:scrgbClr r="0" g="0" b="0"/>
+      </a:fillRef>
+      <a:effectRef idx="1">
+        <a:scrgbClr r="0" g="0" b="0"/>
+      </a:effectRef>
+      <a:fontRef idx="minor">
+        <a:schemeClr val="dk1"/>
+      </a:fontRef>
+    </dgm:style>
+  </dgm:styleLbl>
+  <dgm:styleLbl name="asst3">
+    <dgm:scene3d>
+      <a:camera prst="orthographicFront"/>
+      <a:lightRig rig="flat" dir="t"/>
+    </dgm:scene3d>
+    <dgm:sp3d prstMaterial="dkEdge">
+      <a:bevelT w="8200" h="38100"/>
+    </dgm:sp3d>
+    <dgm:txPr/>
+    <dgm:style>
+      <a:lnRef idx="0">
+        <a:scrgbClr r="0" g="0" b="0"/>
+      </a:lnRef>
+      <a:fillRef idx="2">
+        <a:scrgbClr r="0" g="0" b="0"/>
+      </a:fillRef>
+      <a:effectRef idx="1">
+        <a:scrgbClr r="0" g="0" b="0"/>
+      </a:effectRef>
+      <a:fontRef idx="minor">
+        <a:schemeClr val="dk1"/>
+      </a:fontRef>
+    </dgm:style>
+  </dgm:styleLbl>
+  <dgm:styleLbl name="asst4">
+    <dgm:scene3d>
+      <a:camera prst="orthographicFront"/>
+      <a:lightRig rig="flat" dir="t"/>
+    </dgm:scene3d>
+    <dgm:sp3d prstMaterial="dkEdge">
+      <a:bevelT w="8200" h="38100"/>
+    </dgm:sp3d>
+    <dgm:txPr/>
+    <dgm:style>
+      <a:lnRef idx="0">
+        <a:scrgbClr r="0" g="0" b="0"/>
+      </a:lnRef>
+      <a:fillRef idx="2">
+        <a:scrgbClr r="0" g="0" b="0"/>
+      </a:fillRef>
+      <a:effectRef idx="1">
+        <a:scrgbClr r="0" g="0" b="0"/>
+      </a:effectRef>
+      <a:fontRef idx="minor">
+        <a:schemeClr val="dk1"/>
+      </a:fontRef>
+    </dgm:style>
+  </dgm:styleLbl>
+  <dgm:styleLbl name="parChTrans2D1">
+    <dgm:scene3d>
+      <a:camera prst="orthographicFront"/>
+      <a:lightRig rig="threePt" dir="t"/>
+    </dgm:scene3d>
+    <dgm:sp3d/>
+    <dgm:txPr/>
+    <dgm:style>
+      <a:lnRef idx="1">
+        <a:scrgbClr r="0" g="0" b="0"/>
+      </a:lnRef>
+      <a:fillRef idx="2">
+        <a:scrgbClr r="0" g="0" b="0"/>
+      </a:fillRef>
+      <a:effectRef idx="1">
+        <a:scrgbClr r="0" g="0" b="0"/>
+      </a:effectRef>
+      <a:fontRef idx="minor">
+        <a:schemeClr val="dk1"/>
+      </a:fontRef>
+    </dgm:style>
+  </dgm:styleLbl>
+  <dgm:styleLbl name="parChTrans2D2">
+    <dgm:scene3d>
+      <a:camera prst="orthographicFront"/>
+      <a:lightRig rig="threePt" dir="t"/>
+    </dgm:scene3d>
+    <dgm:sp3d/>
+    <dgm:txPr/>
+    <dgm:style>
+      <a:lnRef idx="1">
+        <a:scrgbClr r="0" g="0" b="0"/>
+      </a:lnRef>
+      <a:fillRef idx="2">
+        <a:scrgbClr r="0" g="0" b="0"/>
+      </a:fillRef>
+      <a:effectRef idx="1">
+        <a:scrgbClr r="0" g="0" b="0"/>
+      </a:effectRef>
+      <a:fontRef idx="minor">
+        <a:schemeClr val="dk1"/>
+      </a:fontRef>
+    </dgm:style>
+  </dgm:styleLbl>
+  <dgm:styleLbl name="parChTrans2D3">
+    <dgm:scene3d>
+      <a:camera prst="orthographicFront"/>
+      <a:lightRig rig="threePt" dir="t"/>
+    </dgm:scene3d>
+    <dgm:sp3d/>
+    <dgm:txPr/>
+    <dgm:style>
+      <a:lnRef idx="1">
+        <a:scrgbClr r="0" g="0" b="0"/>
+      </a:lnRef>
+      <a:fillRef idx="2">
+        <a:scrgbClr r="0" g="0" b="0"/>
+      </a:fillRef>
+      <a:effectRef idx="1">
+        <a:scrgbClr r="0" g="0" b="0"/>
+      </a:effectRef>
+      <a:fontRef idx="minor">
+        <a:schemeClr val="dk1"/>
+      </a:fontRef>
+    </dgm:style>
+  </dgm:styleLbl>
+  <dgm:styleLbl name="parChTrans2D4">
+    <dgm:scene3d>
+      <a:camera prst="orthographicFront"/>
+      <a:lightRig rig="threePt" dir="t"/>
+    </dgm:scene3d>
+    <dgm:sp3d/>
+    <dgm:txPr/>
+    <dgm:style>
+      <a:lnRef idx="1">
+        <a:scrgbClr r="0" g="0" b="0"/>
+      </a:lnRef>
+      <a:fillRef idx="2">
+        <a:scrgbClr r="0" g="0" b="0"/>
+      </a:fillRef>
+      <a:effectRef idx="1">
+        <a:scrgbClr r="0" g="0" b="0"/>
+      </a:effectRef>
+      <a:fontRef idx="minor">
+        <a:schemeClr val="dk1"/>
+      </a:fontRef>
+    </dgm:style>
+  </dgm:styleLbl>
+  <dgm:styleLbl name="parChTrans1D1">
+    <dgm:scene3d>
+      <a:camera prst="orthographicFront"/>
+      <a:lightRig rig="threePt" dir="t"/>
+    </dgm:scene3d>
+    <dgm:sp3d/>
+    <dgm:txPr/>
+    <dgm:style>
+      <a:lnRef idx="2">
+        <a:scrgbClr r="0" g="0" b="0"/>
+      </a:lnRef>
+      <a:fillRef idx="0">
+        <a:scrgbClr r="0" g="0" b="0"/>
+      </a:fillRef>
+      <a:effectRef idx="0">
+        <a:scrgbClr r="0" g="0" b="0"/>
+      </a:effectRef>
+      <a:fontRef idx="minor"/>
+    </dgm:style>
+  </dgm:styleLbl>
+  <dgm:styleLbl name="parChTrans1D2">
+    <dgm:scene3d>
+      <a:camera prst="orthographicFront"/>
+      <a:lightRig rig="threePt" dir="t"/>
+    </dgm:scene3d>
+    <dgm:sp3d/>
+    <dgm:txPr/>
+    <dgm:style>
+      <a:lnRef idx="2">
+        <a:scrgbClr r="0" g="0" b="0"/>
+      </a:lnRef>
+      <a:fillRef idx="0">
+        <a:scrgbClr r="0" g="0" b="0"/>
+      </a:fillRef>
+      <a:effectRef idx="0">
+        <a:scrgbClr r="0" g="0" b="0"/>
+      </a:effectRef>
+      <a:fontRef idx="minor"/>
+    </dgm:style>
+  </dgm:styleLbl>
+  <dgm:styleLbl name="parChTrans1D3">
+    <dgm:scene3d>
+      <a:camera prst="orthographicFront"/>
+      <a:lightRig rig="threePt" dir="t"/>
+    </dgm:scene3d>
+    <dgm:sp3d/>
+    <dgm:txPr/>
+    <dgm:style>
+      <a:lnRef idx="2">
+        <a:scrgbClr r="0" g="0" b="0"/>
+      </a:lnRef>
+      <a:fillRef idx="0">
+        <a:scrgbClr r="0" g="0" b="0"/>
+      </a:fillRef>
+      <a:effectRef idx="0">
+        <a:scrgbClr r="0" g="0" b="0"/>
+      </a:effectRef>
+      <a:fontRef idx="minor"/>
+    </dgm:style>
+  </dgm:styleLbl>
+  <dgm:styleLbl name="parChTrans1D4">
+    <dgm:scene3d>
+      <a:camera prst="orthographicFront"/>
+      <a:lightRig rig="threePt" dir="t"/>
+    </dgm:scene3d>
+    <dgm:sp3d/>
+    <dgm:txPr/>
+    <dgm:style>
+      <a:lnRef idx="2">
+        <a:scrgbClr r="0" g="0" b="0"/>
+      </a:lnRef>
+      <a:fillRef idx="0">
+        <a:scrgbClr r="0" g="0" b="0"/>
+      </a:fillRef>
+      <a:effectRef idx="0">
+        <a:scrgbClr r="0" g="0" b="0"/>
+      </a:effectRef>
+      <a:fontRef idx="minor"/>
+    </dgm:style>
+  </dgm:styleLbl>
+  <dgm:styleLbl name="fgAcc1">
+    <dgm:scene3d>
+      <a:camera prst="orthographicFront"/>
+      <a:lightRig rig="threePt" dir="t"/>
+    </dgm:scene3d>
+    <dgm:sp3d/>
+    <dgm:txPr/>
+    <dgm:style>
+      <a:lnRef idx="1">
+        <a:scrgbClr r="0" g="0" b="0"/>
+      </a:lnRef>
+      <a:fillRef idx="1">
+        <a:scrgbClr r="0" g="0" b="0"/>
+      </a:fillRef>
+      <a:effectRef idx="0">
+        <a:scrgbClr r="0" g="0" b="0"/>
+      </a:effectRef>
+      <a:fontRef idx="minor"/>
+    </dgm:style>
+  </dgm:styleLbl>
+  <dgm:styleLbl name="conFgAcc1">
+    <dgm:scene3d>
+      <a:camera prst="orthographicFront"/>
+      <a:lightRig rig="threePt" dir="t"/>
+    </dgm:scene3d>
+    <dgm:sp3d/>
+    <dgm:txPr/>
+    <dgm:style>
+      <a:lnRef idx="1">
+        <a:scrgbClr r="0" g="0" b="0"/>
+      </a:lnRef>
+      <a:fillRef idx="1">
+        <a:scrgbClr r="0" g="0" b="0"/>
+      </a:fillRef>
+      <a:effectRef idx="0">
+        <a:scrgbClr r="0" g="0" b="0"/>
+      </a:effectRef>
+      <a:fontRef idx="minor"/>
+    </dgm:style>
+  </dgm:styleLbl>
+  <dgm:styleLbl name="alignAcc1">
+    <dgm:scene3d>
+      <a:camera prst="orthographicFront"/>
+      <a:lightRig rig="threePt" dir="t"/>
+    </dgm:scene3d>
+    <dgm:sp3d/>
+    <dgm:txPr/>
+    <dgm:style>
+      <a:lnRef idx="1">
+        <a:scrgbClr r="0" g="0" b="0"/>
+      </a:lnRef>
+      <a:fillRef idx="1">
+        <a:scrgbClr r="0" g="0" b="0"/>
+      </a:fillRef>
+      <a:effectRef idx="0">
+        <a:scrgbClr r="0" g="0" b="0"/>
+      </a:effectRef>
+      <a:fontRef idx="minor"/>
+    </dgm:style>
+  </dgm:styleLbl>
+  <dgm:styleLbl name="trAlignAcc1">
+    <dgm:scene3d>
+      <a:camera prst="orthographicFront"/>
+      <a:lightRig rig="threePt" dir="t"/>
+    </dgm:scene3d>
+    <dgm:sp3d/>
+    <dgm:txPr/>
+    <dgm:style>
+      <a:lnRef idx="1">
+        <a:scrgbClr r="0" g="0" b="0"/>
+      </a:lnRef>
+      <a:fillRef idx="1">
+        <a:scrgbClr r="0" g="0" b="0"/>
+      </a:fillRef>
+      <a:effectRef idx="0">
+        <a:scrgbClr r="0" g="0" b="0"/>
+      </a:effectRef>
+      <a:fontRef idx="minor"/>
+    </dgm:style>
+  </dgm:styleLbl>
+  <dgm:styleLbl name="bgAcc1">
+    <dgm:scene3d>
+      <a:camera prst="orthographicFront"/>
+      <a:lightRig rig="threePt" dir="t"/>
+    </dgm:scene3d>
+    <dgm:sp3d/>
+    <dgm:txPr/>
+    <dgm:style>
+      <a:lnRef idx="1">
+        <a:scrgbClr r="0" g="0" b="0"/>
+      </a:lnRef>
+      <a:fillRef idx="1">
+        <a:scrgbClr r="0" g="0" b="0"/>
+      </a:fillRef>
+      <a:effectRef idx="0">
+        <a:scrgbClr r="0" g="0" b="0"/>
+      </a:effectRef>
+      <a:fontRef idx="minor"/>
+    </dgm:style>
+  </dgm:styleLbl>
+  <dgm:styleLbl name="solidFgAcc1">
+    <dgm:scene3d>
+      <a:camera prst="orthographicFront"/>
+      <a:lightRig rig="threePt" dir="t"/>
+    </dgm:scene3d>
+    <dgm:sp3d/>
+    <dgm:txPr/>
+    <dgm:style>
+      <a:lnRef idx="1">
+        <a:scrgbClr r="0" g="0" b="0"/>
+      </a:lnRef>
+      <a:fillRef idx="2">
+        <a:scrgbClr r="0" g="0" b="0"/>
+      </a:fillRef>
+      <a:effectRef idx="0">
+        <a:scrgbClr r="0" g="0" b="0"/>
+      </a:effectRef>
+      <a:fontRef idx="minor"/>
+    </dgm:style>
+  </dgm:styleLbl>
+  <dgm:styleLbl name="solidAlignAcc1">
+    <dgm:scene3d>
+      <a:camera prst="orthographicFront"/>
+      <a:lightRig rig="threePt" dir="t"/>
+    </dgm:scene3d>
+    <dgm:sp3d/>
+    <dgm:txPr/>
+    <dgm:style>
+      <a:lnRef idx="1">
+        <a:scrgbClr r="0" g="0" b="0"/>
+      </a:lnRef>
+      <a:fillRef idx="1">
+        <a:scrgbClr r="0" g="0" b="0"/>
+      </a:fillRef>
+      <a:effectRef idx="0">
+        <a:scrgbClr r="0" g="0" b="0"/>
+      </a:effectRef>
+      <a:fontRef idx="minor"/>
+    </dgm:style>
+  </dgm:styleLbl>
+  <dgm:styleLbl name="solidBgAcc1">
+    <dgm:scene3d>
+      <a:camera prst="orthographicFront"/>
+      <a:lightRig rig="threePt" dir="t"/>
+    </dgm:scene3d>
+    <dgm:sp3d/>
+    <dgm:txPr/>
+    <dgm:style>
+      <a:lnRef idx="1">
+        <a:scrgbClr r="0" g="0" b="0"/>
+      </a:lnRef>
+      <a:fillRef idx="1">
+        <a:scrgbClr r="0" g="0" b="0"/>
+      </a:fillRef>
+      <a:effectRef idx="0">
+        <a:scrgbClr r="0" g="0" b="0"/>
+      </a:effectRef>
+      <a:fontRef idx="minor"/>
+    </dgm:style>
+  </dgm:styleLbl>
+  <dgm:styleLbl name="fgAccFollowNode1">
+    <dgm:scene3d>
+      <a:camera prst="orthographicFront"/>
+      <a:lightRig rig="threePt" dir="t"/>
+    </dgm:scene3d>
+    <dgm:sp3d/>
+    <dgm:txPr/>
+    <dgm:style>
+      <a:lnRef idx="1">
+        <a:scrgbClr r="0" g="0" b="0"/>
+      </a:lnRef>
+      <a:fillRef idx="1">
+        <a:scrgbClr r="0" g="0" b="0"/>
+      </a:fillRef>
+      <a:effectRef idx="0">
+        <a:scrgbClr r="0" g="0" b="0"/>
+      </a:effectRef>
+      <a:fontRef idx="minor"/>
+    </dgm:style>
+  </dgm:styleLbl>
+  <dgm:styleLbl name="alignAccFollowNode1">
+    <dgm:scene3d>
+      <a:camera prst="orthographicFront"/>
+      <a:lightRig rig="threePt" dir="t"/>
+    </dgm:scene3d>
+    <dgm:sp3d/>
+    <dgm:txPr/>
+    <dgm:style>
+      <a:lnRef idx="1">
+        <a:scrgbClr r="0" g="0" b="0"/>
+      </a:lnRef>
+      <a:fillRef idx="1">
+        <a:scrgbClr r="0" g="0" b="0"/>
+      </a:fillRef>
+      <a:effectRef idx="0">
+        <a:scrgbClr r="0" g="0" b="0"/>
+      </a:effectRef>
+      <a:fontRef idx="minor"/>
+    </dgm:style>
+  </dgm:styleLbl>
+  <dgm:styleLbl name="bgAccFollowNode1">
+    <dgm:scene3d>
+      <a:camera prst="orthographicFront"/>
+      <a:lightRig rig="threePt" dir="t"/>
+    </dgm:scene3d>
+    <dgm:sp3d/>
+    <dgm:txPr/>
+    <dgm:style>
+      <a:lnRef idx="1">
+        <a:scrgbClr r="0" g="0" b="0"/>
+      </a:lnRef>
+      <a:fillRef idx="1">
+        <a:scrgbClr r="0" g="0" b="0"/>
+      </a:fillRef>
+      <a:effectRef idx="0">
+        <a:scrgbClr r="0" g="0" b="0"/>
+      </a:effectRef>
+      <a:fontRef idx="minor"/>
+    </dgm:style>
+  </dgm:styleLbl>
+  <dgm:styleLbl name="fgAcc0">
+    <dgm:scene3d>
+      <a:camera prst="orthographicFront"/>
+      <a:lightRig rig="threePt" dir="t"/>
+    </dgm:scene3d>
+    <dgm:sp3d/>
+    <dgm:txPr/>
+    <dgm:style>
+      <a:lnRef idx="1">
+        <a:scrgbClr r="0" g="0" b="0"/>
+      </a:lnRef>
+      <a:fillRef idx="1">
+        <a:scrgbClr r="0" g="0" b="0"/>
+      </a:fillRef>
+      <a:effectRef idx="0">
+        <a:scrgbClr r="0" g="0" b="0"/>
+      </a:effectRef>
+      <a:fontRef idx="minor"/>
+    </dgm:style>
+  </dgm:styleLbl>
+  <dgm:styleLbl name="fgAcc2">
+    <dgm:scene3d>
+      <a:camera prst="orthographicFront"/>
+      <a:lightRig rig="threePt" dir="t"/>
+    </dgm:scene3d>
+    <dgm:sp3d/>
+    <dgm:txPr/>
+    <dgm:style>
+      <a:lnRef idx="1">
+        <a:scrgbClr r="0" g="0" b="0"/>
+      </a:lnRef>
+      <a:fillRef idx="1">
+        <a:scrgbClr r="0" g="0" b="0"/>
+      </a:fillRef>
+      <a:effectRef idx="0">
+        <a:scrgbClr r="0" g="0" b="0"/>
+      </a:effectRef>
+      <a:fontRef idx="minor"/>
+    </dgm:style>
+  </dgm:styleLbl>
+  <dgm:styleLbl name="fgAcc3">
+    <dgm:scene3d>
+      <a:camera prst="orthographicFront"/>
+      <a:lightRig rig="threePt" dir="t"/>
+    </dgm:scene3d>
+    <dgm:sp3d/>
+    <dgm:txPr/>
+    <dgm:style>
+      <a:lnRef idx="1">
+        <a:scrgbClr r="0" g="0" b="0"/>
+      </a:lnRef>
+      <a:fillRef idx="1">
+        <a:scrgbClr r="0" g="0" b="0"/>
+      </a:fillRef>
+      <a:effectRef idx="0">
+        <a:scrgbClr r="0" g="0" b="0"/>
+      </a:effectRef>
+      <a:fontRef idx="minor"/>
+    </dgm:style>
+  </dgm:styleLbl>
+  <dgm:styleLbl name="fgAcc4">
+    <dgm:scene3d>
+      <a:camera prst="orthographicFront"/>
+      <a:lightRig rig="threePt" dir="t"/>
+    </dgm:scene3d>
+    <dgm:sp3d/>
+    <dgm:txPr/>
+    <dgm:style>
+      <a:lnRef idx="1">
+        <a:scrgbClr r="0" g="0" b="0"/>
+      </a:lnRef>
+      <a:fillRef idx="1">
+        <a:scrgbClr r="0" g="0" b="0"/>
+      </a:fillRef>
+      <a:effectRef idx="0">
+        <a:scrgbClr r="0" g="0" b="0"/>
+      </a:effectRef>
+      <a:fontRef idx="minor"/>
+    </dgm:style>
+  </dgm:styleLbl>
+  <dgm:styleLbl name="bgShp">
+    <dgm:scene3d>
+      <a:camera prst="orthographicFront"/>
+      <a:lightRig rig="threePt" dir="t"/>
+    </dgm:scene3d>
+    <dgm:sp3d/>
+    <dgm:txPr/>
+    <dgm:style>
+      <a:lnRef idx="0">
+        <a:scrgbClr r="0" g="0" b="0"/>
+      </a:lnRef>
+      <a:fillRef idx="1">
+        <a:scrgbClr r="0" g="0" b="0"/>
+      </a:fillRef>
+      <a:effectRef idx="1">
+        <a:scrgbClr r="0" g="0" b="0"/>
+      </a:effectRef>
+      <a:fontRef idx="minor"/>
+    </dgm:style>
+  </dgm:styleLbl>
+  <dgm:styleLbl name="dkBgShp">
+    <dgm:scene3d>
+      <a:camera prst="orthographicFront"/>
+      <a:lightRig rig="threePt" dir="t"/>
+    </dgm:scene3d>
+    <dgm:sp3d/>
+    <dgm:txPr/>
+    <dgm:style>
+      <a:lnRef idx="0">
+        <a:scrgbClr r="0" g="0" b="0"/>
+      </a:lnRef>
+      <a:fillRef idx="1">
+        <a:scrgbClr r="0" g="0" b="0"/>
+      </a:fillRef>
+      <a:effectRef idx="1">
+        <a:scrgbClr r="0" g="0" b="0"/>
+      </a:effectRef>
+      <a:fontRef idx="minor"/>
+    </dgm:style>
+  </dgm:styleLbl>
+  <dgm:styleLbl name="trBgShp">
+    <dgm:scene3d>
+      <a:camera prst="orthographicFront"/>
+      <a:lightRig rig="threePt" dir="t"/>
+    </dgm:scene3d>
+    <dgm:sp3d/>
+    <dgm:txPr/>
+    <dgm:style>
+      <a:lnRef idx="0">
+        <a:scrgbClr r="0" g="0" b="0"/>
+      </a:lnRef>
+      <a:fillRef idx="1">
+        <a:scrgbClr r="0" g="0" b="0"/>
+      </a:fillRef>
+      <a:effectRef idx="0">
+        <a:scrgbClr r="0" g="0" b="0"/>
+      </a:effectRef>
+      <a:fontRef idx="minor"/>
+    </dgm:style>
+  </dgm:styleLbl>
+  <dgm:styleLbl name="fgShp">
+    <dgm:scene3d>
+      <a:camera prst="orthographicFront"/>
+      <a:lightRig rig="flat" dir="t"/>
+    </dgm:scene3d>
+    <dgm:sp3d prstMaterial="dkEdge">
+      <a:bevelT w="8200" h="38100"/>
+    </dgm:sp3d>
+    <dgm:txPr/>
+    <dgm:style>
+      <a:lnRef idx="1">
+        <a:scrgbClr r="0" g="0" b="0"/>
+      </a:lnRef>
+      <a:fillRef idx="2">
+        <a:scrgbClr r="0" g="0" b="0"/>
+      </a:fillRef>
+      <a:effectRef idx="1">
         <a:scrgbClr r="0" g="0" b="0"/>
       </a:effectRef>
       <a:fontRef idx="minor"/>
@@ -15971,7 +20726,7 @@
           <a:p>
             <a:fld id="{721B4FB9-A57E-4938-8372-F8E235B94C45}" type="datetimeFigureOut">
               <a:rPr kumimoji="1" lang="ja-JP" altLang="en-US" smtClean="0"/>
-              <a:t>2022/7/28</a:t>
+              <a:t>2022/7/30</a:t>
             </a:fld>
             <a:endParaRPr kumimoji="1" lang="ja-JP" altLang="en-US"/>
           </a:p>
@@ -16201,7 +20956,7 @@
           <a:p>
             <a:fld id="{721B4FB9-A57E-4938-8372-F8E235B94C45}" type="datetimeFigureOut">
               <a:rPr kumimoji="1" lang="ja-JP" altLang="en-US" smtClean="0"/>
-              <a:t>2022/7/28</a:t>
+              <a:t>2022/7/30</a:t>
             </a:fld>
             <a:endParaRPr kumimoji="1" lang="ja-JP" altLang="en-US"/>
           </a:p>
@@ -16441,7 +21196,7 @@
           <a:p>
             <a:fld id="{721B4FB9-A57E-4938-8372-F8E235B94C45}" type="datetimeFigureOut">
               <a:rPr kumimoji="1" lang="ja-JP" altLang="en-US" smtClean="0"/>
-              <a:t>2022/7/28</a:t>
+              <a:t>2022/7/30</a:t>
             </a:fld>
             <a:endParaRPr kumimoji="1" lang="ja-JP" altLang="en-US"/>
           </a:p>
@@ -16671,7 +21426,7 @@
           <a:p>
             <a:fld id="{721B4FB9-A57E-4938-8372-F8E235B94C45}" type="datetimeFigureOut">
               <a:rPr kumimoji="1" lang="ja-JP" altLang="en-US" smtClean="0"/>
-              <a:t>2022/7/28</a:t>
+              <a:t>2022/7/30</a:t>
             </a:fld>
             <a:endParaRPr kumimoji="1" lang="ja-JP" altLang="en-US"/>
           </a:p>
@@ -16946,7 +21701,7 @@
           <a:p>
             <a:fld id="{721B4FB9-A57E-4938-8372-F8E235B94C45}" type="datetimeFigureOut">
               <a:rPr kumimoji="1" lang="ja-JP" altLang="en-US" smtClean="0"/>
-              <a:t>2022/7/28</a:t>
+              <a:t>2022/7/30</a:t>
             </a:fld>
             <a:endParaRPr kumimoji="1" lang="ja-JP" altLang="en-US"/>
           </a:p>
@@ -17275,7 +22030,7 @@
           <a:p>
             <a:fld id="{721B4FB9-A57E-4938-8372-F8E235B94C45}" type="datetimeFigureOut">
               <a:rPr kumimoji="1" lang="ja-JP" altLang="en-US" smtClean="0"/>
-              <a:t>2022/7/28</a:t>
+              <a:t>2022/7/30</a:t>
             </a:fld>
             <a:endParaRPr kumimoji="1" lang="ja-JP" altLang="en-US"/>
           </a:p>
@@ -17751,7 +22506,7 @@
           <a:p>
             <a:fld id="{721B4FB9-A57E-4938-8372-F8E235B94C45}" type="datetimeFigureOut">
               <a:rPr kumimoji="1" lang="ja-JP" altLang="en-US" smtClean="0"/>
-              <a:t>2022/7/28</a:t>
+              <a:t>2022/7/30</a:t>
             </a:fld>
             <a:endParaRPr kumimoji="1" lang="ja-JP" altLang="en-US"/>
           </a:p>
@@ -17892,7 +22647,7 @@
           <a:p>
             <a:fld id="{721B4FB9-A57E-4938-8372-F8E235B94C45}" type="datetimeFigureOut">
               <a:rPr kumimoji="1" lang="ja-JP" altLang="en-US" smtClean="0"/>
-              <a:t>2022/7/28</a:t>
+              <a:t>2022/7/30</a:t>
             </a:fld>
             <a:endParaRPr kumimoji="1" lang="ja-JP" altLang="en-US"/>
           </a:p>
@@ -18005,7 +22760,7 @@
           <a:p>
             <a:fld id="{721B4FB9-A57E-4938-8372-F8E235B94C45}" type="datetimeFigureOut">
               <a:rPr kumimoji="1" lang="ja-JP" altLang="en-US" smtClean="0"/>
-              <a:t>2022/7/28</a:t>
+              <a:t>2022/7/30</a:t>
             </a:fld>
             <a:endParaRPr kumimoji="1" lang="ja-JP" altLang="en-US"/>
           </a:p>
@@ -18348,7 +23103,7 @@
           <a:p>
             <a:fld id="{721B4FB9-A57E-4938-8372-F8E235B94C45}" type="datetimeFigureOut">
               <a:rPr kumimoji="1" lang="ja-JP" altLang="en-US" smtClean="0"/>
-              <a:t>2022/7/28</a:t>
+              <a:t>2022/7/30</a:t>
             </a:fld>
             <a:endParaRPr kumimoji="1" lang="ja-JP" altLang="en-US"/>
           </a:p>
@@ -18636,7 +23391,7 @@
           <a:p>
             <a:fld id="{721B4FB9-A57E-4938-8372-F8E235B94C45}" type="datetimeFigureOut">
               <a:rPr kumimoji="1" lang="ja-JP" altLang="en-US" smtClean="0"/>
-              <a:t>2022/7/28</a:t>
+              <a:t>2022/7/30</a:t>
             </a:fld>
             <a:endParaRPr kumimoji="1" lang="ja-JP" altLang="en-US"/>
           </a:p>
@@ -18909,7 +23664,7 @@
           <a:p>
             <a:fld id="{721B4FB9-A57E-4938-8372-F8E235B94C45}" type="datetimeFigureOut">
               <a:rPr kumimoji="1" lang="ja-JP" altLang="en-US" smtClean="0"/>
-              <a:t>2022/7/28</a:t>
+              <a:t>2022/7/30</a:t>
             </a:fld>
             <a:endParaRPr kumimoji="1" lang="ja-JP" altLang="en-US"/>
           </a:p>
@@ -20247,6 +25002,1133 @@
     <p:extLst>
       <p:ext uri="{BB962C8B-B14F-4D97-AF65-F5344CB8AC3E}">
         <p14:creationId xmlns:p14="http://schemas.microsoft.com/office/powerpoint/2010/main" val="3279204998"/>
+      </p:ext>
+    </p:extLst>
+  </p:cSld>
+  <p:clrMapOvr>
+    <a:masterClrMapping/>
+  </p:clrMapOvr>
+</p:sld>
+</file>
+
+<file path=ppt/slides/slide12.xml><?xml version="1.0" encoding="utf-8"?>
+<p:sld xmlns:a="http://schemas.openxmlformats.org/drawingml/2006/main" xmlns:r="http://schemas.openxmlformats.org/officeDocument/2006/relationships" xmlns:p="http://schemas.openxmlformats.org/presentationml/2006/main">
+  <p:cSld>
+    <p:spTree>
+      <p:nvGrpSpPr>
+        <p:cNvPr id="1" name=""/>
+        <p:cNvGrpSpPr/>
+        <p:nvPr/>
+      </p:nvGrpSpPr>
+      <p:grpSpPr>
+        <a:xfrm>
+          <a:off x="0" y="0"/>
+          <a:ext cx="0" cy="0"/>
+          <a:chOff x="0" y="0"/>
+          <a:chExt cx="0" cy="0"/>
+        </a:xfrm>
+      </p:grpSpPr>
+      <p:pic>
+        <p:nvPicPr>
+          <p:cNvPr id="1032" name="Picture 8" descr="https://encrypted-tbn0.google.com/images?q=tbn:ANd9GcQ53jI56taCR7ea59R3Kc7fnOS3HxdGB_SoYxtvnu0Z7W-sPPwY"/>
+          <p:cNvPicPr>
+            <a:picLocks noChangeAspect="1" noChangeArrowheads="1"/>
+          </p:cNvPicPr>
+          <p:nvPr/>
+        </p:nvPicPr>
+        <p:blipFill>
+          <a:blip r:embed="rId2">
+            <a:extLst>
+              <a:ext uri="{28A0092B-C50C-407E-A947-70E740481C1C}">
+                <a14:useLocalDpi xmlns:a14="http://schemas.microsoft.com/office/drawing/2010/main" val="0"/>
+              </a:ext>
+            </a:extLst>
+          </a:blip>
+          <a:srcRect/>
+          <a:stretch>
+            <a:fillRect/>
+          </a:stretch>
+        </p:blipFill>
+        <p:spPr bwMode="auto">
+          <a:xfrm>
+            <a:off x="5861658" y="729772"/>
+            <a:ext cx="5184576" cy="5671930"/>
+          </a:xfrm>
+          <a:prstGeom prst="rect">
+            <a:avLst/>
+          </a:prstGeom>
+          <a:noFill/>
+          <a:effectLst>
+            <a:softEdge rad="635000"/>
+          </a:effectLst>
+          <a:extLst>
+            <a:ext uri="{909E8E84-426E-40DD-AFC4-6F175D3DCCD1}">
+              <a14:hiddenFill xmlns:a14="http://schemas.microsoft.com/office/drawing/2010/main">
+                <a:solidFill>
+                  <a:srgbClr val="FFFFFF"/>
+                </a:solidFill>
+              </a14:hiddenFill>
+            </a:ext>
+          </a:extLst>
+        </p:spPr>
+      </p:pic>
+      <p:pic>
+        <p:nvPicPr>
+          <p:cNvPr id="1028" name="Picture 4" descr="https://encrypted-tbn3.google.com/images?q=tbn:ANd9GcS9R0EM9dfbP4QpGJd-WCB0UXe4FZpSeh3Bzk7QEgflrUCU_tUA"/>
+          <p:cNvPicPr>
+            <a:picLocks noGrp="1" noChangeAspect="1" noChangeArrowheads="1"/>
+          </p:cNvPicPr>
+          <p:nvPr>
+            <p:ph idx="1"/>
+          </p:nvPr>
+        </p:nvPicPr>
+        <p:blipFill>
+          <a:blip r:embed="rId3">
+            <a:extLst>
+              <a:ext uri="{28A0092B-C50C-407E-A947-70E740481C1C}">
+                <a14:useLocalDpi xmlns:a14="http://schemas.microsoft.com/office/drawing/2010/main" val="0"/>
+              </a:ext>
+            </a:extLst>
+          </a:blip>
+          <a:srcRect/>
+          <a:stretch>
+            <a:fillRect/>
+          </a:stretch>
+        </p:blipFill>
+        <p:spPr bwMode="auto">
+          <a:xfrm>
+            <a:off x="577630" y="1014273"/>
+            <a:ext cx="4265337" cy="4962555"/>
+          </a:xfrm>
+          <a:prstGeom prst="rect">
+            <a:avLst/>
+          </a:prstGeom>
+          <a:noFill/>
+          <a:effectLst>
+            <a:softEdge rad="317500"/>
+          </a:effectLst>
+          <a:extLst>
+            <a:ext uri="{909E8E84-426E-40DD-AFC4-6F175D3DCCD1}">
+              <a14:hiddenFill xmlns:a14="http://schemas.microsoft.com/office/drawing/2010/main">
+                <a:solidFill>
+                  <a:srgbClr val="FFFFFF"/>
+                </a:solidFill>
+              </a14:hiddenFill>
+            </a:ext>
+          </a:extLst>
+        </p:spPr>
+      </p:pic>
+      <p:sp>
+        <p:nvSpPr>
+          <p:cNvPr id="6" name="左矢印 5"/>
+          <p:cNvSpPr/>
+          <p:nvPr/>
+        </p:nvSpPr>
+        <p:spPr>
+          <a:xfrm>
+            <a:off x="3588417" y="1681892"/>
+            <a:ext cx="2779059" cy="1296144"/>
+          </a:xfrm>
+          <a:prstGeom prst="leftArrow">
+            <a:avLst/>
+          </a:prstGeom>
+        </p:spPr>
+        <p:style>
+          <a:lnRef idx="2">
+            <a:schemeClr val="accent1"/>
+          </a:lnRef>
+          <a:fillRef idx="1">
+            <a:schemeClr val="lt1"/>
+          </a:fillRef>
+          <a:effectRef idx="0">
+            <a:schemeClr val="accent1"/>
+          </a:effectRef>
+          <a:fontRef idx="minor">
+            <a:schemeClr val="dk1"/>
+          </a:fontRef>
+        </p:style>
+        <p:txBody>
+          <a:bodyPr rtlCol="0" anchor="ctr"/>
+          <a:lstStyle/>
+          <a:p>
+            <a:pPr lvl="0"/>
+            <a:r>
+              <a:rPr lang="en-US" altLang="ja-JP" sz="2800" b="1" dirty="0">
+                <a:latin typeface="BIZ UDPGothic" panose="020B0400000000000000" pitchFamily="34" charset="-128"/>
+                <a:ea typeface="BIZ UDPGothic" panose="020B0400000000000000" pitchFamily="34" charset="-128"/>
+              </a:rPr>
+              <a:t>10</a:t>
+            </a:r>
+            <a:r>
+              <a:rPr lang="en-US" altLang="ja-JP" sz="2800" b="1" baseline="30000" dirty="0">
+                <a:latin typeface="BIZ UDPGothic" panose="020B0400000000000000" pitchFamily="34" charset="-128"/>
+                <a:ea typeface="BIZ UDPGothic" panose="020B0400000000000000" pitchFamily="34" charset="-128"/>
+              </a:rPr>
+              <a:t>9 </a:t>
+            </a:r>
+            <a:r>
+              <a:rPr lang="ja-JP" altLang="en-US" sz="2800" b="1" dirty="0">
+                <a:latin typeface="BIZ UDPGothic" panose="020B0400000000000000" pitchFamily="34" charset="-128"/>
+                <a:ea typeface="BIZ UDPGothic" panose="020B0400000000000000" pitchFamily="34" charset="-128"/>
+              </a:rPr>
+              <a:t>ビット</a:t>
+            </a:r>
+            <a:r>
+              <a:rPr lang="en-US" altLang="ja-JP" sz="2800" b="1" dirty="0">
+                <a:latin typeface="BIZ UDPGothic" panose="020B0400000000000000" pitchFamily="34" charset="-128"/>
+                <a:ea typeface="BIZ UDPGothic" panose="020B0400000000000000" pitchFamily="34" charset="-128"/>
+              </a:rPr>
+              <a:t>/</a:t>
+            </a:r>
+            <a:r>
+              <a:rPr lang="ja-JP" altLang="en-US" sz="2800" b="1" dirty="0">
+                <a:latin typeface="BIZ UDPGothic" panose="020B0400000000000000" pitchFamily="34" charset="-128"/>
+                <a:ea typeface="BIZ UDPGothic" panose="020B0400000000000000" pitchFamily="34" charset="-128"/>
+              </a:rPr>
+              <a:t>秒</a:t>
+            </a:r>
+          </a:p>
+        </p:txBody>
+      </p:sp>
+      <p:sp>
+        <p:nvSpPr>
+          <p:cNvPr id="7" name="右矢印 6"/>
+          <p:cNvSpPr/>
+          <p:nvPr/>
+        </p:nvSpPr>
+        <p:spPr>
+          <a:xfrm>
+            <a:off x="3890681" y="3961551"/>
+            <a:ext cx="2779059" cy="1214557"/>
+          </a:xfrm>
+          <a:prstGeom prst="rightArrow">
+            <a:avLst/>
+          </a:prstGeom>
+        </p:spPr>
+        <p:style>
+          <a:lnRef idx="2">
+            <a:schemeClr val="accent1"/>
+          </a:lnRef>
+          <a:fillRef idx="1">
+            <a:schemeClr val="lt1"/>
+          </a:fillRef>
+          <a:effectRef idx="0">
+            <a:schemeClr val="accent1"/>
+          </a:effectRef>
+          <a:fontRef idx="minor">
+            <a:schemeClr val="dk1"/>
+          </a:fontRef>
+        </p:style>
+        <p:txBody>
+          <a:bodyPr rtlCol="0" anchor="ctr"/>
+          <a:lstStyle/>
+          <a:p>
+            <a:pPr lvl="0"/>
+            <a:r>
+              <a:rPr lang="en-US" altLang="ja-JP" sz="2800" b="1" dirty="0">
+                <a:latin typeface="BIZ UDPGothic" panose="020B0400000000000000" pitchFamily="34" charset="-128"/>
+                <a:ea typeface="BIZ UDPGothic" panose="020B0400000000000000" pitchFamily="34" charset="-128"/>
+              </a:rPr>
+              <a:t>10</a:t>
+            </a:r>
+            <a:r>
+              <a:rPr lang="en-US" altLang="ja-JP" sz="2800" b="1" baseline="30000" dirty="0">
+                <a:latin typeface="BIZ UDPGothic" panose="020B0400000000000000" pitchFamily="34" charset="-128"/>
+                <a:ea typeface="BIZ UDPGothic" panose="020B0400000000000000" pitchFamily="34" charset="-128"/>
+              </a:rPr>
+              <a:t>7</a:t>
+            </a:r>
+            <a:r>
+              <a:rPr lang="en-US" altLang="ja-JP" sz="2800" b="1" dirty="0">
+                <a:latin typeface="BIZ UDPGothic" panose="020B0400000000000000" pitchFamily="34" charset="-128"/>
+                <a:ea typeface="BIZ UDPGothic" panose="020B0400000000000000" pitchFamily="34" charset="-128"/>
+              </a:rPr>
+              <a:t> </a:t>
+            </a:r>
+            <a:r>
+              <a:rPr lang="ja-JP" altLang="en-US" sz="2800" b="1" dirty="0">
+                <a:latin typeface="BIZ UDPGothic" panose="020B0400000000000000" pitchFamily="34" charset="-128"/>
+                <a:ea typeface="BIZ UDPGothic" panose="020B0400000000000000" pitchFamily="34" charset="-128"/>
+              </a:rPr>
+              <a:t>ビット</a:t>
+            </a:r>
+            <a:r>
+              <a:rPr lang="en-US" altLang="ja-JP" sz="2800" b="1" dirty="0">
+                <a:latin typeface="BIZ UDPGothic" panose="020B0400000000000000" pitchFamily="34" charset="-128"/>
+                <a:ea typeface="BIZ UDPGothic" panose="020B0400000000000000" pitchFamily="34" charset="-128"/>
+              </a:rPr>
+              <a:t>/</a:t>
+            </a:r>
+            <a:r>
+              <a:rPr lang="ja-JP" altLang="en-US" sz="2800" b="1" dirty="0">
+                <a:latin typeface="BIZ UDPGothic" panose="020B0400000000000000" pitchFamily="34" charset="-128"/>
+                <a:ea typeface="BIZ UDPGothic" panose="020B0400000000000000" pitchFamily="34" charset="-128"/>
+              </a:rPr>
+              <a:t>秒</a:t>
+            </a:r>
+            <a:endParaRPr lang="en-US" altLang="ja-JP" sz="2800" b="1" dirty="0">
+              <a:latin typeface="BIZ UDPGothic" panose="020B0400000000000000" pitchFamily="34" charset="-128"/>
+              <a:ea typeface="BIZ UDPGothic" panose="020B0400000000000000" pitchFamily="34" charset="-128"/>
+            </a:endParaRPr>
+          </a:p>
+        </p:txBody>
+      </p:sp>
+      <p:sp>
+        <p:nvSpPr>
+          <p:cNvPr id="12" name="テキスト ボックス 11"/>
+          <p:cNvSpPr txBox="1"/>
+          <p:nvPr/>
+        </p:nvSpPr>
+        <p:spPr>
+          <a:xfrm>
+            <a:off x="2254254" y="5256385"/>
+            <a:ext cx="788999" cy="523220"/>
+          </a:xfrm>
+          <a:prstGeom prst="rect">
+            <a:avLst/>
+          </a:prstGeom>
+          <a:solidFill>
+            <a:schemeClr val="bg1"/>
+          </a:solidFill>
+        </p:spPr>
+        <p:txBody>
+          <a:bodyPr wrap="none" rtlCol="0">
+            <a:spAutoFit/>
+          </a:bodyPr>
+          <a:lstStyle/>
+          <a:p>
+            <a:r>
+              <a:rPr lang="ja-JP" altLang="en-US" sz="2800" b="1" dirty="0">
+                <a:latin typeface="BIZ UDPGothic" panose="020B0400000000000000" pitchFamily="34" charset="-128"/>
+                <a:ea typeface="BIZ UDPGothic" panose="020B0400000000000000" pitchFamily="34" charset="-128"/>
+              </a:rPr>
+              <a:t>ヒト</a:t>
+            </a:r>
+          </a:p>
+        </p:txBody>
+      </p:sp>
+      <p:sp>
+        <p:nvSpPr>
+          <p:cNvPr id="13" name="テキスト ボックス 12"/>
+          <p:cNvSpPr txBox="1"/>
+          <p:nvPr/>
+        </p:nvSpPr>
+        <p:spPr>
+          <a:xfrm>
+            <a:off x="8237796" y="5256385"/>
+            <a:ext cx="902811" cy="523220"/>
+          </a:xfrm>
+          <a:prstGeom prst="rect">
+            <a:avLst/>
+          </a:prstGeom>
+          <a:solidFill>
+            <a:schemeClr val="bg1"/>
+          </a:solidFill>
+        </p:spPr>
+        <p:txBody>
+          <a:bodyPr wrap="none" rtlCol="0">
+            <a:spAutoFit/>
+          </a:bodyPr>
+          <a:lstStyle/>
+          <a:p>
+            <a:r>
+              <a:rPr lang="ja-JP" altLang="en-US" sz="2800" b="1" dirty="0">
+                <a:latin typeface="BIZ UDPGothic" panose="020B0400000000000000" pitchFamily="34" charset="-128"/>
+                <a:ea typeface="BIZ UDPGothic" panose="020B0400000000000000" pitchFamily="34" charset="-128"/>
+              </a:rPr>
+              <a:t>環境</a:t>
+            </a:r>
+          </a:p>
+        </p:txBody>
+      </p:sp>
+    </p:spTree>
+    <p:extLst>
+      <p:ext uri="{BB962C8B-B14F-4D97-AF65-F5344CB8AC3E}">
+        <p14:creationId xmlns:p14="http://schemas.microsoft.com/office/powerpoint/2010/main" val="2398154178"/>
+      </p:ext>
+    </p:extLst>
+  </p:cSld>
+  <p:clrMapOvr>
+    <a:masterClrMapping/>
+  </p:clrMapOvr>
+</p:sld>
+</file>
+
+<file path=ppt/slides/slide13.xml><?xml version="1.0" encoding="utf-8"?>
+<p:sld xmlns:a="http://schemas.openxmlformats.org/drawingml/2006/main" xmlns:r="http://schemas.openxmlformats.org/officeDocument/2006/relationships" xmlns:p="http://schemas.openxmlformats.org/presentationml/2006/main">
+  <p:cSld>
+    <p:spTree>
+      <p:nvGrpSpPr>
+        <p:cNvPr id="1" name=""/>
+        <p:cNvGrpSpPr/>
+        <p:nvPr/>
+      </p:nvGrpSpPr>
+      <p:grpSpPr>
+        <a:xfrm>
+          <a:off x="0" y="0"/>
+          <a:ext cx="0" cy="0"/>
+          <a:chOff x="0" y="0"/>
+          <a:chExt cx="0" cy="0"/>
+        </a:xfrm>
+      </p:grpSpPr>
+      <p:pic>
+        <p:nvPicPr>
+          <p:cNvPr id="1032" name="Picture 8" descr="https://encrypted-tbn0.google.com/images?q=tbn:ANd9GcQ53jI56taCR7ea59R3Kc7fnOS3HxdGB_SoYxtvnu0Z7W-sPPwY"/>
+          <p:cNvPicPr>
+            <a:picLocks noChangeAspect="1" noChangeArrowheads="1"/>
+          </p:cNvPicPr>
+          <p:nvPr/>
+        </p:nvPicPr>
+        <p:blipFill>
+          <a:blip r:embed="rId2">
+            <a:extLst>
+              <a:ext uri="{28A0092B-C50C-407E-A947-70E740481C1C}">
+                <a14:useLocalDpi xmlns:a14="http://schemas.microsoft.com/office/drawing/2010/main" val="0"/>
+              </a:ext>
+            </a:extLst>
+          </a:blip>
+          <a:srcRect/>
+          <a:stretch>
+            <a:fillRect/>
+          </a:stretch>
+        </p:blipFill>
+        <p:spPr bwMode="auto">
+          <a:xfrm>
+            <a:off x="5782235" y="535817"/>
+            <a:ext cx="5289176" cy="5786363"/>
+          </a:xfrm>
+          <a:prstGeom prst="rect">
+            <a:avLst/>
+          </a:prstGeom>
+          <a:noFill/>
+          <a:effectLst>
+            <a:softEdge rad="635000"/>
+          </a:effectLst>
+          <a:extLst>
+            <a:ext uri="{909E8E84-426E-40DD-AFC4-6F175D3DCCD1}">
+              <a14:hiddenFill xmlns:a14="http://schemas.microsoft.com/office/drawing/2010/main">
+                <a:solidFill>
+                  <a:srgbClr val="FFFFFF"/>
+                </a:solidFill>
+              </a14:hiddenFill>
+            </a:ext>
+          </a:extLst>
+        </p:spPr>
+      </p:pic>
+      <p:pic>
+        <p:nvPicPr>
+          <p:cNvPr id="1028" name="Picture 4" descr="https://encrypted-tbn3.google.com/images?q=tbn:ANd9GcS9R0EM9dfbP4QpGJd-WCB0UXe4FZpSeh3Bzk7QEgflrUCU_tUA"/>
+          <p:cNvPicPr>
+            <a:picLocks noGrp="1" noChangeAspect="1" noChangeArrowheads="1"/>
+          </p:cNvPicPr>
+          <p:nvPr>
+            <p:ph idx="1"/>
+          </p:nvPr>
+        </p:nvPicPr>
+        <p:blipFill>
+          <a:blip r:embed="rId3">
+            <a:extLst>
+              <a:ext uri="{28A0092B-C50C-407E-A947-70E740481C1C}">
+                <a14:useLocalDpi xmlns:a14="http://schemas.microsoft.com/office/drawing/2010/main" val="0"/>
+              </a:ext>
+            </a:extLst>
+          </a:blip>
+          <a:srcRect/>
+          <a:stretch>
+            <a:fillRect/>
+          </a:stretch>
+        </p:blipFill>
+        <p:spPr bwMode="auto">
+          <a:xfrm>
+            <a:off x="929106" y="1255058"/>
+            <a:ext cx="3737024" cy="4347882"/>
+          </a:xfrm>
+          <a:prstGeom prst="rect">
+            <a:avLst/>
+          </a:prstGeom>
+          <a:noFill/>
+          <a:effectLst>
+            <a:softEdge rad="317500"/>
+          </a:effectLst>
+          <a:extLst>
+            <a:ext uri="{909E8E84-426E-40DD-AFC4-6F175D3DCCD1}">
+              <a14:hiddenFill xmlns:a14="http://schemas.microsoft.com/office/drawing/2010/main">
+                <a:solidFill>
+                  <a:srgbClr val="FFFFFF"/>
+                </a:solidFill>
+              </a14:hiddenFill>
+            </a:ext>
+          </a:extLst>
+        </p:spPr>
+      </p:pic>
+      <p:sp>
+        <p:nvSpPr>
+          <p:cNvPr id="13" name="テキスト ボックス 12"/>
+          <p:cNvSpPr txBox="1"/>
+          <p:nvPr/>
+        </p:nvSpPr>
+        <p:spPr>
+          <a:xfrm>
+            <a:off x="4792220" y="4865351"/>
+            <a:ext cx="1980029" cy="523220"/>
+          </a:xfrm>
+          <a:prstGeom prst="rect">
+            <a:avLst/>
+          </a:prstGeom>
+          <a:solidFill>
+            <a:schemeClr val="bg1"/>
+          </a:solidFill>
+        </p:spPr>
+        <p:txBody>
+          <a:bodyPr wrap="none" rtlCol="0">
+            <a:spAutoFit/>
+          </a:bodyPr>
+          <a:lstStyle/>
+          <a:p>
+            <a:r>
+              <a:rPr lang="ja-JP" altLang="en-US" sz="2800" b="1" dirty="0">
+                <a:latin typeface="BIZ UDPGothic" panose="020B0400000000000000" pitchFamily="34" charset="-128"/>
+                <a:ea typeface="BIZ UDPGothic" panose="020B0400000000000000" pitchFamily="34" charset="-128"/>
+              </a:rPr>
+              <a:t>環境の一部</a:t>
+            </a:r>
+          </a:p>
+        </p:txBody>
+      </p:sp>
+      <p:sp>
+        <p:nvSpPr>
+          <p:cNvPr id="3" name="矢印: 左右 2">
+            <a:extLst>
+              <a:ext uri="{FF2B5EF4-FFF2-40B4-BE49-F238E27FC236}">
+                <a16:creationId xmlns:a16="http://schemas.microsoft.com/office/drawing/2014/main" id="{3FCEFDF0-1471-154A-CA35-FE24E4CB7FCE}"/>
+              </a:ext>
+            </a:extLst>
+          </p:cNvPr>
+          <p:cNvSpPr/>
+          <p:nvPr/>
+        </p:nvSpPr>
+        <p:spPr>
+          <a:xfrm>
+            <a:off x="3543619" y="2621615"/>
+            <a:ext cx="3666565" cy="1670502"/>
+          </a:xfrm>
+          <a:prstGeom prst="leftRightArrow">
+            <a:avLst/>
+          </a:prstGeom>
+          <a:solidFill>
+            <a:schemeClr val="bg1"/>
+          </a:solidFill>
+          <a:effectLst>
+            <a:outerShdw blurRad="63500" sx="102000" sy="102000" algn="ctr" rotWithShape="0">
+              <a:prstClr val="black">
+                <a:alpha val="40000"/>
+              </a:prstClr>
+            </a:outerShdw>
+          </a:effectLst>
+        </p:spPr>
+        <p:style>
+          <a:lnRef idx="1">
+            <a:schemeClr val="accent3"/>
+          </a:lnRef>
+          <a:fillRef idx="2">
+            <a:schemeClr val="accent3"/>
+          </a:fillRef>
+          <a:effectRef idx="1">
+            <a:schemeClr val="accent3"/>
+          </a:effectRef>
+          <a:fontRef idx="minor">
+            <a:schemeClr val="dk1"/>
+          </a:fontRef>
+        </p:style>
+        <p:txBody>
+          <a:bodyPr rtlCol="0" anchor="ctr"/>
+          <a:lstStyle/>
+          <a:p>
+            <a:pPr algn="ctr"/>
+            <a:r>
+              <a:rPr kumimoji="1" lang="ja-JP" altLang="en-US" sz="2800" b="1" dirty="0">
+                <a:latin typeface="BIZ UDPGothic" panose="020B0400000000000000" pitchFamily="34" charset="-128"/>
+                <a:ea typeface="BIZ UDPGothic" panose="020B0400000000000000" pitchFamily="34" charset="-128"/>
+              </a:rPr>
+              <a:t>道具</a:t>
+            </a:r>
+          </a:p>
+        </p:txBody>
+      </p:sp>
+      <p:sp>
+        <p:nvSpPr>
+          <p:cNvPr id="10" name="テキスト ボックス 9">
+            <a:extLst>
+              <a:ext uri="{FF2B5EF4-FFF2-40B4-BE49-F238E27FC236}">
+                <a16:creationId xmlns:a16="http://schemas.microsoft.com/office/drawing/2014/main" id="{B95B86AA-A52E-0703-94F9-0EC854D4362F}"/>
+              </a:ext>
+            </a:extLst>
+          </p:cNvPr>
+          <p:cNvSpPr txBox="1"/>
+          <p:nvPr/>
+        </p:nvSpPr>
+        <p:spPr>
+          <a:xfrm>
+            <a:off x="3147925" y="1525161"/>
+            <a:ext cx="3036409" cy="523220"/>
+          </a:xfrm>
+          <a:prstGeom prst="rect">
+            <a:avLst/>
+          </a:prstGeom>
+          <a:solidFill>
+            <a:schemeClr val="bg1"/>
+          </a:solidFill>
+        </p:spPr>
+        <p:txBody>
+          <a:bodyPr wrap="none" rtlCol="0">
+            <a:spAutoFit/>
+          </a:bodyPr>
+          <a:lstStyle/>
+          <a:p>
+            <a:r>
+              <a:rPr lang="ja-JP" altLang="en-US" sz="2800" b="1" dirty="0">
+                <a:latin typeface="BIZ UDPGothic" panose="020B0400000000000000" pitchFamily="34" charset="-128"/>
+                <a:ea typeface="BIZ UDPGothic" panose="020B0400000000000000" pitchFamily="34" charset="-128"/>
+              </a:rPr>
+              <a:t>カラダ能力の延長</a:t>
+            </a:r>
+          </a:p>
+        </p:txBody>
+      </p:sp>
+    </p:spTree>
+    <p:extLst>
+      <p:ext uri="{BB962C8B-B14F-4D97-AF65-F5344CB8AC3E}">
+        <p14:creationId xmlns:p14="http://schemas.microsoft.com/office/powerpoint/2010/main" val="3569678687"/>
+      </p:ext>
+    </p:extLst>
+  </p:cSld>
+  <p:clrMapOvr>
+    <a:masterClrMapping/>
+  </p:clrMapOvr>
+</p:sld>
+</file>
+
+<file path=ppt/slides/slide14.xml><?xml version="1.0" encoding="utf-8"?>
+<p:sld xmlns:a="http://schemas.openxmlformats.org/drawingml/2006/main" xmlns:r="http://schemas.openxmlformats.org/officeDocument/2006/relationships" xmlns:p="http://schemas.openxmlformats.org/presentationml/2006/main">
+  <p:cSld>
+    <p:spTree>
+      <p:nvGrpSpPr>
+        <p:cNvPr id="1" name=""/>
+        <p:cNvGrpSpPr/>
+        <p:nvPr/>
+      </p:nvGrpSpPr>
+      <p:grpSpPr>
+        <a:xfrm>
+          <a:off x="0" y="0"/>
+          <a:ext cx="0" cy="0"/>
+          <a:chOff x="0" y="0"/>
+          <a:chExt cx="0" cy="0"/>
+        </a:xfrm>
+      </p:grpSpPr>
+      <p:sp>
+        <p:nvSpPr>
+          <p:cNvPr id="4" name="矢印: 右 3">
+            <a:extLst>
+              <a:ext uri="{FF2B5EF4-FFF2-40B4-BE49-F238E27FC236}">
+                <a16:creationId xmlns:a16="http://schemas.microsoft.com/office/drawing/2014/main" id="{012E71C4-9FCC-5B50-B96C-C1B7A8B38BA4}"/>
+              </a:ext>
+            </a:extLst>
+          </p:cNvPr>
+          <p:cNvSpPr/>
+          <p:nvPr/>
+        </p:nvSpPr>
+        <p:spPr>
+          <a:xfrm rot="18730732">
+            <a:off x="1900518" y="4236328"/>
+            <a:ext cx="2366682" cy="1515035"/>
+          </a:xfrm>
+          <a:prstGeom prst="rightArrow">
+            <a:avLst/>
+          </a:prstGeom>
+        </p:spPr>
+        <p:style>
+          <a:lnRef idx="0">
+            <a:schemeClr val="accent5"/>
+          </a:lnRef>
+          <a:fillRef idx="3">
+            <a:schemeClr val="accent5"/>
+          </a:fillRef>
+          <a:effectRef idx="3">
+            <a:schemeClr val="accent5"/>
+          </a:effectRef>
+          <a:fontRef idx="minor">
+            <a:schemeClr val="lt1"/>
+          </a:fontRef>
+        </p:style>
+        <p:txBody>
+          <a:bodyPr rtlCol="0" anchor="ctr"/>
+          <a:lstStyle/>
+          <a:p>
+            <a:pPr algn="ctr"/>
+            <a:endParaRPr kumimoji="1" lang="ja-JP" altLang="en-US"/>
+          </a:p>
+        </p:txBody>
+      </p:sp>
+      <p:sp>
+        <p:nvSpPr>
+          <p:cNvPr id="6" name="矢印: 右 5">
+            <a:extLst>
+              <a:ext uri="{FF2B5EF4-FFF2-40B4-BE49-F238E27FC236}">
+                <a16:creationId xmlns:a16="http://schemas.microsoft.com/office/drawing/2014/main" id="{F8C63B2B-956C-5A65-53EA-9A01ECBE3B3C}"/>
+              </a:ext>
+            </a:extLst>
+          </p:cNvPr>
+          <p:cNvSpPr/>
+          <p:nvPr/>
+        </p:nvSpPr>
+        <p:spPr>
+          <a:xfrm rot="18730732">
+            <a:off x="7315201" y="920620"/>
+            <a:ext cx="2366682" cy="1515035"/>
+          </a:xfrm>
+          <a:prstGeom prst="rightArrow">
+            <a:avLst/>
+          </a:prstGeom>
+        </p:spPr>
+        <p:style>
+          <a:lnRef idx="0">
+            <a:schemeClr val="accent2"/>
+          </a:lnRef>
+          <a:fillRef idx="3">
+            <a:schemeClr val="accent2"/>
+          </a:fillRef>
+          <a:effectRef idx="3">
+            <a:schemeClr val="accent2"/>
+          </a:effectRef>
+          <a:fontRef idx="minor">
+            <a:schemeClr val="lt1"/>
+          </a:fontRef>
+        </p:style>
+        <p:txBody>
+          <a:bodyPr rtlCol="0" anchor="ctr"/>
+          <a:lstStyle/>
+          <a:p>
+            <a:pPr algn="ctr"/>
+            <a:endParaRPr kumimoji="1" lang="ja-JP" altLang="en-US"/>
+          </a:p>
+        </p:txBody>
+      </p:sp>
+      <p:sp>
+        <p:nvSpPr>
+          <p:cNvPr id="9" name="矢印: 右 8">
+            <a:extLst>
+              <a:ext uri="{FF2B5EF4-FFF2-40B4-BE49-F238E27FC236}">
+                <a16:creationId xmlns:a16="http://schemas.microsoft.com/office/drawing/2014/main" id="{FB8B48B4-D712-F165-58F8-46FA6A4C7344}"/>
+              </a:ext>
+            </a:extLst>
+          </p:cNvPr>
+          <p:cNvSpPr/>
+          <p:nvPr/>
+        </p:nvSpPr>
+        <p:spPr>
+          <a:xfrm rot="13417107">
+            <a:off x="1816663" y="1077466"/>
+            <a:ext cx="2366682" cy="1515035"/>
+          </a:xfrm>
+          <a:prstGeom prst="rightArrow">
+            <a:avLst/>
+          </a:prstGeom>
+        </p:spPr>
+        <p:style>
+          <a:lnRef idx="0">
+            <a:schemeClr val="accent2"/>
+          </a:lnRef>
+          <a:fillRef idx="3">
+            <a:schemeClr val="accent2"/>
+          </a:fillRef>
+          <a:effectRef idx="3">
+            <a:schemeClr val="accent2"/>
+          </a:effectRef>
+          <a:fontRef idx="minor">
+            <a:schemeClr val="lt1"/>
+          </a:fontRef>
+        </p:style>
+        <p:txBody>
+          <a:bodyPr rtlCol="0" anchor="ctr"/>
+          <a:lstStyle/>
+          <a:p>
+            <a:pPr algn="ctr"/>
+            <a:endParaRPr kumimoji="1" lang="ja-JP" altLang="en-US"/>
+          </a:p>
+        </p:txBody>
+      </p:sp>
+      <p:sp>
+        <p:nvSpPr>
+          <p:cNvPr id="10" name="矢印: 右 9">
+            <a:extLst>
+              <a:ext uri="{FF2B5EF4-FFF2-40B4-BE49-F238E27FC236}">
+                <a16:creationId xmlns:a16="http://schemas.microsoft.com/office/drawing/2014/main" id="{F269B8DB-FEEC-A4DD-B628-89A0FC524FD8}"/>
+              </a:ext>
+            </a:extLst>
+          </p:cNvPr>
+          <p:cNvSpPr/>
+          <p:nvPr/>
+        </p:nvSpPr>
+        <p:spPr>
+          <a:xfrm rot="16200000">
+            <a:off x="4607859" y="630563"/>
+            <a:ext cx="2366682" cy="1515035"/>
+          </a:xfrm>
+          <a:prstGeom prst="rightArrow">
+            <a:avLst/>
+          </a:prstGeom>
+        </p:spPr>
+        <p:style>
+          <a:lnRef idx="0">
+            <a:schemeClr val="accent2"/>
+          </a:lnRef>
+          <a:fillRef idx="3">
+            <a:schemeClr val="accent2"/>
+          </a:fillRef>
+          <a:effectRef idx="3">
+            <a:schemeClr val="accent2"/>
+          </a:effectRef>
+          <a:fontRef idx="minor">
+            <a:schemeClr val="lt1"/>
+          </a:fontRef>
+        </p:style>
+        <p:txBody>
+          <a:bodyPr rtlCol="0" anchor="ctr"/>
+          <a:lstStyle/>
+          <a:p>
+            <a:pPr algn="ctr"/>
+            <a:endParaRPr kumimoji="1" lang="ja-JP" altLang="en-US"/>
+          </a:p>
+        </p:txBody>
+      </p:sp>
+      <p:sp>
+        <p:nvSpPr>
+          <p:cNvPr id="11" name="矢印: 右 10">
+            <a:extLst>
+              <a:ext uri="{FF2B5EF4-FFF2-40B4-BE49-F238E27FC236}">
+                <a16:creationId xmlns:a16="http://schemas.microsoft.com/office/drawing/2014/main" id="{F73C472E-FF94-379D-A075-FA4DA64CA305}"/>
+              </a:ext>
+            </a:extLst>
+          </p:cNvPr>
+          <p:cNvSpPr/>
+          <p:nvPr/>
+        </p:nvSpPr>
+        <p:spPr>
+          <a:xfrm rot="13417107">
+            <a:off x="7338545" y="4152759"/>
+            <a:ext cx="2366682" cy="1515035"/>
+          </a:xfrm>
+          <a:prstGeom prst="rightArrow">
+            <a:avLst/>
+          </a:prstGeom>
+        </p:spPr>
+        <p:style>
+          <a:lnRef idx="0">
+            <a:schemeClr val="accent5"/>
+          </a:lnRef>
+          <a:fillRef idx="3">
+            <a:schemeClr val="accent5"/>
+          </a:fillRef>
+          <a:effectRef idx="3">
+            <a:schemeClr val="accent5"/>
+          </a:effectRef>
+          <a:fontRef idx="minor">
+            <a:schemeClr val="lt1"/>
+          </a:fontRef>
+        </p:style>
+        <p:txBody>
+          <a:bodyPr rtlCol="0" anchor="ctr"/>
+          <a:lstStyle/>
+          <a:p>
+            <a:pPr algn="ctr"/>
+            <a:endParaRPr kumimoji="1" lang="ja-JP" altLang="en-US"/>
+          </a:p>
+        </p:txBody>
+      </p:sp>
+      <p:sp>
+        <p:nvSpPr>
+          <p:cNvPr id="12" name="矢印: 右 11">
+            <a:extLst>
+              <a:ext uri="{FF2B5EF4-FFF2-40B4-BE49-F238E27FC236}">
+                <a16:creationId xmlns:a16="http://schemas.microsoft.com/office/drawing/2014/main" id="{FDCF535D-F060-E5BA-D8C5-109462A5E42C}"/>
+              </a:ext>
+            </a:extLst>
+          </p:cNvPr>
+          <p:cNvSpPr/>
+          <p:nvPr/>
+        </p:nvSpPr>
+        <p:spPr>
+          <a:xfrm rot="16200000">
+            <a:off x="4623547" y="4533107"/>
+            <a:ext cx="2366682" cy="1515035"/>
+          </a:xfrm>
+          <a:prstGeom prst="rightArrow">
+            <a:avLst/>
+          </a:prstGeom>
+        </p:spPr>
+        <p:style>
+          <a:lnRef idx="0">
+            <a:schemeClr val="accent5"/>
+          </a:lnRef>
+          <a:fillRef idx="3">
+            <a:schemeClr val="accent5"/>
+          </a:fillRef>
+          <a:effectRef idx="3">
+            <a:schemeClr val="accent5"/>
+          </a:effectRef>
+          <a:fontRef idx="minor">
+            <a:schemeClr val="lt1"/>
+          </a:fontRef>
+        </p:style>
+        <p:txBody>
+          <a:bodyPr rtlCol="0" anchor="ctr"/>
+          <a:lstStyle/>
+          <a:p>
+            <a:pPr algn="ctr"/>
+            <a:endParaRPr kumimoji="1" lang="ja-JP" altLang="en-US"/>
+          </a:p>
+        </p:txBody>
+      </p:sp>
+      <p:sp>
+        <p:nvSpPr>
+          <p:cNvPr id="8" name="テキスト ボックス 7">
+            <a:extLst>
+              <a:ext uri="{FF2B5EF4-FFF2-40B4-BE49-F238E27FC236}">
+                <a16:creationId xmlns:a16="http://schemas.microsoft.com/office/drawing/2014/main" id="{B936B592-F0C0-F8FD-6760-74A077E6DB71}"/>
+              </a:ext>
+            </a:extLst>
+          </p:cNvPr>
+          <p:cNvSpPr txBox="1"/>
+          <p:nvPr/>
+        </p:nvSpPr>
+        <p:spPr>
+          <a:xfrm>
+            <a:off x="4343400" y="940614"/>
+            <a:ext cx="3092822" cy="954107"/>
+          </a:xfrm>
+          <a:prstGeom prst="rect">
+            <a:avLst/>
+          </a:prstGeom>
+          <a:noFill/>
+        </p:spPr>
+        <p:txBody>
+          <a:bodyPr wrap="square" rtlCol="0">
+            <a:spAutoFit/>
+          </a:bodyPr>
+          <a:lstStyle/>
+          <a:p>
+            <a:pPr algn="ctr"/>
+            <a:r>
+              <a:rPr kumimoji="1" lang="ja-JP" altLang="en-US" sz="2800" dirty="0">
+                <a:latin typeface="BIZ UDPGothic" panose="020B0400000000000000" pitchFamily="34" charset="-128"/>
+                <a:ea typeface="BIZ UDPGothic" panose="020B0400000000000000" pitchFamily="34" charset="-128"/>
+              </a:rPr>
+              <a:t>インターネット</a:t>
+            </a:r>
+            <a:endParaRPr kumimoji="1" lang="en-US" altLang="ja-JP" sz="2800" dirty="0">
+              <a:latin typeface="BIZ UDPGothic" panose="020B0400000000000000" pitchFamily="34" charset="-128"/>
+              <a:ea typeface="BIZ UDPGothic" panose="020B0400000000000000" pitchFamily="34" charset="-128"/>
+            </a:endParaRPr>
+          </a:p>
+          <a:p>
+            <a:pPr algn="ctr"/>
+            <a:r>
+              <a:rPr lang="ja-JP" altLang="en-US" sz="2800" dirty="0">
+                <a:latin typeface="BIZ UDPGothic" panose="020B0400000000000000" pitchFamily="34" charset="-128"/>
+                <a:ea typeface="BIZ UDPGothic" panose="020B0400000000000000" pitchFamily="34" charset="-128"/>
+              </a:rPr>
+              <a:t>共有、流通</a:t>
+            </a:r>
+            <a:endParaRPr kumimoji="1" lang="ja-JP" altLang="en-US" sz="2800" dirty="0">
+              <a:latin typeface="BIZ UDPGothic" panose="020B0400000000000000" pitchFamily="34" charset="-128"/>
+              <a:ea typeface="BIZ UDPGothic" panose="020B0400000000000000" pitchFamily="34" charset="-128"/>
+            </a:endParaRPr>
+          </a:p>
+        </p:txBody>
+      </p:sp>
+      <p:sp>
+        <p:nvSpPr>
+          <p:cNvPr id="5" name="テキスト ボックス 4">
+            <a:extLst>
+              <a:ext uri="{FF2B5EF4-FFF2-40B4-BE49-F238E27FC236}">
+                <a16:creationId xmlns:a16="http://schemas.microsoft.com/office/drawing/2014/main" id="{1E00F255-2CFC-9769-9281-A5EE89CFE25B}"/>
+              </a:ext>
+            </a:extLst>
+          </p:cNvPr>
+          <p:cNvSpPr txBox="1"/>
+          <p:nvPr/>
+        </p:nvSpPr>
+        <p:spPr>
+          <a:xfrm>
+            <a:off x="4148763" y="5100637"/>
+            <a:ext cx="3284874" cy="523220"/>
+          </a:xfrm>
+          <a:prstGeom prst="rect">
+            <a:avLst/>
+          </a:prstGeom>
+          <a:noFill/>
+        </p:spPr>
+        <p:txBody>
+          <a:bodyPr wrap="none" rtlCol="0">
+            <a:spAutoFit/>
+          </a:bodyPr>
+          <a:lstStyle/>
+          <a:p>
+            <a:r>
+              <a:rPr kumimoji="1" lang="ja-JP" altLang="en-US" sz="2800" dirty="0">
+                <a:latin typeface="BIZ UDPGothic" panose="020B0400000000000000" pitchFamily="34" charset="-128"/>
+                <a:ea typeface="BIZ UDPGothic" panose="020B0400000000000000" pitchFamily="34" charset="-128"/>
+              </a:rPr>
+              <a:t>情報のディジタル化</a:t>
+            </a:r>
+          </a:p>
+        </p:txBody>
+      </p:sp>
+      <p:sp>
+        <p:nvSpPr>
+          <p:cNvPr id="2" name="正方形/長方形 1">
+            <a:extLst>
+              <a:ext uri="{FF2B5EF4-FFF2-40B4-BE49-F238E27FC236}">
+                <a16:creationId xmlns:a16="http://schemas.microsoft.com/office/drawing/2014/main" id="{2FDA06A9-7271-DD50-CCEA-135D2BA5C7DD}"/>
+              </a:ext>
+            </a:extLst>
+          </p:cNvPr>
+          <p:cNvSpPr/>
+          <p:nvPr/>
+        </p:nvSpPr>
+        <p:spPr>
+          <a:xfrm>
+            <a:off x="3899648" y="2581835"/>
+            <a:ext cx="3783105" cy="1515035"/>
+          </a:xfrm>
+          <a:prstGeom prst="rect">
+            <a:avLst/>
+          </a:prstGeom>
+          <a:ln>
+            <a:noFill/>
+          </a:ln>
+          <a:effectLst/>
+          <a:scene3d>
+            <a:camera prst="orthographicFront">
+              <a:rot lat="0" lon="0" rev="0"/>
+            </a:camera>
+            <a:lightRig rig="contrasting" dir="t">
+              <a:rot lat="0" lon="0" rev="7800000"/>
+            </a:lightRig>
+          </a:scene3d>
+          <a:sp3d>
+            <a:bevelT w="139700" h="139700"/>
+          </a:sp3d>
+        </p:spPr>
+        <p:style>
+          <a:lnRef idx="1">
+            <a:schemeClr val="accent6"/>
+          </a:lnRef>
+          <a:fillRef idx="2">
+            <a:schemeClr val="accent6"/>
+          </a:fillRef>
+          <a:effectRef idx="1">
+            <a:schemeClr val="accent6"/>
+          </a:effectRef>
+          <a:fontRef idx="minor">
+            <a:schemeClr val="dk1"/>
+          </a:fontRef>
+        </p:style>
+        <p:txBody>
+          <a:bodyPr rtlCol="0" anchor="ctr"/>
+          <a:lstStyle/>
+          <a:p>
+            <a:pPr algn="ctr"/>
+            <a:r>
+              <a:rPr kumimoji="1" lang="ja-JP" altLang="en-US" sz="2800" dirty="0">
+                <a:latin typeface="BIZ UDPGothic" panose="020B0400000000000000" pitchFamily="34" charset="-128"/>
+                <a:ea typeface="BIZ UDPGothic" panose="020B0400000000000000" pitchFamily="34" charset="-128"/>
+              </a:rPr>
+              <a:t>コンピュータ</a:t>
+            </a:r>
+            <a:endParaRPr kumimoji="1" lang="en-US" altLang="ja-JP" sz="2800" dirty="0">
+              <a:latin typeface="BIZ UDPGothic" panose="020B0400000000000000" pitchFamily="34" charset="-128"/>
+              <a:ea typeface="BIZ UDPGothic" panose="020B0400000000000000" pitchFamily="34" charset="-128"/>
+            </a:endParaRPr>
+          </a:p>
+          <a:p>
+            <a:pPr algn="ctr"/>
+            <a:r>
+              <a:rPr lang="ja-JP" altLang="en-US" sz="2800" dirty="0">
+                <a:latin typeface="BIZ UDPGothic" panose="020B0400000000000000" pitchFamily="34" charset="-128"/>
+                <a:ea typeface="BIZ UDPGothic" panose="020B0400000000000000" pitchFamily="34" charset="-128"/>
+              </a:rPr>
+              <a:t>情報処理</a:t>
+            </a:r>
+            <a:endParaRPr kumimoji="1" lang="ja-JP" altLang="en-US" sz="2800" dirty="0">
+              <a:latin typeface="BIZ UDPGothic" panose="020B0400000000000000" pitchFamily="34" charset="-128"/>
+              <a:ea typeface="BIZ UDPGothic" panose="020B0400000000000000" pitchFamily="34" charset="-128"/>
+            </a:endParaRPr>
+          </a:p>
+        </p:txBody>
+      </p:sp>
+    </p:spTree>
+    <p:extLst>
+      <p:ext uri="{BB962C8B-B14F-4D97-AF65-F5344CB8AC3E}">
+        <p14:creationId xmlns:p14="http://schemas.microsoft.com/office/powerpoint/2010/main" val="1094060119"/>
+      </p:ext>
+    </p:extLst>
+  </p:cSld>
+  <p:clrMapOvr>
+    <a:masterClrMapping/>
+  </p:clrMapOvr>
+</p:sld>
+</file>
+
+<file path=ppt/slides/slide15.xml><?xml version="1.0" encoding="utf-8"?>
+<p:sld xmlns:a="http://schemas.openxmlformats.org/drawingml/2006/main" xmlns:r="http://schemas.openxmlformats.org/officeDocument/2006/relationships" xmlns:p="http://schemas.openxmlformats.org/presentationml/2006/main">
+  <p:cSld>
+    <p:spTree>
+      <p:nvGrpSpPr>
+        <p:cNvPr id="1" name=""/>
+        <p:cNvGrpSpPr/>
+        <p:nvPr/>
+      </p:nvGrpSpPr>
+      <p:grpSpPr>
+        <a:xfrm>
+          <a:off x="0" y="0"/>
+          <a:ext cx="0" cy="0"/>
+          <a:chOff x="0" y="0"/>
+          <a:chExt cx="0" cy="0"/>
+        </a:xfrm>
+      </p:grpSpPr>
+      <p:graphicFrame>
+        <p:nvGraphicFramePr>
+          <p:cNvPr id="2" name="図表 1">
+            <a:extLst>
+              <a:ext uri="{FF2B5EF4-FFF2-40B4-BE49-F238E27FC236}">
+                <a16:creationId xmlns:a16="http://schemas.microsoft.com/office/drawing/2014/main" id="{8CBAA016-2FA7-B959-1EFB-6280936F6BA6}"/>
+              </a:ext>
+            </a:extLst>
+          </p:cNvPr>
+          <p:cNvGraphicFramePr/>
+          <p:nvPr>
+            <p:extLst>
+              <p:ext uri="{D42A27DB-BD31-4B8C-83A1-F6EECF244321}">
+                <p14:modId xmlns:p14="http://schemas.microsoft.com/office/powerpoint/2010/main" val="2968072724"/>
+              </p:ext>
+            </p:extLst>
+          </p:nvPr>
+        </p:nvGraphicFramePr>
+        <p:xfrm>
+          <a:off x="1103087" y="719667"/>
+          <a:ext cx="10000342" cy="5376334"/>
+        </p:xfrm>
+        <a:graphic>
+          <a:graphicData uri="http://schemas.openxmlformats.org/drawingml/2006/diagram">
+            <dgm:relIds xmlns:dgm="http://schemas.openxmlformats.org/drawingml/2006/diagram" xmlns:r="http://schemas.openxmlformats.org/officeDocument/2006/relationships" r:dm="rId2" r:lo="rId3" r:qs="rId4" r:cs="rId5"/>
+          </a:graphicData>
+        </a:graphic>
+      </p:graphicFrame>
+    </p:spTree>
+    <p:extLst>
+      <p:ext uri="{BB962C8B-B14F-4D97-AF65-F5344CB8AC3E}">
+        <p14:creationId xmlns:p14="http://schemas.microsoft.com/office/powerpoint/2010/main" val="3066836162"/>
       </p:ext>
     </p:extLst>
   </p:cSld>
